--- a/R/スライド/第33回.pptx
+++ b/R/スライド/第33回.pptx
@@ -9,10 +9,12 @@
     <p:sldId id="258" r:id="rId3"/>
     <p:sldId id="259" r:id="rId4"/>
     <p:sldId id="264" r:id="rId5"/>
-    <p:sldId id="260" r:id="rId6"/>
-    <p:sldId id="261" r:id="rId7"/>
-    <p:sldId id="262" r:id="rId8"/>
-    <p:sldId id="263" r:id="rId9"/>
+    <p:sldId id="266" r:id="rId6"/>
+    <p:sldId id="265" r:id="rId7"/>
+    <p:sldId id="260" r:id="rId8"/>
+    <p:sldId id="261" r:id="rId9"/>
+    <p:sldId id="262" r:id="rId10"/>
+    <p:sldId id="263" r:id="rId11"/>
   </p:sldIdLst>
   <p:sldSz cx="12192000" cy="6858000"/>
   <p:notesSz cx="6858000" cy="9144000"/>
@@ -119,6 +121,928 @@
 </p:presentation>
 </file>
 
+<file path=ppt/revisionInfo.xml><?xml version="1.0" encoding="utf-8"?>
+<p1510:revInfo xmlns:a="http://schemas.openxmlformats.org/drawingml/2006/main" xmlns:r="http://schemas.openxmlformats.org/officeDocument/2006/relationships" xmlns:p1510="http://schemas.microsoft.com/office/powerpoint/2015/10/main">
+  <p1510:revLst>
+    <p1510:client id="{EFA63935-411C-4848-9B91-AA4888FB1B9B}" v="22" dt="2023-11-26T09:05:12.941"/>
+  </p1510:revLst>
+</p1510:revInfo>
+</file>
+
+<file path=ppt/changesInfos/changesInfo1.xml><?xml version="1.0" encoding="utf-8"?>
+<pc:chgInfo xmlns:a="http://schemas.openxmlformats.org/drawingml/2006/main" xmlns:r="http://schemas.openxmlformats.org/officeDocument/2006/relationships" xmlns:ac="http://schemas.microsoft.com/office/drawing/2013/main/command" xmlns:pc="http://schemas.microsoft.com/office/powerpoint/2013/main/command">
+  <pc:docChgLst>
+    <pc:chgData name="Shin Fukui" userId="6902ee70c48ce296" providerId="LiveId" clId="{ACF4D4AE-C81B-BC49-A164-A659B9801100}"/>
+    <pc:docChg chg="undo addSld delSld modSld">
+      <pc:chgData name="Shin Fukui" userId="6902ee70c48ce296" providerId="LiveId" clId="{ACF4D4AE-C81B-BC49-A164-A659B9801100}" dt="2023-10-09T14:46:33.125" v="19" actId="20577"/>
+      <pc:docMkLst>
+        <pc:docMk/>
+      </pc:docMkLst>
+      <pc:sldChg chg="modSp add del mod">
+        <pc:chgData name="Shin Fukui" userId="6902ee70c48ce296" providerId="LiveId" clId="{ACF4D4AE-C81B-BC49-A164-A659B9801100}" dt="2023-10-09T14:45:18.005" v="11" actId="2696"/>
+        <pc:sldMkLst>
+          <pc:docMk/>
+          <pc:sldMk cId="3669137468" sldId="257"/>
+        </pc:sldMkLst>
+        <pc:spChg chg="mod">
+          <ac:chgData name="Shin Fukui" userId="6902ee70c48ce296" providerId="LiveId" clId="{ACF4D4AE-C81B-BC49-A164-A659B9801100}" dt="2023-10-01T11:43:22.516" v="9" actId="20577"/>
+          <ac:spMkLst>
+            <pc:docMk/>
+            <pc:sldMk cId="3669137468" sldId="257"/>
+            <ac:spMk id="3" creationId="{310B9E0F-CDAD-4E46-ADF0-88F5FAFB95A1}"/>
+          </ac:spMkLst>
+        </pc:spChg>
+      </pc:sldChg>
+      <pc:sldChg chg="modSp mod">
+        <pc:chgData name="Shin Fukui" userId="6902ee70c48ce296" providerId="LiveId" clId="{ACF4D4AE-C81B-BC49-A164-A659B9801100}" dt="2023-10-09T14:46:33.125" v="19" actId="20577"/>
+        <pc:sldMkLst>
+          <pc:docMk/>
+          <pc:sldMk cId="2626249601" sldId="258"/>
+        </pc:sldMkLst>
+        <pc:spChg chg="mod">
+          <ac:chgData name="Shin Fukui" userId="6902ee70c48ce296" providerId="LiveId" clId="{ACF4D4AE-C81B-BC49-A164-A659B9801100}" dt="2023-10-09T14:46:33.125" v="19" actId="20577"/>
+          <ac:spMkLst>
+            <pc:docMk/>
+            <pc:sldMk cId="2626249601" sldId="258"/>
+            <ac:spMk id="3" creationId="{A8F9F26F-1B3F-2C3A-6C4E-028540B530AB}"/>
+          </ac:spMkLst>
+        </pc:spChg>
+      </pc:sldChg>
+    </pc:docChg>
+  </pc:docChgLst>
+  <pc:docChgLst>
+    <pc:chgData name="Shin Fukui" userId="6902ee70c48ce296" providerId="LiveId" clId="{EFA63935-411C-4848-9B91-AA4888FB1B9B}"/>
+    <pc:docChg chg="undo custSel addSld delSld modSld sldOrd">
+      <pc:chgData name="Shin Fukui" userId="6902ee70c48ce296" providerId="LiveId" clId="{EFA63935-411C-4848-9B91-AA4888FB1B9B}" dt="2023-11-26T09:05:12.941" v="725" actId="338"/>
+      <pc:docMkLst>
+        <pc:docMk/>
+      </pc:docMkLst>
+      <pc:sldChg chg="addSp delSp modSp new mod ord">
+        <pc:chgData name="Shin Fukui" userId="6902ee70c48ce296" providerId="LiveId" clId="{EFA63935-411C-4848-9B91-AA4888FB1B9B}" dt="2023-11-26T09:05:12.941" v="725" actId="338"/>
+        <pc:sldMkLst>
+          <pc:docMk/>
+          <pc:sldMk cId="3467600891" sldId="265"/>
+        </pc:sldMkLst>
+        <pc:spChg chg="mod">
+          <ac:chgData name="Shin Fukui" userId="6902ee70c48ce296" providerId="LiveId" clId="{EFA63935-411C-4848-9B91-AA4888FB1B9B}" dt="2023-11-26T07:40:24.701" v="506" actId="20577"/>
+          <ac:spMkLst>
+            <pc:docMk/>
+            <pc:sldMk cId="3467600891" sldId="265"/>
+            <ac:spMk id="2" creationId="{8870E41F-5D30-2EF4-ECF8-A6ECE31BFFCB}"/>
+          </ac:spMkLst>
+        </pc:spChg>
+        <pc:spChg chg="mod">
+          <ac:chgData name="Shin Fukui" userId="6902ee70c48ce296" providerId="LiveId" clId="{EFA63935-411C-4848-9B91-AA4888FB1B9B}" dt="2023-11-26T07:41:13.120" v="542" actId="20577"/>
+          <ac:spMkLst>
+            <pc:docMk/>
+            <pc:sldMk cId="3467600891" sldId="265"/>
+            <ac:spMk id="3" creationId="{2016E0E0-C1D3-F065-5D68-FE5AF532C5DF}"/>
+          </ac:spMkLst>
+        </pc:spChg>
+        <pc:spChg chg="add del mod">
+          <ac:chgData name="Shin Fukui" userId="6902ee70c48ce296" providerId="LiveId" clId="{EFA63935-411C-4848-9B91-AA4888FB1B9B}" dt="2023-11-26T07:20:38.758" v="406" actId="478"/>
+          <ac:spMkLst>
+            <pc:docMk/>
+            <pc:sldMk cId="3467600891" sldId="265"/>
+            <ac:spMk id="5" creationId="{961A9A52-BC5E-F9BB-5679-16BAB611F7A7}"/>
+          </ac:spMkLst>
+        </pc:spChg>
+        <pc:spChg chg="add del mod">
+          <ac:chgData name="Shin Fukui" userId="6902ee70c48ce296" providerId="LiveId" clId="{EFA63935-411C-4848-9B91-AA4888FB1B9B}" dt="2023-11-26T07:20:38.758" v="406" actId="478"/>
+          <ac:spMkLst>
+            <pc:docMk/>
+            <pc:sldMk cId="3467600891" sldId="265"/>
+            <ac:spMk id="6" creationId="{3A494EFF-1F10-089B-C20C-162C96AD633C}"/>
+          </ac:spMkLst>
+        </pc:spChg>
+        <pc:spChg chg="add del mod">
+          <ac:chgData name="Shin Fukui" userId="6902ee70c48ce296" providerId="LiveId" clId="{EFA63935-411C-4848-9B91-AA4888FB1B9B}" dt="2023-11-26T07:20:38.758" v="406" actId="478"/>
+          <ac:spMkLst>
+            <pc:docMk/>
+            <pc:sldMk cId="3467600891" sldId="265"/>
+            <ac:spMk id="7" creationId="{07DA0121-9144-9584-B752-424653BCB443}"/>
+          </ac:spMkLst>
+        </pc:spChg>
+        <pc:spChg chg="add del mod">
+          <ac:chgData name="Shin Fukui" userId="6902ee70c48ce296" providerId="LiveId" clId="{EFA63935-411C-4848-9B91-AA4888FB1B9B}" dt="2023-11-26T07:20:38.758" v="406" actId="478"/>
+          <ac:spMkLst>
+            <pc:docMk/>
+            <pc:sldMk cId="3467600891" sldId="265"/>
+            <ac:spMk id="8" creationId="{D73EA034-5EB3-45CE-06F9-E2A397D87869}"/>
+          </ac:spMkLst>
+        </pc:spChg>
+        <pc:spChg chg="add del mod">
+          <ac:chgData name="Shin Fukui" userId="6902ee70c48ce296" providerId="LiveId" clId="{EFA63935-411C-4848-9B91-AA4888FB1B9B}" dt="2023-11-26T07:20:38.758" v="406" actId="478"/>
+          <ac:spMkLst>
+            <pc:docMk/>
+            <pc:sldMk cId="3467600891" sldId="265"/>
+            <ac:spMk id="9" creationId="{6837F6B1-F78D-BACD-3A3A-5CD499280C82}"/>
+          </ac:spMkLst>
+        </pc:spChg>
+        <pc:spChg chg="add del mod">
+          <ac:chgData name="Shin Fukui" userId="6902ee70c48ce296" providerId="LiveId" clId="{EFA63935-411C-4848-9B91-AA4888FB1B9B}" dt="2023-11-26T07:20:38.758" v="406" actId="478"/>
+          <ac:spMkLst>
+            <pc:docMk/>
+            <pc:sldMk cId="3467600891" sldId="265"/>
+            <ac:spMk id="12" creationId="{4D98A069-B407-6B29-0187-7A5971B867A0}"/>
+          </ac:spMkLst>
+        </pc:spChg>
+        <pc:spChg chg="add del mod">
+          <ac:chgData name="Shin Fukui" userId="6902ee70c48ce296" providerId="LiveId" clId="{EFA63935-411C-4848-9B91-AA4888FB1B9B}" dt="2023-11-26T07:20:38.758" v="406" actId="478"/>
+          <ac:spMkLst>
+            <pc:docMk/>
+            <pc:sldMk cId="3467600891" sldId="265"/>
+            <ac:spMk id="13" creationId="{81141574-C812-61AF-386D-2C5D02864595}"/>
+          </ac:spMkLst>
+        </pc:spChg>
+        <pc:spChg chg="mod topLvl">
+          <ac:chgData name="Shin Fukui" userId="6902ee70c48ce296" providerId="LiveId" clId="{EFA63935-411C-4848-9B91-AA4888FB1B9B}" dt="2023-11-26T09:05:12.941" v="725" actId="338"/>
+          <ac:spMkLst>
+            <pc:docMk/>
+            <pc:sldMk cId="3467600891" sldId="265"/>
+            <ac:spMk id="15" creationId="{50A315C2-EFA0-B11B-1D15-503340263CE3}"/>
+          </ac:spMkLst>
+        </pc:spChg>
+        <pc:spChg chg="mod topLvl">
+          <ac:chgData name="Shin Fukui" userId="6902ee70c48ce296" providerId="LiveId" clId="{EFA63935-411C-4848-9B91-AA4888FB1B9B}" dt="2023-11-26T09:05:12.941" v="725" actId="338"/>
+          <ac:spMkLst>
+            <pc:docMk/>
+            <pc:sldMk cId="3467600891" sldId="265"/>
+            <ac:spMk id="16" creationId="{51F3A471-F67D-14C8-6BAE-542C001E142C}"/>
+          </ac:spMkLst>
+        </pc:spChg>
+        <pc:spChg chg="del mod">
+          <ac:chgData name="Shin Fukui" userId="6902ee70c48ce296" providerId="LiveId" clId="{EFA63935-411C-4848-9B91-AA4888FB1B9B}" dt="2023-11-26T08:00:44.131" v="711" actId="478"/>
+          <ac:spMkLst>
+            <pc:docMk/>
+            <pc:sldMk cId="3467600891" sldId="265"/>
+            <ac:spMk id="20" creationId="{41D0B32C-7219-FA56-A2B3-2BB1409D18CF}"/>
+          </ac:spMkLst>
+        </pc:spChg>
+        <pc:spChg chg="del mod">
+          <ac:chgData name="Shin Fukui" userId="6902ee70c48ce296" providerId="LiveId" clId="{EFA63935-411C-4848-9B91-AA4888FB1B9B}" dt="2023-11-26T08:00:49.495" v="712" actId="478"/>
+          <ac:spMkLst>
+            <pc:docMk/>
+            <pc:sldMk cId="3467600891" sldId="265"/>
+            <ac:spMk id="21" creationId="{9F3B5BC1-1C15-94E4-F71F-B1123C2BE089}"/>
+          </ac:spMkLst>
+        </pc:spChg>
+        <pc:spChg chg="mod topLvl">
+          <ac:chgData name="Shin Fukui" userId="6902ee70c48ce296" providerId="LiveId" clId="{EFA63935-411C-4848-9B91-AA4888FB1B9B}" dt="2023-11-26T09:05:12.941" v="725" actId="338"/>
+          <ac:spMkLst>
+            <pc:docMk/>
+            <pc:sldMk cId="3467600891" sldId="265"/>
+            <ac:spMk id="24" creationId="{CBAAF73D-11A6-DBC6-DFEC-3D47478947D3}"/>
+          </ac:spMkLst>
+        </pc:spChg>
+        <pc:spChg chg="mod topLvl">
+          <ac:chgData name="Shin Fukui" userId="6902ee70c48ce296" providerId="LiveId" clId="{EFA63935-411C-4848-9B91-AA4888FB1B9B}" dt="2023-11-26T09:05:12.941" v="725" actId="338"/>
+          <ac:spMkLst>
+            <pc:docMk/>
+            <pc:sldMk cId="3467600891" sldId="265"/>
+            <ac:spMk id="25" creationId="{E17AC6A2-087C-0050-BD97-4F927D4F9CC2}"/>
+          </ac:spMkLst>
+        </pc:spChg>
+        <pc:spChg chg="mod">
+          <ac:chgData name="Shin Fukui" userId="6902ee70c48ce296" providerId="LiveId" clId="{EFA63935-411C-4848-9B91-AA4888FB1B9B}" dt="2023-11-26T09:04:40.872" v="723" actId="165"/>
+          <ac:spMkLst>
+            <pc:docMk/>
+            <pc:sldMk cId="3467600891" sldId="265"/>
+            <ac:spMk id="27" creationId="{9F3D4662-92F8-0FF3-F0AB-8AC0ED150071}"/>
+          </ac:spMkLst>
+        </pc:spChg>
+        <pc:spChg chg="mod">
+          <ac:chgData name="Shin Fukui" userId="6902ee70c48ce296" providerId="LiveId" clId="{EFA63935-411C-4848-9B91-AA4888FB1B9B}" dt="2023-11-26T09:04:40.872" v="723" actId="165"/>
+          <ac:spMkLst>
+            <pc:docMk/>
+            <pc:sldMk cId="3467600891" sldId="265"/>
+            <ac:spMk id="28" creationId="{5590B3D6-876A-EAA9-10DC-979B95030AE3}"/>
+          </ac:spMkLst>
+        </pc:spChg>
+        <pc:spChg chg="mod">
+          <ac:chgData name="Shin Fukui" userId="6902ee70c48ce296" providerId="LiveId" clId="{EFA63935-411C-4848-9B91-AA4888FB1B9B}" dt="2023-11-26T09:04:40.872" v="723" actId="165"/>
+          <ac:spMkLst>
+            <pc:docMk/>
+            <pc:sldMk cId="3467600891" sldId="265"/>
+            <ac:spMk id="30" creationId="{5FE2F757-2D58-6EA2-75E6-BCA2E207AF70}"/>
+          </ac:spMkLst>
+        </pc:spChg>
+        <pc:spChg chg="mod">
+          <ac:chgData name="Shin Fukui" userId="6902ee70c48ce296" providerId="LiveId" clId="{EFA63935-411C-4848-9B91-AA4888FB1B9B}" dt="2023-11-26T09:04:40.872" v="723" actId="165"/>
+          <ac:spMkLst>
+            <pc:docMk/>
+            <pc:sldMk cId="3467600891" sldId="265"/>
+            <ac:spMk id="31" creationId="{5B03FD7E-59ED-30C0-F7E5-27A935CD81A3}"/>
+          </ac:spMkLst>
+        </pc:spChg>
+        <pc:spChg chg="mod">
+          <ac:chgData name="Shin Fukui" userId="6902ee70c48ce296" providerId="LiveId" clId="{EFA63935-411C-4848-9B91-AA4888FB1B9B}" dt="2023-11-26T09:04:40.872" v="723" actId="165"/>
+          <ac:spMkLst>
+            <pc:docMk/>
+            <pc:sldMk cId="3467600891" sldId="265"/>
+            <ac:spMk id="34" creationId="{0BCE79DF-1834-C681-3AB1-DF2999CD3F93}"/>
+          </ac:spMkLst>
+        </pc:spChg>
+        <pc:spChg chg="mod">
+          <ac:chgData name="Shin Fukui" userId="6902ee70c48ce296" providerId="LiveId" clId="{EFA63935-411C-4848-9B91-AA4888FB1B9B}" dt="2023-11-26T09:04:40.872" v="723" actId="165"/>
+          <ac:spMkLst>
+            <pc:docMk/>
+            <pc:sldMk cId="3467600891" sldId="265"/>
+            <ac:spMk id="35" creationId="{F5A52C35-3F49-EA2A-C605-1A2C2D5D9D5B}"/>
+          </ac:spMkLst>
+        </pc:spChg>
+        <pc:spChg chg="mod">
+          <ac:chgData name="Shin Fukui" userId="6902ee70c48ce296" providerId="LiveId" clId="{EFA63935-411C-4848-9B91-AA4888FB1B9B}" dt="2023-11-26T09:04:40.872" v="723" actId="165"/>
+          <ac:spMkLst>
+            <pc:docMk/>
+            <pc:sldMk cId="3467600891" sldId="265"/>
+            <ac:spMk id="36" creationId="{25302CBB-7B5F-C08E-C25A-2D96221545B4}"/>
+          </ac:spMkLst>
+        </pc:spChg>
+        <pc:spChg chg="add mod">
+          <ac:chgData name="Shin Fukui" userId="6902ee70c48ce296" providerId="LiveId" clId="{EFA63935-411C-4848-9B91-AA4888FB1B9B}" dt="2023-11-26T07:58:40.787" v="651" actId="1076"/>
+          <ac:spMkLst>
+            <pc:docMk/>
+            <pc:sldMk cId="3467600891" sldId="265"/>
+            <ac:spMk id="40" creationId="{4860BB7D-2208-D10A-1FD8-F42AE976E6E1}"/>
+          </ac:spMkLst>
+        </pc:spChg>
+        <pc:spChg chg="add mod">
+          <ac:chgData name="Shin Fukui" userId="6902ee70c48ce296" providerId="LiveId" clId="{EFA63935-411C-4848-9B91-AA4888FB1B9B}" dt="2023-11-26T07:58:58.570" v="671" actId="20577"/>
+          <ac:spMkLst>
+            <pc:docMk/>
+            <pc:sldMk cId="3467600891" sldId="265"/>
+            <ac:spMk id="42" creationId="{773213CD-7E10-879E-AFF2-CE4CFB912252}"/>
+          </ac:spMkLst>
+        </pc:spChg>
+        <pc:grpChg chg="add del mod">
+          <ac:chgData name="Shin Fukui" userId="6902ee70c48ce296" providerId="LiveId" clId="{EFA63935-411C-4848-9B91-AA4888FB1B9B}" dt="2023-11-26T09:04:40.872" v="723" actId="165"/>
+          <ac:grpSpMkLst>
+            <pc:docMk/>
+            <pc:sldMk cId="3467600891" sldId="265"/>
+            <ac:grpSpMk id="14" creationId="{8819946D-79F7-3122-8B25-CC6BF3F7849F}"/>
+          </ac:grpSpMkLst>
+        </pc:grpChg>
+        <pc:grpChg chg="mod topLvl">
+          <ac:chgData name="Shin Fukui" userId="6902ee70c48ce296" providerId="LiveId" clId="{EFA63935-411C-4848-9B91-AA4888FB1B9B}" dt="2023-11-26T09:05:12.941" v="725" actId="338"/>
+          <ac:grpSpMkLst>
+            <pc:docMk/>
+            <pc:sldMk cId="3467600891" sldId="265"/>
+            <ac:grpSpMk id="17" creationId="{565AF47F-5193-9616-CB8E-F602FFEEB08A}"/>
+          </ac:grpSpMkLst>
+        </pc:grpChg>
+        <pc:grpChg chg="mod topLvl">
+          <ac:chgData name="Shin Fukui" userId="6902ee70c48ce296" providerId="LiveId" clId="{EFA63935-411C-4848-9B91-AA4888FB1B9B}" dt="2023-11-26T09:05:12.941" v="725" actId="338"/>
+          <ac:grpSpMkLst>
+            <pc:docMk/>
+            <pc:sldMk cId="3467600891" sldId="265"/>
+            <ac:grpSpMk id="22" creationId="{CDCB81B5-9BC3-B01C-A601-735DF828A329}"/>
+          </ac:grpSpMkLst>
+        </pc:grpChg>
+        <pc:grpChg chg="mod topLvl">
+          <ac:chgData name="Shin Fukui" userId="6902ee70c48ce296" providerId="LiveId" clId="{EFA63935-411C-4848-9B91-AA4888FB1B9B}" dt="2023-11-26T09:05:12.941" v="725" actId="338"/>
+          <ac:grpSpMkLst>
+            <pc:docMk/>
+            <pc:sldMk cId="3467600891" sldId="265"/>
+            <ac:grpSpMk id="23" creationId="{5AF19FC1-4D91-C000-F557-C531FA7448F6}"/>
+          </ac:grpSpMkLst>
+        </pc:grpChg>
+        <pc:grpChg chg="add mod">
+          <ac:chgData name="Shin Fukui" userId="6902ee70c48ce296" providerId="LiveId" clId="{EFA63935-411C-4848-9B91-AA4888FB1B9B}" dt="2023-11-26T09:05:12.941" v="725" actId="338"/>
+          <ac:grpSpMkLst>
+            <pc:docMk/>
+            <pc:sldMk cId="3467600891" sldId="265"/>
+            <ac:grpSpMk id="49" creationId="{5178EB54-F103-AE50-7A41-E1586FDEF008}"/>
+          </ac:grpSpMkLst>
+        </pc:grpChg>
+        <pc:picChg chg="mod">
+          <ac:chgData name="Shin Fukui" userId="6902ee70c48ce296" providerId="LiveId" clId="{EFA63935-411C-4848-9B91-AA4888FB1B9B}" dt="2023-11-26T09:04:40.872" v="723" actId="165"/>
+          <ac:picMkLst>
+            <pc:docMk/>
+            <pc:sldMk cId="3467600891" sldId="265"/>
+            <ac:picMk id="26" creationId="{71CCF0AD-DD79-BCB0-64B8-0C2D00822094}"/>
+          </ac:picMkLst>
+        </pc:picChg>
+        <pc:picChg chg="mod">
+          <ac:chgData name="Shin Fukui" userId="6902ee70c48ce296" providerId="LiveId" clId="{EFA63935-411C-4848-9B91-AA4888FB1B9B}" dt="2023-11-26T09:04:40.872" v="723" actId="165"/>
+          <ac:picMkLst>
+            <pc:docMk/>
+            <pc:sldMk cId="3467600891" sldId="265"/>
+            <ac:picMk id="29" creationId="{8880345A-B5AB-6424-45B7-2EFE62790AA2}"/>
+          </ac:picMkLst>
+        </pc:picChg>
+        <pc:picChg chg="mod">
+          <ac:chgData name="Shin Fukui" userId="6902ee70c48ce296" providerId="LiveId" clId="{EFA63935-411C-4848-9B91-AA4888FB1B9B}" dt="2023-11-26T09:04:40.872" v="723" actId="165"/>
+          <ac:picMkLst>
+            <pc:docMk/>
+            <pc:sldMk cId="3467600891" sldId="265"/>
+            <ac:picMk id="32" creationId="{FD0491F4-E45C-83BD-C7D3-9E902AE2C7EF}"/>
+          </ac:picMkLst>
+        </pc:picChg>
+        <pc:cxnChg chg="add del mod">
+          <ac:chgData name="Shin Fukui" userId="6902ee70c48ce296" providerId="LiveId" clId="{EFA63935-411C-4848-9B91-AA4888FB1B9B}" dt="2023-11-26T07:20:38.758" v="406" actId="478"/>
+          <ac:cxnSpMkLst>
+            <pc:docMk/>
+            <pc:sldMk cId="3467600891" sldId="265"/>
+            <ac:cxnSpMk id="4" creationId="{50083AC3-5ACC-E903-C85B-1C7408224B16}"/>
+          </ac:cxnSpMkLst>
+        </pc:cxnChg>
+        <pc:cxnChg chg="add del mod">
+          <ac:chgData name="Shin Fukui" userId="6902ee70c48ce296" providerId="LiveId" clId="{EFA63935-411C-4848-9B91-AA4888FB1B9B}" dt="2023-11-26T07:20:38.758" v="406" actId="478"/>
+          <ac:cxnSpMkLst>
+            <pc:docMk/>
+            <pc:sldMk cId="3467600891" sldId="265"/>
+            <ac:cxnSpMk id="10" creationId="{BFF33897-2DBD-AB23-F809-5BAB1C44F9A9}"/>
+          </ac:cxnSpMkLst>
+        </pc:cxnChg>
+        <pc:cxnChg chg="add del mod">
+          <ac:chgData name="Shin Fukui" userId="6902ee70c48ce296" providerId="LiveId" clId="{EFA63935-411C-4848-9B91-AA4888FB1B9B}" dt="2023-11-26T07:20:38.758" v="406" actId="478"/>
+          <ac:cxnSpMkLst>
+            <pc:docMk/>
+            <pc:sldMk cId="3467600891" sldId="265"/>
+            <ac:cxnSpMk id="11" creationId="{C7622043-3653-527D-FCD0-83131D6F6048}"/>
+          </ac:cxnSpMkLst>
+        </pc:cxnChg>
+        <pc:cxnChg chg="del mod">
+          <ac:chgData name="Shin Fukui" userId="6902ee70c48ce296" providerId="LiveId" clId="{EFA63935-411C-4848-9B91-AA4888FB1B9B}" dt="2023-11-26T08:00:44.131" v="711" actId="478"/>
+          <ac:cxnSpMkLst>
+            <pc:docMk/>
+            <pc:sldMk cId="3467600891" sldId="265"/>
+            <ac:cxnSpMk id="18" creationId="{C63B5893-4970-93F1-F0D3-449BF34519EA}"/>
+          </ac:cxnSpMkLst>
+        </pc:cxnChg>
+        <pc:cxnChg chg="del mod">
+          <ac:chgData name="Shin Fukui" userId="6902ee70c48ce296" providerId="LiveId" clId="{EFA63935-411C-4848-9B91-AA4888FB1B9B}" dt="2023-11-26T08:00:51.757" v="713" actId="478"/>
+          <ac:cxnSpMkLst>
+            <pc:docMk/>
+            <pc:sldMk cId="3467600891" sldId="265"/>
+            <ac:cxnSpMk id="19" creationId="{9033DC92-9E9F-DE42-1FB2-F8544442958E}"/>
+          </ac:cxnSpMkLst>
+        </pc:cxnChg>
+        <pc:cxnChg chg="mod">
+          <ac:chgData name="Shin Fukui" userId="6902ee70c48ce296" providerId="LiveId" clId="{EFA63935-411C-4848-9B91-AA4888FB1B9B}" dt="2023-11-26T09:04:40.872" v="723" actId="165"/>
+          <ac:cxnSpMkLst>
+            <pc:docMk/>
+            <pc:sldMk cId="3467600891" sldId="265"/>
+            <ac:cxnSpMk id="33" creationId="{27420B39-563F-5666-EFDD-8A11131B2794}"/>
+          </ac:cxnSpMkLst>
+        </pc:cxnChg>
+        <pc:cxnChg chg="add mod">
+          <ac:chgData name="Shin Fukui" userId="6902ee70c48ce296" providerId="LiveId" clId="{EFA63935-411C-4848-9B91-AA4888FB1B9B}" dt="2023-11-26T08:01:01.088" v="715" actId="14100"/>
+          <ac:cxnSpMkLst>
+            <pc:docMk/>
+            <pc:sldMk cId="3467600891" sldId="265"/>
+            <ac:cxnSpMk id="38" creationId="{E5CA5724-BC5B-83BB-1271-5C2E72167ADF}"/>
+          </ac:cxnSpMkLst>
+        </pc:cxnChg>
+        <pc:cxnChg chg="add mod">
+          <ac:chgData name="Shin Fukui" userId="6902ee70c48ce296" providerId="LiveId" clId="{EFA63935-411C-4848-9B91-AA4888FB1B9B}" dt="2023-11-26T08:00:56.413" v="714" actId="14100"/>
+          <ac:cxnSpMkLst>
+            <pc:docMk/>
+            <pc:sldMk cId="3467600891" sldId="265"/>
+            <ac:cxnSpMk id="43" creationId="{E4DC0C47-9809-2A37-9AB3-7D3E7DDEAE6D}"/>
+          </ac:cxnSpMkLst>
+        </pc:cxnChg>
+      </pc:sldChg>
+      <pc:sldChg chg="addSp delSp modSp add mod ord">
+        <pc:chgData name="Shin Fukui" userId="6902ee70c48ce296" providerId="LiveId" clId="{EFA63935-411C-4848-9B91-AA4888FB1B9B}" dt="2023-11-26T09:04:30.763" v="722" actId="338"/>
+        <pc:sldMkLst>
+          <pc:docMk/>
+          <pc:sldMk cId="652233924" sldId="266"/>
+        </pc:sldMkLst>
+        <pc:spChg chg="mod topLvl">
+          <ac:chgData name="Shin Fukui" userId="6902ee70c48ce296" providerId="LiveId" clId="{EFA63935-411C-4848-9B91-AA4888FB1B9B}" dt="2023-11-26T09:04:30.763" v="722" actId="338"/>
+          <ac:spMkLst>
+            <pc:docMk/>
+            <pc:sldMk cId="652233924" sldId="266"/>
+            <ac:spMk id="15" creationId="{50A315C2-EFA0-B11B-1D15-503340263CE3}"/>
+          </ac:spMkLst>
+        </pc:spChg>
+        <pc:spChg chg="mod topLvl">
+          <ac:chgData name="Shin Fukui" userId="6902ee70c48ce296" providerId="LiveId" clId="{EFA63935-411C-4848-9B91-AA4888FB1B9B}" dt="2023-11-26T09:04:30.763" v="722" actId="338"/>
+          <ac:spMkLst>
+            <pc:docMk/>
+            <pc:sldMk cId="652233924" sldId="266"/>
+            <ac:spMk id="16" creationId="{51F3A471-F67D-14C8-6BAE-542C001E142C}"/>
+          </ac:spMkLst>
+        </pc:spChg>
+        <pc:spChg chg="mod topLvl">
+          <ac:chgData name="Shin Fukui" userId="6902ee70c48ce296" providerId="LiveId" clId="{EFA63935-411C-4848-9B91-AA4888FB1B9B}" dt="2023-11-26T09:04:30.763" v="722" actId="338"/>
+          <ac:spMkLst>
+            <pc:docMk/>
+            <pc:sldMk cId="652233924" sldId="266"/>
+            <ac:spMk id="20" creationId="{41D0B32C-7219-FA56-A2B3-2BB1409D18CF}"/>
+          </ac:spMkLst>
+        </pc:spChg>
+        <pc:spChg chg="mod topLvl">
+          <ac:chgData name="Shin Fukui" userId="6902ee70c48ce296" providerId="LiveId" clId="{EFA63935-411C-4848-9B91-AA4888FB1B9B}" dt="2023-11-26T09:04:30.763" v="722" actId="338"/>
+          <ac:spMkLst>
+            <pc:docMk/>
+            <pc:sldMk cId="652233924" sldId="266"/>
+            <ac:spMk id="21" creationId="{9F3B5BC1-1C15-94E4-F71F-B1123C2BE089}"/>
+          </ac:spMkLst>
+        </pc:spChg>
+        <pc:spChg chg="mod topLvl">
+          <ac:chgData name="Shin Fukui" userId="6902ee70c48ce296" providerId="LiveId" clId="{EFA63935-411C-4848-9B91-AA4888FB1B9B}" dt="2023-11-26T09:04:30.763" v="722" actId="338"/>
+          <ac:spMkLst>
+            <pc:docMk/>
+            <pc:sldMk cId="652233924" sldId="266"/>
+            <ac:spMk id="24" creationId="{CBAAF73D-11A6-DBC6-DFEC-3D47478947D3}"/>
+          </ac:spMkLst>
+        </pc:spChg>
+        <pc:spChg chg="mod topLvl">
+          <ac:chgData name="Shin Fukui" userId="6902ee70c48ce296" providerId="LiveId" clId="{EFA63935-411C-4848-9B91-AA4888FB1B9B}" dt="2023-11-26T09:04:30.763" v="722" actId="338"/>
+          <ac:spMkLst>
+            <pc:docMk/>
+            <pc:sldMk cId="652233924" sldId="266"/>
+            <ac:spMk id="25" creationId="{E17AC6A2-087C-0050-BD97-4F927D4F9CC2}"/>
+          </ac:spMkLst>
+        </pc:spChg>
+        <pc:spChg chg="mod">
+          <ac:chgData name="Shin Fukui" userId="6902ee70c48ce296" providerId="LiveId" clId="{EFA63935-411C-4848-9B91-AA4888FB1B9B}" dt="2023-11-26T09:03:55.620" v="719" actId="165"/>
+          <ac:spMkLst>
+            <pc:docMk/>
+            <pc:sldMk cId="652233924" sldId="266"/>
+            <ac:spMk id="27" creationId="{9F3D4662-92F8-0FF3-F0AB-8AC0ED150071}"/>
+          </ac:spMkLst>
+        </pc:spChg>
+        <pc:spChg chg="mod">
+          <ac:chgData name="Shin Fukui" userId="6902ee70c48ce296" providerId="LiveId" clId="{EFA63935-411C-4848-9B91-AA4888FB1B9B}" dt="2023-11-26T09:03:55.620" v="719" actId="165"/>
+          <ac:spMkLst>
+            <pc:docMk/>
+            <pc:sldMk cId="652233924" sldId="266"/>
+            <ac:spMk id="28" creationId="{5590B3D6-876A-EAA9-10DC-979B95030AE3}"/>
+          </ac:spMkLst>
+        </pc:spChg>
+        <pc:spChg chg="mod">
+          <ac:chgData name="Shin Fukui" userId="6902ee70c48ce296" providerId="LiveId" clId="{EFA63935-411C-4848-9B91-AA4888FB1B9B}" dt="2023-11-26T09:03:55.620" v="719" actId="165"/>
+          <ac:spMkLst>
+            <pc:docMk/>
+            <pc:sldMk cId="652233924" sldId="266"/>
+            <ac:spMk id="30" creationId="{5FE2F757-2D58-6EA2-75E6-BCA2E207AF70}"/>
+          </ac:spMkLst>
+        </pc:spChg>
+        <pc:spChg chg="mod">
+          <ac:chgData name="Shin Fukui" userId="6902ee70c48ce296" providerId="LiveId" clId="{EFA63935-411C-4848-9B91-AA4888FB1B9B}" dt="2023-11-26T09:03:55.620" v="719" actId="165"/>
+          <ac:spMkLst>
+            <pc:docMk/>
+            <pc:sldMk cId="652233924" sldId="266"/>
+            <ac:spMk id="31" creationId="{5B03FD7E-59ED-30C0-F7E5-27A935CD81A3}"/>
+          </ac:spMkLst>
+        </pc:spChg>
+        <pc:spChg chg="mod">
+          <ac:chgData name="Shin Fukui" userId="6902ee70c48ce296" providerId="LiveId" clId="{EFA63935-411C-4848-9B91-AA4888FB1B9B}" dt="2023-11-26T09:03:55.620" v="719" actId="165"/>
+          <ac:spMkLst>
+            <pc:docMk/>
+            <pc:sldMk cId="652233924" sldId="266"/>
+            <ac:spMk id="34" creationId="{0BCE79DF-1834-C681-3AB1-DF2999CD3F93}"/>
+          </ac:spMkLst>
+        </pc:spChg>
+        <pc:spChg chg="mod">
+          <ac:chgData name="Shin Fukui" userId="6902ee70c48ce296" providerId="LiveId" clId="{EFA63935-411C-4848-9B91-AA4888FB1B9B}" dt="2023-11-26T09:03:55.620" v="719" actId="165"/>
+          <ac:spMkLst>
+            <pc:docMk/>
+            <pc:sldMk cId="652233924" sldId="266"/>
+            <ac:spMk id="35" creationId="{F5A52C35-3F49-EA2A-C605-1A2C2D5D9D5B}"/>
+          </ac:spMkLst>
+        </pc:spChg>
+        <pc:spChg chg="mod">
+          <ac:chgData name="Shin Fukui" userId="6902ee70c48ce296" providerId="LiveId" clId="{EFA63935-411C-4848-9B91-AA4888FB1B9B}" dt="2023-11-26T09:03:55.620" v="719" actId="165"/>
+          <ac:spMkLst>
+            <pc:docMk/>
+            <pc:sldMk cId="652233924" sldId="266"/>
+            <ac:spMk id="36" creationId="{25302CBB-7B5F-C08E-C25A-2D96221545B4}"/>
+          </ac:spMkLst>
+        </pc:spChg>
+        <pc:spChg chg="del">
+          <ac:chgData name="Shin Fukui" userId="6902ee70c48ce296" providerId="LiveId" clId="{EFA63935-411C-4848-9B91-AA4888FB1B9B}" dt="2023-11-26T08:00:27.922" v="709" actId="478"/>
+          <ac:spMkLst>
+            <pc:docMk/>
+            <pc:sldMk cId="652233924" sldId="266"/>
+            <ac:spMk id="40" creationId="{4860BB7D-2208-D10A-1FD8-F42AE976E6E1}"/>
+          </ac:spMkLst>
+        </pc:spChg>
+        <pc:spChg chg="del mod">
+          <ac:chgData name="Shin Fukui" userId="6902ee70c48ce296" providerId="LiveId" clId="{EFA63935-411C-4848-9B91-AA4888FB1B9B}" dt="2023-11-26T08:00:25.975" v="708" actId="478"/>
+          <ac:spMkLst>
+            <pc:docMk/>
+            <pc:sldMk cId="652233924" sldId="266"/>
+            <ac:spMk id="42" creationId="{773213CD-7E10-879E-AFF2-CE4CFB912252}"/>
+          </ac:spMkLst>
+        </pc:spChg>
+        <pc:grpChg chg="add mod">
+          <ac:chgData name="Shin Fukui" userId="6902ee70c48ce296" providerId="LiveId" clId="{EFA63935-411C-4848-9B91-AA4888FB1B9B}" dt="2023-11-26T09:04:30.763" v="722" actId="338"/>
+          <ac:grpSpMkLst>
+            <pc:docMk/>
+            <pc:sldMk cId="652233924" sldId="266"/>
+            <ac:grpSpMk id="4" creationId="{15AA77E3-88E0-41DB-C2BC-3094FA7ED41B}"/>
+          </ac:grpSpMkLst>
+        </pc:grpChg>
+        <pc:grpChg chg="del mod">
+          <ac:chgData name="Shin Fukui" userId="6902ee70c48ce296" providerId="LiveId" clId="{EFA63935-411C-4848-9B91-AA4888FB1B9B}" dt="2023-11-26T09:03:55.620" v="719" actId="165"/>
+          <ac:grpSpMkLst>
+            <pc:docMk/>
+            <pc:sldMk cId="652233924" sldId="266"/>
+            <ac:grpSpMk id="14" creationId="{8819946D-79F7-3122-8B25-CC6BF3F7849F}"/>
+          </ac:grpSpMkLst>
+        </pc:grpChg>
+        <pc:grpChg chg="mod topLvl">
+          <ac:chgData name="Shin Fukui" userId="6902ee70c48ce296" providerId="LiveId" clId="{EFA63935-411C-4848-9B91-AA4888FB1B9B}" dt="2023-11-26T09:04:30.763" v="722" actId="338"/>
+          <ac:grpSpMkLst>
+            <pc:docMk/>
+            <pc:sldMk cId="652233924" sldId="266"/>
+            <ac:grpSpMk id="17" creationId="{565AF47F-5193-9616-CB8E-F602FFEEB08A}"/>
+          </ac:grpSpMkLst>
+        </pc:grpChg>
+        <pc:grpChg chg="mod topLvl">
+          <ac:chgData name="Shin Fukui" userId="6902ee70c48ce296" providerId="LiveId" clId="{EFA63935-411C-4848-9B91-AA4888FB1B9B}" dt="2023-11-26T09:04:30.763" v="722" actId="338"/>
+          <ac:grpSpMkLst>
+            <pc:docMk/>
+            <pc:sldMk cId="652233924" sldId="266"/>
+            <ac:grpSpMk id="22" creationId="{CDCB81B5-9BC3-B01C-A601-735DF828A329}"/>
+          </ac:grpSpMkLst>
+        </pc:grpChg>
+        <pc:grpChg chg="mod topLvl">
+          <ac:chgData name="Shin Fukui" userId="6902ee70c48ce296" providerId="LiveId" clId="{EFA63935-411C-4848-9B91-AA4888FB1B9B}" dt="2023-11-26T09:04:30.763" v="722" actId="338"/>
+          <ac:grpSpMkLst>
+            <pc:docMk/>
+            <pc:sldMk cId="652233924" sldId="266"/>
+            <ac:grpSpMk id="23" creationId="{5AF19FC1-4D91-C000-F557-C531FA7448F6}"/>
+          </ac:grpSpMkLst>
+        </pc:grpChg>
+        <pc:picChg chg="mod">
+          <ac:chgData name="Shin Fukui" userId="6902ee70c48ce296" providerId="LiveId" clId="{EFA63935-411C-4848-9B91-AA4888FB1B9B}" dt="2023-11-26T09:03:55.620" v="719" actId="165"/>
+          <ac:picMkLst>
+            <pc:docMk/>
+            <pc:sldMk cId="652233924" sldId="266"/>
+            <ac:picMk id="26" creationId="{71CCF0AD-DD79-BCB0-64B8-0C2D00822094}"/>
+          </ac:picMkLst>
+        </pc:picChg>
+        <pc:picChg chg="mod">
+          <ac:chgData name="Shin Fukui" userId="6902ee70c48ce296" providerId="LiveId" clId="{EFA63935-411C-4848-9B91-AA4888FB1B9B}" dt="2023-11-26T09:03:55.620" v="719" actId="165"/>
+          <ac:picMkLst>
+            <pc:docMk/>
+            <pc:sldMk cId="652233924" sldId="266"/>
+            <ac:picMk id="29" creationId="{8880345A-B5AB-6424-45B7-2EFE62790AA2}"/>
+          </ac:picMkLst>
+        </pc:picChg>
+        <pc:picChg chg="mod">
+          <ac:chgData name="Shin Fukui" userId="6902ee70c48ce296" providerId="LiveId" clId="{EFA63935-411C-4848-9B91-AA4888FB1B9B}" dt="2023-11-26T09:03:55.620" v="719" actId="165"/>
+          <ac:picMkLst>
+            <pc:docMk/>
+            <pc:sldMk cId="652233924" sldId="266"/>
+            <ac:picMk id="32" creationId="{FD0491F4-E45C-83BD-C7D3-9E902AE2C7EF}"/>
+          </ac:picMkLst>
+        </pc:picChg>
+        <pc:cxnChg chg="mod topLvl">
+          <ac:chgData name="Shin Fukui" userId="6902ee70c48ce296" providerId="LiveId" clId="{EFA63935-411C-4848-9B91-AA4888FB1B9B}" dt="2023-11-26T09:04:30.763" v="722" actId="338"/>
+          <ac:cxnSpMkLst>
+            <pc:docMk/>
+            <pc:sldMk cId="652233924" sldId="266"/>
+            <ac:cxnSpMk id="18" creationId="{C63B5893-4970-93F1-F0D3-449BF34519EA}"/>
+          </ac:cxnSpMkLst>
+        </pc:cxnChg>
+        <pc:cxnChg chg="mod topLvl">
+          <ac:chgData name="Shin Fukui" userId="6902ee70c48ce296" providerId="LiveId" clId="{EFA63935-411C-4848-9B91-AA4888FB1B9B}" dt="2023-11-26T09:04:30.763" v="722" actId="338"/>
+          <ac:cxnSpMkLst>
+            <pc:docMk/>
+            <pc:sldMk cId="652233924" sldId="266"/>
+            <ac:cxnSpMk id="19" creationId="{9033DC92-9E9F-DE42-1FB2-F8544442958E}"/>
+          </ac:cxnSpMkLst>
+        </pc:cxnChg>
+        <pc:cxnChg chg="mod">
+          <ac:chgData name="Shin Fukui" userId="6902ee70c48ce296" providerId="LiveId" clId="{EFA63935-411C-4848-9B91-AA4888FB1B9B}" dt="2023-11-26T09:03:55.620" v="719" actId="165"/>
+          <ac:cxnSpMkLst>
+            <pc:docMk/>
+            <pc:sldMk cId="652233924" sldId="266"/>
+            <ac:cxnSpMk id="33" creationId="{27420B39-563F-5666-EFDD-8A11131B2794}"/>
+          </ac:cxnSpMkLst>
+        </pc:cxnChg>
+        <pc:cxnChg chg="del">
+          <ac:chgData name="Shin Fukui" userId="6902ee70c48ce296" providerId="LiveId" clId="{EFA63935-411C-4848-9B91-AA4888FB1B9B}" dt="2023-11-26T08:00:21.431" v="706" actId="478"/>
+          <ac:cxnSpMkLst>
+            <pc:docMk/>
+            <pc:sldMk cId="652233924" sldId="266"/>
+            <ac:cxnSpMk id="38" creationId="{E5CA5724-BC5B-83BB-1271-5C2E72167ADF}"/>
+          </ac:cxnSpMkLst>
+        </pc:cxnChg>
+        <pc:cxnChg chg="del">
+          <ac:chgData name="Shin Fukui" userId="6902ee70c48ce296" providerId="LiveId" clId="{EFA63935-411C-4848-9B91-AA4888FB1B9B}" dt="2023-11-26T08:00:21.431" v="706" actId="478"/>
+          <ac:cxnSpMkLst>
+            <pc:docMk/>
+            <pc:sldMk cId="652233924" sldId="266"/>
+            <ac:cxnSpMk id="43" creationId="{E4DC0C47-9809-2A37-9AB3-7D3E7DDEAE6D}"/>
+          </ac:cxnSpMkLst>
+        </pc:cxnChg>
+      </pc:sldChg>
+      <pc:sldChg chg="addSp delSp modSp new del mod">
+        <pc:chgData name="Shin Fukui" userId="6902ee70c48ce296" providerId="LiveId" clId="{EFA63935-411C-4848-9B91-AA4888FB1B9B}" dt="2023-11-26T07:39:37.569" v="495" actId="2696"/>
+        <pc:sldMkLst>
+          <pc:docMk/>
+          <pc:sldMk cId="3990091590" sldId="266"/>
+        </pc:sldMkLst>
+        <pc:spChg chg="del">
+          <ac:chgData name="Shin Fukui" userId="6902ee70c48ce296" providerId="LiveId" clId="{EFA63935-411C-4848-9B91-AA4888FB1B9B}" dt="2023-11-26T07:29:49.879" v="432" actId="478"/>
+          <ac:spMkLst>
+            <pc:docMk/>
+            <pc:sldMk cId="3990091590" sldId="266"/>
+            <ac:spMk id="2" creationId="{92840F86-B840-1B8F-13AF-577CC0060E9F}"/>
+          </ac:spMkLst>
+        </pc:spChg>
+        <pc:spChg chg="del">
+          <ac:chgData name="Shin Fukui" userId="6902ee70c48ce296" providerId="LiveId" clId="{EFA63935-411C-4848-9B91-AA4888FB1B9B}" dt="2023-11-26T07:29:45.880" v="430" actId="478"/>
+          <ac:spMkLst>
+            <pc:docMk/>
+            <pc:sldMk cId="3990091590" sldId="266"/>
+            <ac:spMk id="3" creationId="{B59DAA24-BF54-E0EC-6541-5C5F66C7C6D9}"/>
+          </ac:spMkLst>
+        </pc:spChg>
+        <pc:spChg chg="add mod">
+          <ac:chgData name="Shin Fukui" userId="6902ee70c48ce296" providerId="LiveId" clId="{EFA63935-411C-4848-9B91-AA4888FB1B9B}" dt="2023-11-26T07:31:53.307" v="449" actId="164"/>
+          <ac:spMkLst>
+            <pc:docMk/>
+            <pc:sldMk cId="3990091590" sldId="266"/>
+            <ac:spMk id="6" creationId="{4E7BEC88-B4BC-35B7-3F21-4B7D75A33F1A}"/>
+          </ac:spMkLst>
+        </pc:spChg>
+        <pc:spChg chg="add mod">
+          <ac:chgData name="Shin Fukui" userId="6902ee70c48ce296" providerId="LiveId" clId="{EFA63935-411C-4848-9B91-AA4888FB1B9B}" dt="2023-11-26T07:31:53.307" v="449" actId="164"/>
+          <ac:spMkLst>
+            <pc:docMk/>
+            <pc:sldMk cId="3990091590" sldId="266"/>
+            <ac:spMk id="7" creationId="{18BF4C1A-5A49-90D0-C0B5-BCEAE9B30547}"/>
+          </ac:spMkLst>
+        </pc:spChg>
+        <pc:spChg chg="add mod">
+          <ac:chgData name="Shin Fukui" userId="6902ee70c48ce296" providerId="LiveId" clId="{EFA63935-411C-4848-9B91-AA4888FB1B9B}" dt="2023-11-26T07:38:38.373" v="484" actId="164"/>
+          <ac:spMkLst>
+            <pc:docMk/>
+            <pc:sldMk cId="3990091590" sldId="266"/>
+            <ac:spMk id="8" creationId="{EB19EE05-27B1-9933-2739-62F901B27A4E}"/>
+          </ac:spMkLst>
+        </pc:spChg>
+        <pc:spChg chg="add mod">
+          <ac:chgData name="Shin Fukui" userId="6902ee70c48ce296" providerId="LiveId" clId="{EFA63935-411C-4848-9B91-AA4888FB1B9B}" dt="2023-11-26T07:38:38.373" v="484" actId="164"/>
+          <ac:spMkLst>
+            <pc:docMk/>
+            <pc:sldMk cId="3990091590" sldId="266"/>
+            <ac:spMk id="9" creationId="{1382DF84-ECF5-7154-E008-7F046AEB9CBE}"/>
+          </ac:spMkLst>
+        </pc:spChg>
+        <pc:spChg chg="add mod">
+          <ac:chgData name="Shin Fukui" userId="6902ee70c48ce296" providerId="LiveId" clId="{EFA63935-411C-4848-9B91-AA4888FB1B9B}" dt="2023-11-26T07:31:53.307" v="449" actId="164"/>
+          <ac:spMkLst>
+            <pc:docMk/>
+            <pc:sldMk cId="3990091590" sldId="266"/>
+            <ac:spMk id="10" creationId="{F154158D-B86D-0CF6-BD50-C62B36941E7F}"/>
+          </ac:spMkLst>
+        </pc:spChg>
+        <pc:spChg chg="add mod">
+          <ac:chgData name="Shin Fukui" userId="6902ee70c48ce296" providerId="LiveId" clId="{EFA63935-411C-4848-9B91-AA4888FB1B9B}" dt="2023-11-26T07:38:38.373" v="484" actId="164"/>
+          <ac:spMkLst>
+            <pc:docMk/>
+            <pc:sldMk cId="3990091590" sldId="266"/>
+            <ac:spMk id="13" creationId="{039AA5ED-46C3-1E48-5665-010E03D8BA07}"/>
+          </ac:spMkLst>
+        </pc:spChg>
+        <pc:spChg chg="add mod">
+          <ac:chgData name="Shin Fukui" userId="6902ee70c48ce296" providerId="LiveId" clId="{EFA63935-411C-4848-9B91-AA4888FB1B9B}" dt="2023-11-26T07:38:38.373" v="484" actId="164"/>
+          <ac:spMkLst>
+            <pc:docMk/>
+            <pc:sldMk cId="3990091590" sldId="266"/>
+            <ac:spMk id="14" creationId="{FFED8B94-DBCB-F236-5B3C-AF07B3BB08AB}"/>
+          </ac:spMkLst>
+        </pc:spChg>
+        <pc:spChg chg="add del mod">
+          <ac:chgData name="Shin Fukui" userId="6902ee70c48ce296" providerId="LiveId" clId="{EFA63935-411C-4848-9B91-AA4888FB1B9B}" dt="2023-11-26T07:30:24.959" v="439"/>
+          <ac:spMkLst>
+            <pc:docMk/>
+            <pc:sldMk cId="3990091590" sldId="266"/>
+            <ac:spMk id="17" creationId="{8B014771-E931-38A8-F94E-49D45BA37F3B}"/>
+          </ac:spMkLst>
+        </pc:spChg>
+        <pc:spChg chg="add del mod">
+          <ac:chgData name="Shin Fukui" userId="6902ee70c48ce296" providerId="LiveId" clId="{EFA63935-411C-4848-9B91-AA4888FB1B9B}" dt="2023-11-26T07:30:24.959" v="439"/>
+          <ac:spMkLst>
+            <pc:docMk/>
+            <pc:sldMk cId="3990091590" sldId="266"/>
+            <ac:spMk id="18" creationId="{75A4CBA7-CBA3-BC8C-B70C-419B09252D25}"/>
+          </ac:spMkLst>
+        </pc:spChg>
+        <pc:spChg chg="add del mod">
+          <ac:chgData name="Shin Fukui" userId="6902ee70c48ce296" providerId="LiveId" clId="{EFA63935-411C-4848-9B91-AA4888FB1B9B}" dt="2023-11-26T07:30:24.959" v="439"/>
+          <ac:spMkLst>
+            <pc:docMk/>
+            <pc:sldMk cId="3990091590" sldId="266"/>
+            <ac:spMk id="19" creationId="{6290213A-959B-4FA9-C0FB-2897649A3B18}"/>
+          </ac:spMkLst>
+        </pc:spChg>
+        <pc:spChg chg="add del mod">
+          <ac:chgData name="Shin Fukui" userId="6902ee70c48ce296" providerId="LiveId" clId="{EFA63935-411C-4848-9B91-AA4888FB1B9B}" dt="2023-11-26T07:30:24.959" v="439"/>
+          <ac:spMkLst>
+            <pc:docMk/>
+            <pc:sldMk cId="3990091590" sldId="266"/>
+            <ac:spMk id="20" creationId="{13ED90F0-28CF-D6C0-C3BB-813C1F5890D8}"/>
+          </ac:spMkLst>
+        </pc:spChg>
+        <pc:spChg chg="mod">
+          <ac:chgData name="Shin Fukui" userId="6902ee70c48ce296" providerId="LiveId" clId="{EFA63935-411C-4848-9B91-AA4888FB1B9B}" dt="2023-11-26T07:31:26.441" v="442"/>
+          <ac:spMkLst>
+            <pc:docMk/>
+            <pc:sldMk cId="3990091590" sldId="266"/>
+            <ac:spMk id="26" creationId="{5B193023-6702-0596-BF67-4E2AFAEED355}"/>
+          </ac:spMkLst>
+        </pc:spChg>
+        <pc:spChg chg="mod">
+          <ac:chgData name="Shin Fukui" userId="6902ee70c48ce296" providerId="LiveId" clId="{EFA63935-411C-4848-9B91-AA4888FB1B9B}" dt="2023-11-26T07:31:26.441" v="442"/>
+          <ac:spMkLst>
+            <pc:docMk/>
+            <pc:sldMk cId="3990091590" sldId="266"/>
+            <ac:spMk id="27" creationId="{70E629CA-0B8C-3F21-16FE-1428EF16167B}"/>
+          </ac:spMkLst>
+        </pc:spChg>
+        <pc:spChg chg="mod">
+          <ac:chgData name="Shin Fukui" userId="6902ee70c48ce296" providerId="LiveId" clId="{EFA63935-411C-4848-9B91-AA4888FB1B9B}" dt="2023-11-26T07:32:32.229" v="452"/>
+          <ac:spMkLst>
+            <pc:docMk/>
+            <pc:sldMk cId="3990091590" sldId="266"/>
+            <ac:spMk id="31" creationId="{FD65FE4F-CE69-75B3-5490-8C5BAA3A46CC}"/>
+          </ac:spMkLst>
+        </pc:spChg>
+        <pc:spChg chg="mod">
+          <ac:chgData name="Shin Fukui" userId="6902ee70c48ce296" providerId="LiveId" clId="{EFA63935-411C-4848-9B91-AA4888FB1B9B}" dt="2023-11-26T07:32:32.229" v="452"/>
+          <ac:spMkLst>
+            <pc:docMk/>
+            <pc:sldMk cId="3990091590" sldId="266"/>
+            <ac:spMk id="32" creationId="{81F5B2AB-5249-DBC6-B5BC-EBB34A2F4F8D}"/>
+          </ac:spMkLst>
+        </pc:spChg>
+        <pc:spChg chg="mod">
+          <ac:chgData name="Shin Fukui" userId="6902ee70c48ce296" providerId="LiveId" clId="{EFA63935-411C-4848-9B91-AA4888FB1B9B}" dt="2023-11-26T07:32:32.229" v="452"/>
+          <ac:spMkLst>
+            <pc:docMk/>
+            <pc:sldMk cId="3990091590" sldId="266"/>
+            <ac:spMk id="35" creationId="{A790AC8F-E97B-BD98-D193-72EEB794FDB2}"/>
+          </ac:spMkLst>
+        </pc:spChg>
+        <pc:spChg chg="mod">
+          <ac:chgData name="Shin Fukui" userId="6902ee70c48ce296" providerId="LiveId" clId="{EFA63935-411C-4848-9B91-AA4888FB1B9B}" dt="2023-11-26T07:32:32.229" v="452"/>
+          <ac:spMkLst>
+            <pc:docMk/>
+            <pc:sldMk cId="3990091590" sldId="266"/>
+            <ac:spMk id="36" creationId="{0B1D7DB3-9981-21E8-9B2D-912261F251E8}"/>
+          </ac:spMkLst>
+        </pc:spChg>
+        <pc:spChg chg="add mod">
+          <ac:chgData name="Shin Fukui" userId="6902ee70c48ce296" providerId="LiveId" clId="{EFA63935-411C-4848-9B91-AA4888FB1B9B}" dt="2023-11-26T07:38:38.373" v="484" actId="164"/>
+          <ac:spMkLst>
+            <pc:docMk/>
+            <pc:sldMk cId="3990091590" sldId="266"/>
+            <ac:spMk id="37" creationId="{C9F3033F-BDC1-A387-BEAC-E42249350753}"/>
+          </ac:spMkLst>
+        </pc:spChg>
+        <pc:spChg chg="add mod">
+          <ac:chgData name="Shin Fukui" userId="6902ee70c48ce296" providerId="LiveId" clId="{EFA63935-411C-4848-9B91-AA4888FB1B9B}" dt="2023-11-26T07:38:38.373" v="484" actId="164"/>
+          <ac:spMkLst>
+            <pc:docMk/>
+            <pc:sldMk cId="3990091590" sldId="266"/>
+            <ac:spMk id="38" creationId="{81CD0644-91E4-8514-2BDE-29CDB13590E5}"/>
+          </ac:spMkLst>
+        </pc:spChg>
+        <pc:grpChg chg="add mod">
+          <ac:chgData name="Shin Fukui" userId="6902ee70c48ce296" providerId="LiveId" clId="{EFA63935-411C-4848-9B91-AA4888FB1B9B}" dt="2023-11-26T07:31:44.972" v="448" actId="164"/>
+          <ac:grpSpMkLst>
+            <pc:docMk/>
+            <pc:sldMk cId="3990091590" sldId="266"/>
+            <ac:grpSpMk id="22" creationId="{B666DE12-D205-74B7-22B0-C35657847470}"/>
+          </ac:grpSpMkLst>
+        </pc:grpChg>
+        <pc:grpChg chg="add del mod">
+          <ac:chgData name="Shin Fukui" userId="6902ee70c48ce296" providerId="LiveId" clId="{EFA63935-411C-4848-9B91-AA4888FB1B9B}" dt="2023-11-26T07:31:44.169" v="447"/>
+          <ac:grpSpMkLst>
+            <pc:docMk/>
+            <pc:sldMk cId="3990091590" sldId="266"/>
+            <ac:grpSpMk id="23" creationId="{439D4A12-C610-59E0-951F-BAF73C54DE13}"/>
+          </ac:grpSpMkLst>
+        </pc:grpChg>
+        <pc:grpChg chg="add mod">
+          <ac:chgData name="Shin Fukui" userId="6902ee70c48ce296" providerId="LiveId" clId="{EFA63935-411C-4848-9B91-AA4888FB1B9B}" dt="2023-11-26T07:38:38.373" v="484" actId="164"/>
+          <ac:grpSpMkLst>
+            <pc:docMk/>
+            <pc:sldMk cId="3990091590" sldId="266"/>
+            <ac:grpSpMk id="28" creationId="{6E808CEB-E586-1425-2B10-C5ED4947CE4B}"/>
+          </ac:grpSpMkLst>
+        </pc:grpChg>
+        <pc:grpChg chg="add mod">
+          <ac:chgData name="Shin Fukui" userId="6902ee70c48ce296" providerId="LiveId" clId="{EFA63935-411C-4848-9B91-AA4888FB1B9B}" dt="2023-11-26T07:38:38.373" v="484" actId="164"/>
+          <ac:grpSpMkLst>
+            <pc:docMk/>
+            <pc:sldMk cId="3990091590" sldId="266"/>
+            <ac:grpSpMk id="29" creationId="{B8068BB3-FF35-548E-578C-569E074F2B22}"/>
+          </ac:grpSpMkLst>
+        </pc:grpChg>
+        <pc:grpChg chg="add mod">
+          <ac:chgData name="Shin Fukui" userId="6902ee70c48ce296" providerId="LiveId" clId="{EFA63935-411C-4848-9B91-AA4888FB1B9B}" dt="2023-11-26T07:38:38.373" v="484" actId="164"/>
+          <ac:grpSpMkLst>
+            <pc:docMk/>
+            <pc:sldMk cId="3990091590" sldId="266"/>
+            <ac:grpSpMk id="33" creationId="{3373C732-1C4E-1F85-9D8E-69B033D62B68}"/>
+          </ac:grpSpMkLst>
+        </pc:grpChg>
+        <pc:grpChg chg="add mod">
+          <ac:chgData name="Shin Fukui" userId="6902ee70c48ce296" providerId="LiveId" clId="{EFA63935-411C-4848-9B91-AA4888FB1B9B}" dt="2023-11-26T07:38:49.213" v="488" actId="1076"/>
+          <ac:grpSpMkLst>
+            <pc:docMk/>
+            <pc:sldMk cId="3990091590" sldId="266"/>
+            <ac:grpSpMk id="42" creationId="{EC816C8A-FA67-0C63-FDA3-1BF484D73D56}"/>
+          </ac:grpSpMkLst>
+        </pc:grpChg>
+        <pc:picChg chg="add mod">
+          <ac:chgData name="Shin Fukui" userId="6902ee70c48ce296" providerId="LiveId" clId="{EFA63935-411C-4848-9B91-AA4888FB1B9B}" dt="2023-11-26T07:31:53.307" v="449" actId="164"/>
+          <ac:picMkLst>
+            <pc:docMk/>
+            <pc:sldMk cId="3990091590" sldId="266"/>
+            <ac:picMk id="4" creationId="{526653B9-3AA7-1FAB-C6E8-A8B9587A65E7}"/>
+          </ac:picMkLst>
+        </pc:picChg>
+        <pc:picChg chg="add del mod">
+          <ac:chgData name="Shin Fukui" userId="6902ee70c48ce296" providerId="LiveId" clId="{EFA63935-411C-4848-9B91-AA4888FB1B9B}" dt="2023-11-26T07:30:24.959" v="439"/>
+          <ac:picMkLst>
+            <pc:docMk/>
+            <pc:sldMk cId="3990091590" sldId="266"/>
+            <ac:picMk id="15" creationId="{3A122C1C-B2D2-7C15-F91B-21E4895AEA25}"/>
+          </ac:picMkLst>
+        </pc:picChg>
+        <pc:picChg chg="mod">
+          <ac:chgData name="Shin Fukui" userId="6902ee70c48ce296" providerId="LiveId" clId="{EFA63935-411C-4848-9B91-AA4888FB1B9B}" dt="2023-11-26T07:31:26.441" v="442"/>
+          <ac:picMkLst>
+            <pc:docMk/>
+            <pc:sldMk cId="3990091590" sldId="266"/>
+            <ac:picMk id="24" creationId="{BCB61543-7467-908A-81FB-8BDDB2982B69}"/>
+          </ac:picMkLst>
+        </pc:picChg>
+        <pc:picChg chg="mod">
+          <ac:chgData name="Shin Fukui" userId="6902ee70c48ce296" providerId="LiveId" clId="{EFA63935-411C-4848-9B91-AA4888FB1B9B}" dt="2023-11-26T07:32:32.229" v="452"/>
+          <ac:picMkLst>
+            <pc:docMk/>
+            <pc:sldMk cId="3990091590" sldId="266"/>
+            <ac:picMk id="30" creationId="{0A57F773-0B07-3BFC-1868-F2699B8ED223}"/>
+          </ac:picMkLst>
+        </pc:picChg>
+        <pc:picChg chg="mod">
+          <ac:chgData name="Shin Fukui" userId="6902ee70c48ce296" providerId="LiveId" clId="{EFA63935-411C-4848-9B91-AA4888FB1B9B}" dt="2023-11-26T07:32:32.229" v="452"/>
+          <ac:picMkLst>
+            <pc:docMk/>
+            <pc:sldMk cId="3990091590" sldId="266"/>
+            <ac:picMk id="34" creationId="{F99DF998-652F-A826-96FE-4CBCA042E0EC}"/>
+          </ac:picMkLst>
+        </pc:picChg>
+        <pc:cxnChg chg="add mod">
+          <ac:chgData name="Shin Fukui" userId="6902ee70c48ce296" providerId="LiveId" clId="{EFA63935-411C-4848-9B91-AA4888FB1B9B}" dt="2023-11-26T07:31:53.307" v="449" actId="164"/>
+          <ac:cxnSpMkLst>
+            <pc:docMk/>
+            <pc:sldMk cId="3990091590" sldId="266"/>
+            <ac:cxnSpMk id="5" creationId="{0CFABF5A-300F-1772-080C-3694F529BC98}"/>
+          </ac:cxnSpMkLst>
+        </pc:cxnChg>
+        <pc:cxnChg chg="add mod">
+          <ac:chgData name="Shin Fukui" userId="6902ee70c48ce296" providerId="LiveId" clId="{EFA63935-411C-4848-9B91-AA4888FB1B9B}" dt="2023-11-26T07:38:38.373" v="484" actId="164"/>
+          <ac:cxnSpMkLst>
+            <pc:docMk/>
+            <pc:sldMk cId="3990091590" sldId="266"/>
+            <ac:cxnSpMk id="11" creationId="{36480A1C-656F-0F0C-1ECA-10A798E3AFF8}"/>
+          </ac:cxnSpMkLst>
+        </pc:cxnChg>
+        <pc:cxnChg chg="add mod">
+          <ac:chgData name="Shin Fukui" userId="6902ee70c48ce296" providerId="LiveId" clId="{EFA63935-411C-4848-9B91-AA4888FB1B9B}" dt="2023-11-26T07:38:38.373" v="484" actId="164"/>
+          <ac:cxnSpMkLst>
+            <pc:docMk/>
+            <pc:sldMk cId="3990091590" sldId="266"/>
+            <ac:cxnSpMk id="12" creationId="{A94A160E-9C1D-B143-D2B0-BD1AF8B4EF21}"/>
+          </ac:cxnSpMkLst>
+        </pc:cxnChg>
+        <pc:cxnChg chg="add del mod">
+          <ac:chgData name="Shin Fukui" userId="6902ee70c48ce296" providerId="LiveId" clId="{EFA63935-411C-4848-9B91-AA4888FB1B9B}" dt="2023-11-26T07:30:24.959" v="439"/>
+          <ac:cxnSpMkLst>
+            <pc:docMk/>
+            <pc:sldMk cId="3990091590" sldId="266"/>
+            <ac:cxnSpMk id="16" creationId="{F9D530F0-BC98-1D29-48D5-B62B099DA159}"/>
+          </ac:cxnSpMkLst>
+        </pc:cxnChg>
+        <pc:cxnChg chg="mod">
+          <ac:chgData name="Shin Fukui" userId="6902ee70c48ce296" providerId="LiveId" clId="{EFA63935-411C-4848-9B91-AA4888FB1B9B}" dt="2023-11-26T07:31:26.441" v="442"/>
+          <ac:cxnSpMkLst>
+            <pc:docMk/>
+            <pc:sldMk cId="3990091590" sldId="266"/>
+            <ac:cxnSpMk id="25" creationId="{F73684A4-02B2-6BD1-B181-8DAAE1375521}"/>
+          </ac:cxnSpMkLst>
+        </pc:cxnChg>
+      </pc:sldChg>
+    </pc:docChg>
+  </pc:docChgLst>
+</pc:chgInfo>
+</file>
+
 <file path=ppt/slideLayouts/slideLayout1.xml><?xml version="1.0" encoding="utf-8"?>
 <p:sldLayout xmlns:a="http://schemas.openxmlformats.org/drawingml/2006/main" xmlns:r="http://schemas.openxmlformats.org/officeDocument/2006/relationships" xmlns:p="http://schemas.openxmlformats.org/presentationml/2006/main" type="title" preserve="1">
   <p:cSld name="タイトル スライド">
@@ -266,7 +1190,7 @@
           <a:p>
             <a:fld id="{7954ACD4-AF3B-BB49-8BB2-CA7C82461693}" type="datetimeFigureOut">
               <a:rPr kumimoji="1" lang="ja-JP" altLang="en-US" smtClean="0"/>
-              <a:t>2023/9/21</a:t>
+              <a:t>2023/11/26</a:t>
             </a:fld>
             <a:endParaRPr kumimoji="1" lang="ja-JP" altLang="en-US"/>
           </a:p>
@@ -496,7 +1420,7 @@
           <a:p>
             <a:fld id="{7954ACD4-AF3B-BB49-8BB2-CA7C82461693}" type="datetimeFigureOut">
               <a:rPr kumimoji="1" lang="ja-JP" altLang="en-US" smtClean="0"/>
-              <a:t>2023/9/21</a:t>
+              <a:t>2023/11/26</a:t>
             </a:fld>
             <a:endParaRPr kumimoji="1" lang="ja-JP" altLang="en-US"/>
           </a:p>
@@ -736,7 +1660,7 @@
           <a:p>
             <a:fld id="{7954ACD4-AF3B-BB49-8BB2-CA7C82461693}" type="datetimeFigureOut">
               <a:rPr kumimoji="1" lang="ja-JP" altLang="en-US" smtClean="0"/>
-              <a:t>2023/9/21</a:t>
+              <a:t>2023/11/26</a:t>
             </a:fld>
             <a:endParaRPr kumimoji="1" lang="ja-JP" altLang="en-US"/>
           </a:p>
@@ -966,7 +1890,7 @@
           <a:p>
             <a:fld id="{7954ACD4-AF3B-BB49-8BB2-CA7C82461693}" type="datetimeFigureOut">
               <a:rPr kumimoji="1" lang="ja-JP" altLang="en-US" smtClean="0"/>
-              <a:t>2023/9/21</a:t>
+              <a:t>2023/11/26</a:t>
             </a:fld>
             <a:endParaRPr kumimoji="1" lang="ja-JP" altLang="en-US"/>
           </a:p>
@@ -1241,7 +2165,7 @@
           <a:p>
             <a:fld id="{7954ACD4-AF3B-BB49-8BB2-CA7C82461693}" type="datetimeFigureOut">
               <a:rPr kumimoji="1" lang="ja-JP" altLang="en-US" smtClean="0"/>
-              <a:t>2023/9/21</a:t>
+              <a:t>2023/11/26</a:t>
             </a:fld>
             <a:endParaRPr kumimoji="1" lang="ja-JP" altLang="en-US"/>
           </a:p>
@@ -1570,7 +2494,7 @@
           <a:p>
             <a:fld id="{7954ACD4-AF3B-BB49-8BB2-CA7C82461693}" type="datetimeFigureOut">
               <a:rPr kumimoji="1" lang="ja-JP" altLang="en-US" smtClean="0"/>
-              <a:t>2023/9/21</a:t>
+              <a:t>2023/11/26</a:t>
             </a:fld>
             <a:endParaRPr kumimoji="1" lang="ja-JP" altLang="en-US"/>
           </a:p>
@@ -2046,7 +2970,7 @@
           <a:p>
             <a:fld id="{7954ACD4-AF3B-BB49-8BB2-CA7C82461693}" type="datetimeFigureOut">
               <a:rPr kumimoji="1" lang="ja-JP" altLang="en-US" smtClean="0"/>
-              <a:t>2023/9/21</a:t>
+              <a:t>2023/11/26</a:t>
             </a:fld>
             <a:endParaRPr kumimoji="1" lang="ja-JP" altLang="en-US"/>
           </a:p>
@@ -2187,7 +3111,7 @@
           <a:p>
             <a:fld id="{7954ACD4-AF3B-BB49-8BB2-CA7C82461693}" type="datetimeFigureOut">
               <a:rPr kumimoji="1" lang="ja-JP" altLang="en-US" smtClean="0"/>
-              <a:t>2023/9/21</a:t>
+              <a:t>2023/11/26</a:t>
             </a:fld>
             <a:endParaRPr kumimoji="1" lang="ja-JP" altLang="en-US"/>
           </a:p>
@@ -2300,7 +3224,7 @@
           <a:p>
             <a:fld id="{7954ACD4-AF3B-BB49-8BB2-CA7C82461693}" type="datetimeFigureOut">
               <a:rPr kumimoji="1" lang="ja-JP" altLang="en-US" smtClean="0"/>
-              <a:t>2023/9/21</a:t>
+              <a:t>2023/11/26</a:t>
             </a:fld>
             <a:endParaRPr kumimoji="1" lang="ja-JP" altLang="en-US"/>
           </a:p>
@@ -2643,7 +3567,7 @@
           <a:p>
             <a:fld id="{7954ACD4-AF3B-BB49-8BB2-CA7C82461693}" type="datetimeFigureOut">
               <a:rPr kumimoji="1" lang="ja-JP" altLang="en-US" smtClean="0"/>
-              <a:t>2023/9/21</a:t>
+              <a:t>2023/11/26</a:t>
             </a:fld>
             <a:endParaRPr kumimoji="1" lang="ja-JP" altLang="en-US"/>
           </a:p>
@@ -2931,7 +3855,7 @@
           <a:p>
             <a:fld id="{7954ACD4-AF3B-BB49-8BB2-CA7C82461693}" type="datetimeFigureOut">
               <a:rPr kumimoji="1" lang="ja-JP" altLang="en-US" smtClean="0"/>
-              <a:t>2023/9/21</a:t>
+              <a:t>2023/11/26</a:t>
             </a:fld>
             <a:endParaRPr kumimoji="1" lang="ja-JP" altLang="en-US"/>
           </a:p>
@@ -3204,7 +4128,7 @@
           <a:p>
             <a:fld id="{7954ACD4-AF3B-BB49-8BB2-CA7C82461693}" type="datetimeFigureOut">
               <a:rPr kumimoji="1" lang="ja-JP" altLang="en-US" smtClean="0"/>
-              <a:t>2023/9/21</a:t>
+              <a:t>2023/11/26</a:t>
             </a:fld>
             <a:endParaRPr kumimoji="1" lang="ja-JP" altLang="en-US"/>
           </a:p>
@@ -3681,7 +4605,7 @@
             </a:r>
             <a:r>
               <a:rPr kumimoji="1" lang="ja-JP" altLang="en-US"/>
-              <a:t>値ロジスティック回帰の評価</a:t>
+              <a:t>値ロジスティック回帰とその評価</a:t>
             </a:r>
           </a:p>
         </p:txBody>
@@ -3699,2170 +4623,7 @@
 </p:sld>
 </file>
 
-<file path=ppt/slides/slide2.xml><?xml version="1.0" encoding="utf-8"?>
-<p:sld xmlns:a="http://schemas.openxmlformats.org/drawingml/2006/main" xmlns:r="http://schemas.openxmlformats.org/officeDocument/2006/relationships" xmlns:p="http://schemas.openxmlformats.org/presentationml/2006/main">
-  <p:cSld>
-    <p:spTree>
-      <p:nvGrpSpPr>
-        <p:cNvPr id="1" name=""/>
-        <p:cNvGrpSpPr/>
-        <p:nvPr/>
-      </p:nvGrpSpPr>
-      <p:grpSpPr>
-        <a:xfrm>
-          <a:off x="0" y="0"/>
-          <a:ext cx="0" cy="0"/>
-          <a:chOff x="0" y="0"/>
-          <a:chExt cx="0" cy="0"/>
-        </a:xfrm>
-      </p:grpSpPr>
-      <p:sp>
-        <p:nvSpPr>
-          <p:cNvPr id="2" name="タイトル 1">
-            <a:extLst>
-              <a:ext uri="{FF2B5EF4-FFF2-40B4-BE49-F238E27FC236}">
-                <a16:creationId xmlns:a16="http://schemas.microsoft.com/office/drawing/2014/main" id="{8165A938-ED3D-41A5-D45E-310751420FEC}"/>
-              </a:ext>
-            </a:extLst>
-          </p:cNvPr>
-          <p:cNvSpPr>
-            <a:spLocks noGrp="1"/>
-          </p:cNvSpPr>
-          <p:nvPr>
-            <p:ph type="title"/>
-          </p:nvPr>
-        </p:nvSpPr>
-        <p:spPr/>
-        <p:txBody>
-          <a:bodyPr/>
-          <a:lstStyle/>
-          <a:p>
-            <a:r>
-              <a:rPr kumimoji="1" lang="ja-JP" altLang="en-US"/>
-              <a:t>ロジスティック回帰</a:t>
-            </a:r>
-            <a:r>
-              <a:rPr kumimoji="1" lang="en-US" altLang="ja-JP" dirty="0"/>
-              <a:t>(logistic regression)</a:t>
-            </a:r>
-            <a:endParaRPr kumimoji="1" lang="ja-JP" altLang="en-US"/>
-          </a:p>
-        </p:txBody>
-      </p:sp>
-      <p:sp>
-        <p:nvSpPr>
-          <p:cNvPr id="3" name="コンテンツ プレースホルダー 2">
-            <a:extLst>
-              <a:ext uri="{FF2B5EF4-FFF2-40B4-BE49-F238E27FC236}">
-                <a16:creationId xmlns:a16="http://schemas.microsoft.com/office/drawing/2014/main" id="{A8F9F26F-1B3F-2C3A-6C4E-028540B530AB}"/>
-              </a:ext>
-            </a:extLst>
-          </p:cNvPr>
-          <p:cNvSpPr>
-            <a:spLocks noGrp="1"/>
-          </p:cNvSpPr>
-          <p:nvPr>
-            <p:ph idx="1"/>
-          </p:nvPr>
-        </p:nvSpPr>
-        <p:spPr/>
-        <p:txBody>
-          <a:bodyPr/>
-          <a:lstStyle/>
-          <a:p>
-            <a:r>
-              <a:rPr kumimoji="1" lang="ja-JP" altLang="en-US"/>
-              <a:t>目的関数が</a:t>
-            </a:r>
-            <a:r>
-              <a:rPr kumimoji="1" lang="en-US" altLang="ja-JP" dirty="0"/>
-              <a:t>TRUE/FALSE</a:t>
-            </a:r>
-            <a:r>
-              <a:rPr kumimoji="1" lang="ja-JP" altLang="en-US"/>
-              <a:t>のような</a:t>
-            </a:r>
-            <a:r>
-              <a:rPr kumimoji="1" lang="en-US" altLang="ja-JP" dirty="0"/>
-              <a:t>2</a:t>
-            </a:r>
-            <a:r>
-              <a:rPr kumimoji="1" lang="ja-JP" altLang="en-US"/>
-              <a:t>値データ、あるいは</a:t>
-            </a:r>
-            <a:r>
-              <a:rPr kumimoji="1" lang="en-US" altLang="ja-JP" dirty="0"/>
-              <a:t>0</a:t>
-            </a:r>
-            <a:r>
-              <a:rPr kumimoji="1" lang="ja-JP" altLang="en-US"/>
-              <a:t>から</a:t>
-            </a:r>
-            <a:r>
-              <a:rPr kumimoji="1" lang="en-US" altLang="ja-JP" dirty="0"/>
-              <a:t>1</a:t>
-            </a:r>
-            <a:r>
-              <a:rPr kumimoji="1" lang="ja-JP" altLang="en-US"/>
-              <a:t>までの値からなるデータ（確率など）となる</a:t>
-            </a:r>
-            <a:r>
-              <a:rPr kumimoji="1" lang="en-US" altLang="ja-JP" dirty="0"/>
-              <a:t>GLM</a:t>
-            </a:r>
-            <a:r>
-              <a:rPr kumimoji="1" lang="ja-JP" altLang="en-US"/>
-              <a:t>のひとつ（第</a:t>
-            </a:r>
-            <a:r>
-              <a:rPr kumimoji="1" lang="en-US" altLang="ja-JP" dirty="0"/>
-              <a:t>19</a:t>
-            </a:r>
-            <a:r>
-              <a:rPr kumimoji="1" lang="ja-JP" altLang="en-US"/>
-              <a:t>回参照）．</a:t>
-            </a:r>
-            <a:endParaRPr kumimoji="1" lang="en-US" altLang="ja-JP" dirty="0"/>
-          </a:p>
-          <a:p>
-            <a:pPr marL="0" indent="0">
-              <a:buNone/>
-            </a:pPr>
-            <a:endParaRPr lang="en-US" altLang="ja-JP" dirty="0"/>
-          </a:p>
-          <a:p>
-            <a:pPr marL="0" indent="0">
-              <a:buNone/>
-            </a:pPr>
-            <a:endParaRPr lang="en-US" altLang="ja-JP" dirty="0"/>
-          </a:p>
-          <a:p>
-            <a:r>
-              <a:rPr kumimoji="1" lang="ja-JP" altLang="en-US"/>
-              <a:t>誤差構造は二項分布</a:t>
-            </a:r>
-            <a:r>
-              <a:rPr lang="ja-JP" altLang="en-US"/>
-              <a:t>で、</a:t>
-            </a:r>
-            <a:r>
-              <a:rPr kumimoji="1" lang="ja-JP" altLang="en-US"/>
-              <a:t>線形予測子から目的変数への変換にロジット変換</a:t>
-            </a:r>
-            <a:r>
-              <a:rPr kumimoji="1" lang="en-US" altLang="ja-JP" dirty="0"/>
-              <a:t>(family=binomial </a:t>
-            </a:r>
-            <a:r>
-              <a:rPr lang="en-US" altLang="ja-JP" dirty="0"/>
-              <a:t>(link=”logit”)</a:t>
-            </a:r>
-            <a:r>
-              <a:rPr kumimoji="1" lang="en-US" altLang="ja-JP" dirty="0"/>
-              <a:t>)</a:t>
-            </a:r>
-            <a:r>
-              <a:rPr kumimoji="1" lang="ja-JP" altLang="en-US"/>
-              <a:t>を用いる．</a:t>
-            </a:r>
-            <a:endParaRPr kumimoji="1" lang="en-US" altLang="ja-JP" dirty="0"/>
-          </a:p>
-          <a:p>
-            <a:endParaRPr kumimoji="1" lang="en-US" altLang="ja-JP" dirty="0"/>
-          </a:p>
-          <a:p>
-            <a:endParaRPr lang="en-US" altLang="ja-JP" dirty="0"/>
-          </a:p>
-          <a:p>
-            <a:endParaRPr kumimoji="1" lang="ja-JP" altLang="en-US"/>
-          </a:p>
-        </p:txBody>
-      </p:sp>
-    </p:spTree>
-    <p:extLst>
-      <p:ext uri="{BB962C8B-B14F-4D97-AF65-F5344CB8AC3E}">
-        <p14:creationId xmlns:p14="http://schemas.microsoft.com/office/powerpoint/2010/main" val="2626249601"/>
-      </p:ext>
-    </p:extLst>
-  </p:cSld>
-  <p:clrMapOvr>
-    <a:masterClrMapping/>
-  </p:clrMapOvr>
-</p:sld>
-</file>
-
-<file path=ppt/slides/slide3.xml><?xml version="1.0" encoding="utf-8"?>
-<p:sld xmlns:a="http://schemas.openxmlformats.org/drawingml/2006/main" xmlns:r="http://schemas.openxmlformats.org/officeDocument/2006/relationships" xmlns:p="http://schemas.openxmlformats.org/presentationml/2006/main">
-  <p:cSld>
-    <p:spTree>
-      <p:nvGrpSpPr>
-        <p:cNvPr id="1" name=""/>
-        <p:cNvGrpSpPr/>
-        <p:nvPr/>
-      </p:nvGrpSpPr>
-      <p:grpSpPr>
-        <a:xfrm>
-          <a:off x="0" y="0"/>
-          <a:ext cx="0" cy="0"/>
-          <a:chOff x="0" y="0"/>
-          <a:chExt cx="0" cy="0"/>
-        </a:xfrm>
-      </p:grpSpPr>
-      <p:sp>
-        <p:nvSpPr>
-          <p:cNvPr id="2" name="タイトル 1">
-            <a:extLst>
-              <a:ext uri="{FF2B5EF4-FFF2-40B4-BE49-F238E27FC236}">
-                <a16:creationId xmlns:a16="http://schemas.microsoft.com/office/drawing/2014/main" id="{71EF3486-5739-5FCC-C0B7-6CD033DC737E}"/>
-              </a:ext>
-            </a:extLst>
-          </p:cNvPr>
-          <p:cNvSpPr>
-            <a:spLocks noGrp="1"/>
-          </p:cNvSpPr>
-          <p:nvPr>
-            <p:ph type="title"/>
-          </p:nvPr>
-        </p:nvSpPr>
-        <p:spPr/>
-        <p:txBody>
-          <a:bodyPr/>
-          <a:lstStyle/>
-          <a:p>
-            <a:r>
-              <a:rPr kumimoji="1" lang="ja-JP" altLang="en-US"/>
-              <a:t>２値データのロジスティック回帰</a:t>
-            </a:r>
-          </a:p>
-        </p:txBody>
-      </p:sp>
-      <p:sp>
-        <p:nvSpPr>
-          <p:cNvPr id="3" name="コンテンツ プレースホルダー 2">
-            <a:extLst>
-              <a:ext uri="{FF2B5EF4-FFF2-40B4-BE49-F238E27FC236}">
-                <a16:creationId xmlns:a16="http://schemas.microsoft.com/office/drawing/2014/main" id="{1095C6A6-1949-CDE7-D94A-48F66F51BA3F}"/>
-              </a:ext>
-            </a:extLst>
-          </p:cNvPr>
-          <p:cNvSpPr>
-            <a:spLocks noGrp="1"/>
-          </p:cNvSpPr>
-          <p:nvPr>
-            <p:ph idx="1"/>
-          </p:nvPr>
-        </p:nvSpPr>
-        <p:spPr>
-          <a:xfrm>
-            <a:off x="838200" y="1825624"/>
-            <a:ext cx="10515600" cy="4863933"/>
-          </a:xfrm>
-        </p:spPr>
-        <p:txBody>
-          <a:bodyPr>
-            <a:normAutofit/>
-          </a:bodyPr>
-          <a:lstStyle/>
-          <a:p>
-            <a:r>
-              <a:rPr kumimoji="1" lang="ja-JP" altLang="en-US"/>
-              <a:t>モデルのフィッティングを評価する場合、</a:t>
-            </a:r>
-            <a:r>
-              <a:rPr lang="en-US" altLang="ja-JP" dirty="0"/>
-              <a:t>AIC</a:t>
-            </a:r>
-            <a:r>
-              <a:rPr lang="ja-JP" altLang="en-US"/>
-              <a:t>を基準にできる．</a:t>
-            </a:r>
-            <a:endParaRPr lang="en-US" altLang="ja-JP" dirty="0"/>
-          </a:p>
-          <a:p>
-            <a:endParaRPr kumimoji="1" lang="en-US" altLang="ja-JP" dirty="0"/>
-          </a:p>
-          <a:p>
-            <a:r>
-              <a:rPr kumimoji="1" lang="ja-JP" altLang="en-US"/>
-              <a:t>目的変数が</a:t>
-            </a:r>
-            <a:r>
-              <a:rPr kumimoji="1" lang="en-US" altLang="ja-JP" dirty="0"/>
-              <a:t>2</a:t>
-            </a:r>
-            <a:r>
-              <a:rPr kumimoji="1" lang="ja-JP" altLang="en-US"/>
-              <a:t>値</a:t>
-            </a:r>
-            <a:r>
-              <a:rPr kumimoji="1" lang="en-US" altLang="ja-JP" dirty="0"/>
-              <a:t>(0/1, TRUE/FALSE)</a:t>
-            </a:r>
-            <a:r>
-              <a:rPr kumimoji="1" lang="ja-JP" altLang="en-US"/>
-              <a:t>の場合、回帰による予測が正解か不正解かという判断もできる．</a:t>
-            </a:r>
-            <a:endParaRPr kumimoji="1" lang="en-US" altLang="ja-JP" dirty="0"/>
-          </a:p>
-          <a:p>
-            <a:r>
-              <a:rPr kumimoji="1" lang="ja-JP" altLang="en-US"/>
-              <a:t>このとき、予測結果は以下の４通りのいずれかに当てはまる．</a:t>
-            </a:r>
-            <a:endParaRPr lang="en-US" altLang="ja-JP" dirty="0"/>
-          </a:p>
-          <a:p>
-            <a:endParaRPr kumimoji="1" lang="en-US" altLang="ja-JP" dirty="0"/>
-          </a:p>
-          <a:p>
-            <a:endParaRPr kumimoji="1" lang="en-US" altLang="ja-JP" dirty="0"/>
-          </a:p>
-          <a:p>
-            <a:endParaRPr lang="en-US" altLang="ja-JP" dirty="0"/>
-          </a:p>
-          <a:p>
-            <a:r>
-              <a:rPr kumimoji="1" lang="ja-JP" altLang="en-US"/>
-              <a:t>真陽性、真陰性となる数が多ければ、モデルはよくフィット．</a:t>
-            </a:r>
-            <a:endParaRPr kumimoji="1" lang="en-US" altLang="ja-JP" dirty="0"/>
-          </a:p>
-        </p:txBody>
-      </p:sp>
-      <p:graphicFrame>
-        <p:nvGraphicFramePr>
-          <p:cNvPr id="4" name="表 4">
-            <a:extLst>
-              <a:ext uri="{FF2B5EF4-FFF2-40B4-BE49-F238E27FC236}">
-                <a16:creationId xmlns:a16="http://schemas.microsoft.com/office/drawing/2014/main" id="{61F155B5-5BB0-9159-FF35-6F08522ABE82}"/>
-              </a:ext>
-            </a:extLst>
-          </p:cNvPr>
-          <p:cNvGraphicFramePr>
-            <a:graphicFrameLocks noGrp="1"/>
-          </p:cNvGraphicFramePr>
-          <p:nvPr>
-            <p:extLst>
-              <p:ext uri="{D42A27DB-BD31-4B8C-83A1-F6EECF244321}">
-                <p14:modId xmlns:p14="http://schemas.microsoft.com/office/powerpoint/2010/main" val="1848281821"/>
-              </p:ext>
-            </p:extLst>
-          </p:nvPr>
-        </p:nvGraphicFramePr>
-        <p:xfrm>
-          <a:off x="1193131" y="4215278"/>
-          <a:ext cx="9805738" cy="1478280"/>
-        </p:xfrm>
-        <a:graphic>
-          <a:graphicData uri="http://schemas.openxmlformats.org/drawingml/2006/table">
-            <a:tbl>
-              <a:tblPr firstRow="1" bandRow="1">
-                <a:tableStyleId>{69CF1AB2-1976-4502-BF36-3FF5EA218861}</a:tableStyleId>
-              </a:tblPr>
-              <a:tblGrid>
-                <a:gridCol w="1946458">
-                  <a:extLst>
-                    <a:ext uri="{9D8B030D-6E8A-4147-A177-3AD203B41FA5}">
-                      <a16:colId xmlns:a16="http://schemas.microsoft.com/office/drawing/2014/main" val="4037206882"/>
-                    </a:ext>
-                  </a:extLst>
-                </a:gridCol>
-                <a:gridCol w="2154569">
-                  <a:extLst>
-                    <a:ext uri="{9D8B030D-6E8A-4147-A177-3AD203B41FA5}">
-                      <a16:colId xmlns:a16="http://schemas.microsoft.com/office/drawing/2014/main" val="285868988"/>
-                    </a:ext>
-                  </a:extLst>
-                </a:gridCol>
-                <a:gridCol w="2778905">
-                  <a:extLst>
-                    <a:ext uri="{9D8B030D-6E8A-4147-A177-3AD203B41FA5}">
-                      <a16:colId xmlns:a16="http://schemas.microsoft.com/office/drawing/2014/main" val="512436345"/>
-                    </a:ext>
-                  </a:extLst>
-                </a:gridCol>
-                <a:gridCol w="2925806">
-                  <a:extLst>
-                    <a:ext uri="{9D8B030D-6E8A-4147-A177-3AD203B41FA5}">
-                      <a16:colId xmlns:a16="http://schemas.microsoft.com/office/drawing/2014/main" val="932732684"/>
-                    </a:ext>
-                  </a:extLst>
-                </a:gridCol>
-              </a:tblGrid>
-              <a:tr h="272359">
-                <a:tc>
-                  <a:txBody>
-                    <a:bodyPr/>
-                    <a:lstStyle/>
-                    <a:p>
-                      <a:pPr algn="ctr"/>
-                      <a:endParaRPr kumimoji="1" lang="ja-JP" altLang="en-US"/>
-                    </a:p>
-                  </a:txBody>
-                  <a:tcPr/>
-                </a:tc>
-                <a:tc>
-                  <a:txBody>
-                    <a:bodyPr/>
-                    <a:lstStyle/>
-                    <a:p>
-                      <a:pPr algn="ctr"/>
-                      <a:endParaRPr kumimoji="1" lang="ja-JP" altLang="en-US"/>
-                    </a:p>
-                  </a:txBody>
-                  <a:tcPr/>
-                </a:tc>
-                <a:tc gridSpan="2">
-                  <a:txBody>
-                    <a:bodyPr/>
-                    <a:lstStyle/>
-                    <a:p>
-                      <a:pPr algn="ctr"/>
-                      <a:r>
-                        <a:rPr kumimoji="1" lang="ja-JP" altLang="en-US"/>
-                        <a:t>観測値</a:t>
-                      </a:r>
-                    </a:p>
-                  </a:txBody>
-                  <a:tcPr/>
-                </a:tc>
-                <a:tc hMerge="1">
-                  <a:txBody>
-                    <a:bodyPr/>
-                    <a:lstStyle/>
-                    <a:p>
-                      <a:pPr algn="dist"/>
-                      <a:endParaRPr kumimoji="1" lang="ja-JP" altLang="en-US"/>
-                    </a:p>
-                  </a:txBody>
-                  <a:tcPr/>
-                </a:tc>
-                <a:extLst>
-                  <a:ext uri="{0D108BD9-81ED-4DB2-BD59-A6C34878D82A}">
-                    <a16:rowId xmlns:a16="http://schemas.microsoft.com/office/drawing/2014/main" val="3323856835"/>
-                  </a:ext>
-                </a:extLst>
-              </a:tr>
-              <a:tr h="370840">
-                <a:tc>
-                  <a:txBody>
-                    <a:bodyPr/>
-                    <a:lstStyle/>
-                    <a:p>
-                      <a:pPr algn="ctr"/>
-                      <a:endParaRPr kumimoji="1" lang="ja-JP" altLang="en-US"/>
-                    </a:p>
-                  </a:txBody>
-                  <a:tcPr/>
-                </a:tc>
-                <a:tc>
-                  <a:txBody>
-                    <a:bodyPr/>
-                    <a:lstStyle/>
-                    <a:p>
-                      <a:pPr algn="ctr"/>
-                      <a:endParaRPr kumimoji="1" lang="ja-JP" altLang="en-US"/>
-                    </a:p>
-                  </a:txBody>
-                  <a:tcPr/>
-                </a:tc>
-                <a:tc>
-                  <a:txBody>
-                    <a:bodyPr/>
-                    <a:lstStyle/>
-                    <a:p>
-                      <a:pPr algn="ctr"/>
-                      <a:r>
-                        <a:rPr kumimoji="1" lang="en-US" altLang="ja-JP" dirty="0" err="1"/>
-                        <a:t>Obs</a:t>
-                      </a:r>
-                      <a:r>
-                        <a:rPr kumimoji="1" lang="en-US" altLang="ja-JP" dirty="0"/>
-                        <a:t> TRUE</a:t>
-                      </a:r>
-                      <a:endParaRPr kumimoji="1" lang="ja-JP" altLang="en-US"/>
-                    </a:p>
-                  </a:txBody>
-                  <a:tcPr/>
-                </a:tc>
-                <a:tc>
-                  <a:txBody>
-                    <a:bodyPr/>
-                    <a:lstStyle/>
-                    <a:p>
-                      <a:pPr algn="ctr"/>
-                      <a:r>
-                        <a:rPr kumimoji="1" lang="en-US" altLang="ja-JP" dirty="0" err="1"/>
-                        <a:t>Obs</a:t>
-                      </a:r>
-                      <a:r>
-                        <a:rPr kumimoji="1" lang="en-US" altLang="ja-JP" dirty="0"/>
-                        <a:t> FALSE</a:t>
-                      </a:r>
-                      <a:endParaRPr kumimoji="1" lang="ja-JP" altLang="en-US"/>
-                    </a:p>
-                  </a:txBody>
-                  <a:tcPr/>
-                </a:tc>
-                <a:extLst>
-                  <a:ext uri="{0D108BD9-81ED-4DB2-BD59-A6C34878D82A}">
-                    <a16:rowId xmlns:a16="http://schemas.microsoft.com/office/drawing/2014/main" val="3614611112"/>
-                  </a:ext>
-                </a:extLst>
-              </a:tr>
-              <a:tr h="370840">
-                <a:tc rowSpan="2">
-                  <a:txBody>
-                    <a:bodyPr/>
-                    <a:lstStyle/>
-                    <a:p>
-                      <a:pPr algn="ctr"/>
-                      <a:endParaRPr kumimoji="1" lang="en-US" altLang="ja-JP" dirty="0"/>
-                    </a:p>
-                    <a:p>
-                      <a:pPr algn="ctr"/>
-                      <a:r>
-                        <a:rPr kumimoji="1" lang="ja-JP" altLang="en-US" b="1"/>
-                        <a:t>予測値</a:t>
-                      </a:r>
-                    </a:p>
-                  </a:txBody>
-                  <a:tcPr/>
-                </a:tc>
-                <a:tc>
-                  <a:txBody>
-                    <a:bodyPr/>
-                    <a:lstStyle/>
-                    <a:p>
-                      <a:pPr algn="ctr"/>
-                      <a:r>
-                        <a:rPr kumimoji="1" lang="en-US" altLang="ja-JP" dirty="0"/>
-                        <a:t>Pred TRUE</a:t>
-                      </a:r>
-                      <a:endParaRPr kumimoji="1" lang="ja-JP" altLang="en-US"/>
-                    </a:p>
-                  </a:txBody>
-                  <a:tcPr/>
-                </a:tc>
-                <a:tc>
-                  <a:txBody>
-                    <a:bodyPr/>
-                    <a:lstStyle/>
-                    <a:p>
-                      <a:r>
-                        <a:rPr kumimoji="1" lang="ja-JP" altLang="en-US" b="1"/>
-                        <a:t>真陽性</a:t>
-                      </a:r>
-                      <a:r>
-                        <a:rPr kumimoji="1" lang="en-US" altLang="ja-JP" b="1" dirty="0"/>
-                        <a:t> True Positive</a:t>
-                      </a:r>
-                      <a:endParaRPr kumimoji="1" lang="ja-JP" altLang="en-US" b="1"/>
-                    </a:p>
-                  </a:txBody>
-                  <a:tcPr/>
-                </a:tc>
-                <a:tc>
-                  <a:txBody>
-                    <a:bodyPr/>
-                    <a:lstStyle/>
-                    <a:p>
-                      <a:r>
-                        <a:rPr kumimoji="1" lang="ja-JP" altLang="en-US"/>
-                        <a:t>偽陽性</a:t>
-                      </a:r>
-                      <a:r>
-                        <a:rPr kumimoji="1" lang="en-US" altLang="ja-JP" dirty="0"/>
-                        <a:t> False Positive</a:t>
-                      </a:r>
-                      <a:endParaRPr kumimoji="1" lang="ja-JP" altLang="en-US"/>
-                    </a:p>
-                  </a:txBody>
-                  <a:tcPr/>
-                </a:tc>
-                <a:extLst>
-                  <a:ext uri="{0D108BD9-81ED-4DB2-BD59-A6C34878D82A}">
-                    <a16:rowId xmlns:a16="http://schemas.microsoft.com/office/drawing/2014/main" val="2479788150"/>
-                  </a:ext>
-                </a:extLst>
-              </a:tr>
-              <a:tr h="370840">
-                <a:tc vMerge="1">
-                  <a:txBody>
-                    <a:bodyPr/>
-                    <a:lstStyle/>
-                    <a:p>
-                      <a:pPr algn="ctr"/>
-                      <a:endParaRPr kumimoji="1" lang="ja-JP" altLang="en-US"/>
-                    </a:p>
-                  </a:txBody>
-                  <a:tcPr/>
-                </a:tc>
-                <a:tc>
-                  <a:txBody>
-                    <a:bodyPr/>
-                    <a:lstStyle/>
-                    <a:p>
-                      <a:pPr algn="ctr"/>
-                      <a:r>
-                        <a:rPr kumimoji="1" lang="en-US" altLang="ja-JP" dirty="0"/>
-                        <a:t>Pred FALSE</a:t>
-                      </a:r>
-                      <a:endParaRPr kumimoji="1" lang="ja-JP" altLang="en-US"/>
-                    </a:p>
-                  </a:txBody>
-                  <a:tcPr/>
-                </a:tc>
-                <a:tc>
-                  <a:txBody>
-                    <a:bodyPr/>
-                    <a:lstStyle/>
-                    <a:p>
-                      <a:r>
-                        <a:rPr kumimoji="1" lang="ja-JP" altLang="en-US"/>
-                        <a:t>偽陰性</a:t>
-                      </a:r>
-                      <a:r>
-                        <a:rPr kumimoji="1" lang="en-US" altLang="ja-JP" dirty="0"/>
-                        <a:t> False Negative</a:t>
-                      </a:r>
-                      <a:endParaRPr kumimoji="1" lang="ja-JP" altLang="en-US"/>
-                    </a:p>
-                  </a:txBody>
-                  <a:tcPr/>
-                </a:tc>
-                <a:tc>
-                  <a:txBody>
-                    <a:bodyPr/>
-                    <a:lstStyle/>
-                    <a:p>
-                      <a:r>
-                        <a:rPr kumimoji="1" lang="ja-JP" altLang="en-US" b="1"/>
-                        <a:t>真陰性</a:t>
-                      </a:r>
-                      <a:r>
-                        <a:rPr kumimoji="1" lang="en-US" altLang="ja-JP" b="1" dirty="0"/>
-                        <a:t> True Negative</a:t>
-                      </a:r>
-                      <a:endParaRPr kumimoji="1" lang="ja-JP" altLang="en-US" b="1"/>
-                    </a:p>
-                  </a:txBody>
-                  <a:tcPr/>
-                </a:tc>
-                <a:extLst>
-                  <a:ext uri="{0D108BD9-81ED-4DB2-BD59-A6C34878D82A}">
-                    <a16:rowId xmlns:a16="http://schemas.microsoft.com/office/drawing/2014/main" val="52312728"/>
-                  </a:ext>
-                </a:extLst>
-              </a:tr>
-            </a:tbl>
-          </a:graphicData>
-        </a:graphic>
-      </p:graphicFrame>
-    </p:spTree>
-    <p:extLst>
-      <p:ext uri="{BB962C8B-B14F-4D97-AF65-F5344CB8AC3E}">
-        <p14:creationId xmlns:p14="http://schemas.microsoft.com/office/powerpoint/2010/main" val="388458814"/>
-      </p:ext>
-    </p:extLst>
-  </p:cSld>
-  <p:clrMapOvr>
-    <a:masterClrMapping/>
-  </p:clrMapOvr>
-</p:sld>
-</file>
-
-<file path=ppt/slides/slide4.xml><?xml version="1.0" encoding="utf-8"?>
-<p:sld xmlns:a="http://schemas.openxmlformats.org/drawingml/2006/main" xmlns:r="http://schemas.openxmlformats.org/officeDocument/2006/relationships" xmlns:p="http://schemas.openxmlformats.org/presentationml/2006/main">
-  <p:cSld>
-    <p:spTree>
-      <p:nvGrpSpPr>
-        <p:cNvPr id="1" name=""/>
-        <p:cNvGrpSpPr/>
-        <p:nvPr/>
-      </p:nvGrpSpPr>
-      <p:grpSpPr>
-        <a:xfrm>
-          <a:off x="0" y="0"/>
-          <a:ext cx="0" cy="0"/>
-          <a:chOff x="0" y="0"/>
-          <a:chExt cx="0" cy="0"/>
-        </a:xfrm>
-      </p:grpSpPr>
-      <p:sp>
-        <p:nvSpPr>
-          <p:cNvPr id="2" name="タイトル 1">
-            <a:extLst>
-              <a:ext uri="{FF2B5EF4-FFF2-40B4-BE49-F238E27FC236}">
-                <a16:creationId xmlns:a16="http://schemas.microsoft.com/office/drawing/2014/main" id="{62667434-C082-A9B7-2B1C-D32C2EBEF8EA}"/>
-              </a:ext>
-            </a:extLst>
-          </p:cNvPr>
-          <p:cNvSpPr>
-            <a:spLocks noGrp="1"/>
-          </p:cNvSpPr>
-          <p:nvPr>
-            <p:ph type="title"/>
-          </p:nvPr>
-        </p:nvSpPr>
-        <p:spPr/>
-        <p:txBody>
-          <a:bodyPr/>
-          <a:lstStyle/>
-          <a:p>
-            <a:r>
-              <a:rPr kumimoji="1" lang="ja-JP" altLang="en-US"/>
-              <a:t>分類モデルの評価指標（</a:t>
-            </a:r>
-            <a:r>
-              <a:rPr kumimoji="1" lang="ja-JP" altLang="en-US" b="1">
-                <a:solidFill>
-                  <a:srgbClr val="FF0000"/>
-                </a:solidFill>
-              </a:rPr>
-              <a:t>赤字</a:t>
-            </a:r>
-            <a:r>
-              <a:rPr kumimoji="1" lang="ja-JP" altLang="en-US"/>
-              <a:t>／</a:t>
-            </a:r>
-            <a:r>
-              <a:rPr kumimoji="1" lang="ja-JP" altLang="en-US">
-                <a:highlight>
-                  <a:srgbClr val="0000FF"/>
-                </a:highlight>
-              </a:rPr>
-              <a:t>青背景</a:t>
-            </a:r>
-            <a:r>
-              <a:rPr kumimoji="1" lang="ja-JP" altLang="en-US"/>
-              <a:t>）</a:t>
-            </a:r>
-          </a:p>
-        </p:txBody>
-      </p:sp>
-      <p:sp>
-        <p:nvSpPr>
-          <p:cNvPr id="3" name="コンテンツ プレースホルダー 2">
-            <a:extLst>
-              <a:ext uri="{FF2B5EF4-FFF2-40B4-BE49-F238E27FC236}">
-                <a16:creationId xmlns:a16="http://schemas.microsoft.com/office/drawing/2014/main" id="{5678F5A8-8D0E-3CEC-9E84-4A1F030CC290}"/>
-              </a:ext>
-            </a:extLst>
-          </p:cNvPr>
-          <p:cNvSpPr>
-            <a:spLocks noGrp="1"/>
-          </p:cNvSpPr>
-          <p:nvPr>
-            <p:ph idx="1"/>
-          </p:nvPr>
-        </p:nvSpPr>
-        <p:spPr/>
-        <p:txBody>
-          <a:bodyPr>
-            <a:normAutofit lnSpcReduction="10000"/>
-          </a:bodyPr>
-          <a:lstStyle/>
-          <a:p>
-            <a:r>
-              <a:rPr lang="ja-JP" altLang="en-US"/>
-              <a:t>正確度</a:t>
-            </a:r>
-            <a:r>
-              <a:rPr lang="en-US" altLang="ja-JP" dirty="0"/>
-              <a:t>(accuracy);</a:t>
-            </a:r>
-            <a:r>
-              <a:rPr lang="ja-JP" altLang="en-US"/>
-              <a:t>　</a:t>
-            </a:r>
-            <a:r>
-              <a:rPr lang="en-US" altLang="ja-JP" dirty="0"/>
-              <a:t>          (TP+TN)/ (TP+FP+FN+TN)</a:t>
-            </a:r>
-          </a:p>
-          <a:p>
-            <a:pPr lvl="1"/>
-            <a:r>
-              <a:rPr kumimoji="1" lang="ja-JP" altLang="en-US"/>
-              <a:t>全体として予測の当たり</a:t>
-            </a:r>
-            <a:endParaRPr kumimoji="1" lang="en-US" altLang="ja-JP" dirty="0"/>
-          </a:p>
-          <a:p>
-            <a:pPr lvl="1"/>
-            <a:endParaRPr kumimoji="1" lang="en-US" altLang="ja-JP" dirty="0"/>
-          </a:p>
-          <a:p>
-            <a:r>
-              <a:rPr lang="ja-JP" altLang="en-US"/>
-              <a:t>感度</a:t>
-            </a:r>
-            <a:r>
-              <a:rPr lang="en-US" altLang="ja-JP" dirty="0"/>
-              <a:t>(sensitivity)</a:t>
-            </a:r>
-            <a:r>
-              <a:rPr lang="ja-JP" altLang="en-US"/>
-              <a:t>、再現度</a:t>
-            </a:r>
-            <a:r>
-              <a:rPr lang="en-US" altLang="ja-JP" dirty="0"/>
-              <a:t>(recall);    TP/(TP+FN)</a:t>
-            </a:r>
-          </a:p>
-          <a:p>
-            <a:pPr lvl="1"/>
-            <a:r>
-              <a:rPr kumimoji="1" lang="ja-JP" altLang="en-US"/>
-              <a:t>真になるところを見逃さない割合</a:t>
-            </a:r>
-            <a:endParaRPr kumimoji="1" lang="en-US" altLang="ja-JP" dirty="0"/>
-          </a:p>
-          <a:p>
-            <a:pPr lvl="1"/>
-            <a:endParaRPr kumimoji="1" lang="en-US" altLang="ja-JP" dirty="0"/>
-          </a:p>
-          <a:p>
-            <a:r>
-              <a:rPr lang="ja-JP" altLang="en-US"/>
-              <a:t>特異度</a:t>
-            </a:r>
-            <a:r>
-              <a:rPr lang="en-US" altLang="ja-JP" dirty="0"/>
-              <a:t>(specificity);                          TN/(FP+TN)</a:t>
-            </a:r>
-          </a:p>
-          <a:p>
-            <a:pPr lvl="1"/>
-            <a:r>
-              <a:rPr kumimoji="1" lang="ja-JP" altLang="en-US"/>
-              <a:t>偽になるところを過度に疑わない</a:t>
-            </a:r>
-            <a:endParaRPr kumimoji="1" lang="en-US" altLang="ja-JP" dirty="0"/>
-          </a:p>
-          <a:p>
-            <a:pPr lvl="1"/>
-            <a:endParaRPr kumimoji="1" lang="en-US" altLang="ja-JP" dirty="0"/>
-          </a:p>
-          <a:p>
-            <a:r>
-              <a:rPr lang="ja-JP" altLang="en-US"/>
-              <a:t>適合度、精度</a:t>
-            </a:r>
-            <a:r>
-              <a:rPr lang="en-US" altLang="ja-JP" dirty="0"/>
-              <a:t>(precision);                 TP/(TP+FP)</a:t>
-            </a:r>
-          </a:p>
-          <a:p>
-            <a:pPr lvl="1"/>
-            <a:r>
-              <a:rPr kumimoji="1" lang="ja-JP" altLang="en-US"/>
-              <a:t>真を当てる信頼度</a:t>
-            </a:r>
-          </a:p>
-        </p:txBody>
-      </p:sp>
-      <p:graphicFrame>
-        <p:nvGraphicFramePr>
-          <p:cNvPr id="4" name="表 3">
-            <a:extLst>
-              <a:ext uri="{FF2B5EF4-FFF2-40B4-BE49-F238E27FC236}">
-                <a16:creationId xmlns:a16="http://schemas.microsoft.com/office/drawing/2014/main" id="{A691DA2A-A601-6F1B-46CE-540C3010592F}"/>
-              </a:ext>
-            </a:extLst>
-          </p:cNvPr>
-          <p:cNvGraphicFramePr>
-            <a:graphicFrameLocks noGrp="1"/>
-          </p:cNvGraphicFramePr>
-          <p:nvPr>
-            <p:extLst>
-              <p:ext uri="{D42A27DB-BD31-4B8C-83A1-F6EECF244321}">
-                <p14:modId xmlns:p14="http://schemas.microsoft.com/office/powerpoint/2010/main" val="3065226216"/>
-              </p:ext>
-            </p:extLst>
-          </p:nvPr>
-        </p:nvGraphicFramePr>
-        <p:xfrm>
-          <a:off x="10344419" y="1825625"/>
-          <a:ext cx="1353891" cy="741680"/>
-        </p:xfrm>
-        <a:graphic>
-          <a:graphicData uri="http://schemas.openxmlformats.org/drawingml/2006/table">
-            <a:tbl>
-              <a:tblPr firstRow="1" bandRow="1">
-                <a:tableStyleId>{5940675A-B579-460E-94D1-54222C63F5DA}</a:tableStyleId>
-              </a:tblPr>
-              <a:tblGrid>
-                <a:gridCol w="659513">
-                  <a:extLst>
-                    <a:ext uri="{9D8B030D-6E8A-4147-A177-3AD203B41FA5}">
-                      <a16:colId xmlns:a16="http://schemas.microsoft.com/office/drawing/2014/main" val="42048557"/>
-                    </a:ext>
-                  </a:extLst>
-                </a:gridCol>
-                <a:gridCol w="694378">
-                  <a:extLst>
-                    <a:ext uri="{9D8B030D-6E8A-4147-A177-3AD203B41FA5}">
-                      <a16:colId xmlns:a16="http://schemas.microsoft.com/office/drawing/2014/main" val="836258716"/>
-                    </a:ext>
-                  </a:extLst>
-                </a:gridCol>
-              </a:tblGrid>
-              <a:tr h="370840">
-                <a:tc>
-                  <a:txBody>
-                    <a:bodyPr/>
-                    <a:lstStyle/>
-                    <a:p>
-                      <a:pPr algn="ctr"/>
-                      <a:r>
-                        <a:rPr kumimoji="1" lang="en-US" altLang="ja-JP" b="1" dirty="0">
-                          <a:solidFill>
-                            <a:srgbClr val="FF0000"/>
-                          </a:solidFill>
-                        </a:rPr>
-                        <a:t>TP</a:t>
-                      </a:r>
-                      <a:endParaRPr kumimoji="1" lang="ja-JP" altLang="en-US" b="1">
-                        <a:solidFill>
-                          <a:srgbClr val="FF0000"/>
-                        </a:solidFill>
-                      </a:endParaRPr>
-                    </a:p>
-                  </a:txBody>
-                  <a:tcPr>
-                    <a:solidFill>
-                      <a:schemeClr val="accent1"/>
-                    </a:solidFill>
-                  </a:tcPr>
-                </a:tc>
-                <a:tc>
-                  <a:txBody>
-                    <a:bodyPr/>
-                    <a:lstStyle/>
-                    <a:p>
-                      <a:pPr algn="ctr"/>
-                      <a:r>
-                        <a:rPr kumimoji="1" lang="en-US" altLang="ja-JP" b="0" dirty="0"/>
-                        <a:t>FP</a:t>
-                      </a:r>
-                      <a:endParaRPr kumimoji="1" lang="ja-JP" altLang="en-US" b="0"/>
-                    </a:p>
-                  </a:txBody>
-                  <a:tcPr>
-                    <a:solidFill>
-                      <a:schemeClr val="accent1"/>
-                    </a:solidFill>
-                  </a:tcPr>
-                </a:tc>
-                <a:extLst>
-                  <a:ext uri="{0D108BD9-81ED-4DB2-BD59-A6C34878D82A}">
-                    <a16:rowId xmlns:a16="http://schemas.microsoft.com/office/drawing/2014/main" val="1739162390"/>
-                  </a:ext>
-                </a:extLst>
-              </a:tr>
-              <a:tr h="370840">
-                <a:tc>
-                  <a:txBody>
-                    <a:bodyPr/>
-                    <a:lstStyle/>
-                    <a:p>
-                      <a:pPr algn="ctr"/>
-                      <a:r>
-                        <a:rPr kumimoji="1" lang="en-US" altLang="ja-JP" dirty="0"/>
-                        <a:t>FN</a:t>
-                      </a:r>
-                      <a:endParaRPr kumimoji="1" lang="ja-JP" altLang="en-US"/>
-                    </a:p>
-                  </a:txBody>
-                  <a:tcPr>
-                    <a:solidFill>
-                      <a:schemeClr val="accent1"/>
-                    </a:solidFill>
-                  </a:tcPr>
-                </a:tc>
-                <a:tc>
-                  <a:txBody>
-                    <a:bodyPr/>
-                    <a:lstStyle/>
-                    <a:p>
-                      <a:pPr algn="ctr"/>
-                      <a:r>
-                        <a:rPr kumimoji="1" lang="en-US" altLang="ja-JP" b="1" dirty="0">
-                          <a:solidFill>
-                            <a:srgbClr val="FF0000"/>
-                          </a:solidFill>
-                        </a:rPr>
-                        <a:t>TN</a:t>
-                      </a:r>
-                      <a:endParaRPr kumimoji="1" lang="ja-JP" altLang="en-US" b="1">
-                        <a:solidFill>
-                          <a:srgbClr val="FF0000"/>
-                        </a:solidFill>
-                      </a:endParaRPr>
-                    </a:p>
-                  </a:txBody>
-                  <a:tcPr>
-                    <a:solidFill>
-                      <a:schemeClr val="accent1"/>
-                    </a:solidFill>
-                  </a:tcPr>
-                </a:tc>
-                <a:extLst>
-                  <a:ext uri="{0D108BD9-81ED-4DB2-BD59-A6C34878D82A}">
-                    <a16:rowId xmlns:a16="http://schemas.microsoft.com/office/drawing/2014/main" val="2335989092"/>
-                  </a:ext>
-                </a:extLst>
-              </a:tr>
-            </a:tbl>
-          </a:graphicData>
-        </a:graphic>
-      </p:graphicFrame>
-      <p:graphicFrame>
-        <p:nvGraphicFramePr>
-          <p:cNvPr id="7" name="表 6">
-            <a:extLst>
-              <a:ext uri="{FF2B5EF4-FFF2-40B4-BE49-F238E27FC236}">
-                <a16:creationId xmlns:a16="http://schemas.microsoft.com/office/drawing/2014/main" id="{B3F8901B-F660-6CE1-D0A4-F91C43F65D70}"/>
-              </a:ext>
-            </a:extLst>
-          </p:cNvPr>
-          <p:cNvGraphicFramePr>
-            <a:graphicFrameLocks noGrp="1"/>
-          </p:cNvGraphicFramePr>
-          <p:nvPr>
-            <p:extLst>
-              <p:ext uri="{D42A27DB-BD31-4B8C-83A1-F6EECF244321}">
-                <p14:modId xmlns:p14="http://schemas.microsoft.com/office/powerpoint/2010/main" val="4133232796"/>
-              </p:ext>
-            </p:extLst>
-          </p:nvPr>
-        </p:nvGraphicFramePr>
-        <p:xfrm>
-          <a:off x="10344418" y="2921183"/>
-          <a:ext cx="1353891" cy="741680"/>
-        </p:xfrm>
-        <a:graphic>
-          <a:graphicData uri="http://schemas.openxmlformats.org/drawingml/2006/table">
-            <a:tbl>
-              <a:tblPr firstRow="1" bandRow="1">
-                <a:tableStyleId>{5940675A-B579-460E-94D1-54222C63F5DA}</a:tableStyleId>
-              </a:tblPr>
-              <a:tblGrid>
-                <a:gridCol w="659513">
-                  <a:extLst>
-                    <a:ext uri="{9D8B030D-6E8A-4147-A177-3AD203B41FA5}">
-                      <a16:colId xmlns:a16="http://schemas.microsoft.com/office/drawing/2014/main" val="42048557"/>
-                    </a:ext>
-                  </a:extLst>
-                </a:gridCol>
-                <a:gridCol w="694378">
-                  <a:extLst>
-                    <a:ext uri="{9D8B030D-6E8A-4147-A177-3AD203B41FA5}">
-                      <a16:colId xmlns:a16="http://schemas.microsoft.com/office/drawing/2014/main" val="836258716"/>
-                    </a:ext>
-                  </a:extLst>
-                </a:gridCol>
-              </a:tblGrid>
-              <a:tr h="370840">
-                <a:tc>
-                  <a:txBody>
-                    <a:bodyPr/>
-                    <a:lstStyle/>
-                    <a:p>
-                      <a:pPr algn="ctr"/>
-                      <a:r>
-                        <a:rPr kumimoji="1" lang="en-US" altLang="ja-JP" b="1" dirty="0">
-                          <a:solidFill>
-                            <a:srgbClr val="FF0000"/>
-                          </a:solidFill>
-                        </a:rPr>
-                        <a:t>TP</a:t>
-                      </a:r>
-                      <a:endParaRPr kumimoji="1" lang="ja-JP" altLang="en-US" b="1">
-                        <a:solidFill>
-                          <a:srgbClr val="FF0000"/>
-                        </a:solidFill>
-                      </a:endParaRPr>
-                    </a:p>
-                  </a:txBody>
-                  <a:tcPr>
-                    <a:solidFill>
-                      <a:schemeClr val="accent1"/>
-                    </a:solidFill>
-                  </a:tcPr>
-                </a:tc>
-                <a:tc>
-                  <a:txBody>
-                    <a:bodyPr/>
-                    <a:lstStyle/>
-                    <a:p>
-                      <a:pPr algn="ctr"/>
-                      <a:r>
-                        <a:rPr kumimoji="1" lang="en-US" altLang="ja-JP" b="0" dirty="0"/>
-                        <a:t>FP</a:t>
-                      </a:r>
-                      <a:endParaRPr kumimoji="1" lang="ja-JP" altLang="en-US" b="0"/>
-                    </a:p>
-                  </a:txBody>
-                  <a:tcPr>
-                    <a:noFill/>
-                  </a:tcPr>
-                </a:tc>
-                <a:extLst>
-                  <a:ext uri="{0D108BD9-81ED-4DB2-BD59-A6C34878D82A}">
-                    <a16:rowId xmlns:a16="http://schemas.microsoft.com/office/drawing/2014/main" val="1739162390"/>
-                  </a:ext>
-                </a:extLst>
-              </a:tr>
-              <a:tr h="370840">
-                <a:tc>
-                  <a:txBody>
-                    <a:bodyPr/>
-                    <a:lstStyle/>
-                    <a:p>
-                      <a:pPr algn="ctr"/>
-                      <a:r>
-                        <a:rPr kumimoji="1" lang="en-US" altLang="ja-JP" b="0" dirty="0">
-                          <a:solidFill>
-                            <a:schemeClr val="tx1"/>
-                          </a:solidFill>
-                        </a:rPr>
-                        <a:t>FN</a:t>
-                      </a:r>
-                      <a:endParaRPr kumimoji="1" lang="ja-JP" altLang="en-US" b="0">
-                        <a:solidFill>
-                          <a:schemeClr val="tx1"/>
-                        </a:solidFill>
-                      </a:endParaRPr>
-                    </a:p>
-                  </a:txBody>
-                  <a:tcPr>
-                    <a:solidFill>
-                      <a:schemeClr val="accent1"/>
-                    </a:solidFill>
-                  </a:tcPr>
-                </a:tc>
-                <a:tc>
-                  <a:txBody>
-                    <a:bodyPr/>
-                    <a:lstStyle/>
-                    <a:p>
-                      <a:pPr algn="ctr"/>
-                      <a:r>
-                        <a:rPr kumimoji="1" lang="en-US" altLang="ja-JP" b="0" dirty="0">
-                          <a:solidFill>
-                            <a:schemeClr val="tx1"/>
-                          </a:solidFill>
-                        </a:rPr>
-                        <a:t>TN</a:t>
-                      </a:r>
-                      <a:endParaRPr kumimoji="1" lang="ja-JP" altLang="en-US" b="0">
-                        <a:solidFill>
-                          <a:schemeClr val="tx1"/>
-                        </a:solidFill>
-                      </a:endParaRPr>
-                    </a:p>
-                  </a:txBody>
-                  <a:tcPr>
-                    <a:noFill/>
-                  </a:tcPr>
-                </a:tc>
-                <a:extLst>
-                  <a:ext uri="{0D108BD9-81ED-4DB2-BD59-A6C34878D82A}">
-                    <a16:rowId xmlns:a16="http://schemas.microsoft.com/office/drawing/2014/main" val="2335989092"/>
-                  </a:ext>
-                </a:extLst>
-              </a:tr>
-            </a:tbl>
-          </a:graphicData>
-        </a:graphic>
-      </p:graphicFrame>
-      <p:graphicFrame>
-        <p:nvGraphicFramePr>
-          <p:cNvPr id="8" name="表 7">
-            <a:extLst>
-              <a:ext uri="{FF2B5EF4-FFF2-40B4-BE49-F238E27FC236}">
-                <a16:creationId xmlns:a16="http://schemas.microsoft.com/office/drawing/2014/main" id="{47791E74-57D8-7DAC-38CB-11E9F6F62A04}"/>
-              </a:ext>
-            </a:extLst>
-          </p:cNvPr>
-          <p:cNvGraphicFramePr>
-            <a:graphicFrameLocks noGrp="1"/>
-          </p:cNvGraphicFramePr>
-          <p:nvPr>
-            <p:extLst>
-              <p:ext uri="{D42A27DB-BD31-4B8C-83A1-F6EECF244321}">
-                <p14:modId xmlns:p14="http://schemas.microsoft.com/office/powerpoint/2010/main" val="4022677689"/>
-              </p:ext>
-            </p:extLst>
-          </p:nvPr>
-        </p:nvGraphicFramePr>
-        <p:xfrm>
-          <a:off x="10344418" y="4016741"/>
-          <a:ext cx="1353891" cy="741680"/>
-        </p:xfrm>
-        <a:graphic>
-          <a:graphicData uri="http://schemas.openxmlformats.org/drawingml/2006/table">
-            <a:tbl>
-              <a:tblPr firstRow="1" bandRow="1">
-                <a:tableStyleId>{5940675A-B579-460E-94D1-54222C63F5DA}</a:tableStyleId>
-              </a:tblPr>
-              <a:tblGrid>
-                <a:gridCol w="659513">
-                  <a:extLst>
-                    <a:ext uri="{9D8B030D-6E8A-4147-A177-3AD203B41FA5}">
-                      <a16:colId xmlns:a16="http://schemas.microsoft.com/office/drawing/2014/main" val="42048557"/>
-                    </a:ext>
-                  </a:extLst>
-                </a:gridCol>
-                <a:gridCol w="694378">
-                  <a:extLst>
-                    <a:ext uri="{9D8B030D-6E8A-4147-A177-3AD203B41FA5}">
-                      <a16:colId xmlns:a16="http://schemas.microsoft.com/office/drawing/2014/main" val="836258716"/>
-                    </a:ext>
-                  </a:extLst>
-                </a:gridCol>
-              </a:tblGrid>
-              <a:tr h="370840">
-                <a:tc>
-                  <a:txBody>
-                    <a:bodyPr/>
-                    <a:lstStyle/>
-                    <a:p>
-                      <a:pPr algn="ctr"/>
-                      <a:r>
-                        <a:rPr kumimoji="1" lang="en-US" altLang="ja-JP" b="0" dirty="0">
-                          <a:solidFill>
-                            <a:schemeClr val="tx1"/>
-                          </a:solidFill>
-                        </a:rPr>
-                        <a:t>TP</a:t>
-                      </a:r>
-                      <a:endParaRPr kumimoji="1" lang="ja-JP" altLang="en-US" b="0">
-                        <a:solidFill>
-                          <a:schemeClr val="tx1"/>
-                        </a:solidFill>
-                      </a:endParaRPr>
-                    </a:p>
-                  </a:txBody>
-                  <a:tcPr>
-                    <a:noFill/>
-                  </a:tcPr>
-                </a:tc>
-                <a:tc>
-                  <a:txBody>
-                    <a:bodyPr/>
-                    <a:lstStyle/>
-                    <a:p>
-                      <a:pPr algn="ctr"/>
-                      <a:r>
-                        <a:rPr kumimoji="1" lang="en-US" altLang="ja-JP" b="0" dirty="0"/>
-                        <a:t>FP</a:t>
-                      </a:r>
-                      <a:endParaRPr kumimoji="1" lang="ja-JP" altLang="en-US" b="0"/>
-                    </a:p>
-                  </a:txBody>
-                  <a:tcPr>
-                    <a:solidFill>
-                      <a:schemeClr val="accent1"/>
-                    </a:solidFill>
-                  </a:tcPr>
-                </a:tc>
-                <a:extLst>
-                  <a:ext uri="{0D108BD9-81ED-4DB2-BD59-A6C34878D82A}">
-                    <a16:rowId xmlns:a16="http://schemas.microsoft.com/office/drawing/2014/main" val="1739162390"/>
-                  </a:ext>
-                </a:extLst>
-              </a:tr>
-              <a:tr h="370840">
-                <a:tc>
-                  <a:txBody>
-                    <a:bodyPr/>
-                    <a:lstStyle/>
-                    <a:p>
-                      <a:pPr algn="ctr"/>
-                      <a:r>
-                        <a:rPr kumimoji="1" lang="en-US" altLang="ja-JP" dirty="0"/>
-                        <a:t>FN</a:t>
-                      </a:r>
-                      <a:endParaRPr kumimoji="1" lang="ja-JP" altLang="en-US"/>
-                    </a:p>
-                  </a:txBody>
-                  <a:tcPr>
-                    <a:noFill/>
-                  </a:tcPr>
-                </a:tc>
-                <a:tc>
-                  <a:txBody>
-                    <a:bodyPr/>
-                    <a:lstStyle/>
-                    <a:p>
-                      <a:pPr algn="ctr"/>
-                      <a:r>
-                        <a:rPr kumimoji="1" lang="en-US" altLang="ja-JP" b="1" dirty="0">
-                          <a:solidFill>
-                            <a:srgbClr val="FF0000"/>
-                          </a:solidFill>
-                        </a:rPr>
-                        <a:t>TN</a:t>
-                      </a:r>
-                      <a:endParaRPr kumimoji="1" lang="ja-JP" altLang="en-US" b="1">
-                        <a:solidFill>
-                          <a:srgbClr val="FF0000"/>
-                        </a:solidFill>
-                      </a:endParaRPr>
-                    </a:p>
-                  </a:txBody>
-                  <a:tcPr>
-                    <a:solidFill>
-                      <a:schemeClr val="accent1"/>
-                    </a:solidFill>
-                  </a:tcPr>
-                </a:tc>
-                <a:extLst>
-                  <a:ext uri="{0D108BD9-81ED-4DB2-BD59-A6C34878D82A}">
-                    <a16:rowId xmlns:a16="http://schemas.microsoft.com/office/drawing/2014/main" val="2335989092"/>
-                  </a:ext>
-                </a:extLst>
-              </a:tr>
-            </a:tbl>
-          </a:graphicData>
-        </a:graphic>
-      </p:graphicFrame>
-      <p:graphicFrame>
-        <p:nvGraphicFramePr>
-          <p:cNvPr id="9" name="表 8">
-            <a:extLst>
-              <a:ext uri="{FF2B5EF4-FFF2-40B4-BE49-F238E27FC236}">
-                <a16:creationId xmlns:a16="http://schemas.microsoft.com/office/drawing/2014/main" id="{D17C7C96-88AF-88F3-A753-0455AA7B2B73}"/>
-              </a:ext>
-            </a:extLst>
-          </p:cNvPr>
-          <p:cNvGraphicFramePr>
-            <a:graphicFrameLocks noGrp="1"/>
-          </p:cNvGraphicFramePr>
-          <p:nvPr>
-            <p:extLst>
-              <p:ext uri="{D42A27DB-BD31-4B8C-83A1-F6EECF244321}">
-                <p14:modId xmlns:p14="http://schemas.microsoft.com/office/powerpoint/2010/main" val="3261769935"/>
-              </p:ext>
-            </p:extLst>
-          </p:nvPr>
-        </p:nvGraphicFramePr>
-        <p:xfrm>
-          <a:off x="10344418" y="5112299"/>
-          <a:ext cx="1353891" cy="741680"/>
-        </p:xfrm>
-        <a:graphic>
-          <a:graphicData uri="http://schemas.openxmlformats.org/drawingml/2006/table">
-            <a:tbl>
-              <a:tblPr firstRow="1" bandRow="1">
-                <a:tableStyleId>{5940675A-B579-460E-94D1-54222C63F5DA}</a:tableStyleId>
-              </a:tblPr>
-              <a:tblGrid>
-                <a:gridCol w="659513">
-                  <a:extLst>
-                    <a:ext uri="{9D8B030D-6E8A-4147-A177-3AD203B41FA5}">
-                      <a16:colId xmlns:a16="http://schemas.microsoft.com/office/drawing/2014/main" val="42048557"/>
-                    </a:ext>
-                  </a:extLst>
-                </a:gridCol>
-                <a:gridCol w="694378">
-                  <a:extLst>
-                    <a:ext uri="{9D8B030D-6E8A-4147-A177-3AD203B41FA5}">
-                      <a16:colId xmlns:a16="http://schemas.microsoft.com/office/drawing/2014/main" val="836258716"/>
-                    </a:ext>
-                  </a:extLst>
-                </a:gridCol>
-              </a:tblGrid>
-              <a:tr h="370840">
-                <a:tc>
-                  <a:txBody>
-                    <a:bodyPr/>
-                    <a:lstStyle/>
-                    <a:p>
-                      <a:pPr algn="ctr"/>
-                      <a:r>
-                        <a:rPr kumimoji="1" lang="en-US" altLang="ja-JP" b="1" dirty="0">
-                          <a:solidFill>
-                            <a:srgbClr val="FF0000"/>
-                          </a:solidFill>
-                        </a:rPr>
-                        <a:t>TP</a:t>
-                      </a:r>
-                      <a:endParaRPr kumimoji="1" lang="ja-JP" altLang="en-US" b="1">
-                        <a:solidFill>
-                          <a:srgbClr val="FF0000"/>
-                        </a:solidFill>
-                      </a:endParaRPr>
-                    </a:p>
-                  </a:txBody>
-                  <a:tcPr>
-                    <a:solidFill>
-                      <a:schemeClr val="accent1"/>
-                    </a:solidFill>
-                  </a:tcPr>
-                </a:tc>
-                <a:tc>
-                  <a:txBody>
-                    <a:bodyPr/>
-                    <a:lstStyle/>
-                    <a:p>
-                      <a:pPr algn="ctr"/>
-                      <a:r>
-                        <a:rPr kumimoji="1" lang="en-US" altLang="ja-JP" b="0" dirty="0"/>
-                        <a:t>FP</a:t>
-                      </a:r>
-                      <a:endParaRPr kumimoji="1" lang="ja-JP" altLang="en-US" b="0"/>
-                    </a:p>
-                  </a:txBody>
-                  <a:tcPr>
-                    <a:solidFill>
-                      <a:schemeClr val="accent1"/>
-                    </a:solidFill>
-                  </a:tcPr>
-                </a:tc>
-                <a:extLst>
-                  <a:ext uri="{0D108BD9-81ED-4DB2-BD59-A6C34878D82A}">
-                    <a16:rowId xmlns:a16="http://schemas.microsoft.com/office/drawing/2014/main" val="1739162390"/>
-                  </a:ext>
-                </a:extLst>
-              </a:tr>
-              <a:tr h="370840">
-                <a:tc>
-                  <a:txBody>
-                    <a:bodyPr/>
-                    <a:lstStyle/>
-                    <a:p>
-                      <a:pPr algn="ctr"/>
-                      <a:r>
-                        <a:rPr kumimoji="1" lang="en-US" altLang="ja-JP" b="0" dirty="0">
-                          <a:solidFill>
-                            <a:schemeClr val="tx1"/>
-                          </a:solidFill>
-                        </a:rPr>
-                        <a:t>FN</a:t>
-                      </a:r>
-                      <a:endParaRPr kumimoji="1" lang="ja-JP" altLang="en-US" b="0">
-                        <a:solidFill>
-                          <a:schemeClr val="tx1"/>
-                        </a:solidFill>
-                      </a:endParaRPr>
-                    </a:p>
-                  </a:txBody>
-                  <a:tcPr>
-                    <a:noFill/>
-                  </a:tcPr>
-                </a:tc>
-                <a:tc>
-                  <a:txBody>
-                    <a:bodyPr/>
-                    <a:lstStyle/>
-                    <a:p>
-                      <a:pPr algn="ctr"/>
-                      <a:r>
-                        <a:rPr kumimoji="1" lang="en-US" altLang="ja-JP" b="0" dirty="0">
-                          <a:solidFill>
-                            <a:schemeClr val="tx1"/>
-                          </a:solidFill>
-                        </a:rPr>
-                        <a:t>TN</a:t>
-                      </a:r>
-                      <a:endParaRPr kumimoji="1" lang="ja-JP" altLang="en-US" b="0">
-                        <a:solidFill>
-                          <a:schemeClr val="tx1"/>
-                        </a:solidFill>
-                      </a:endParaRPr>
-                    </a:p>
-                  </a:txBody>
-                  <a:tcPr>
-                    <a:noFill/>
-                  </a:tcPr>
-                </a:tc>
-                <a:extLst>
-                  <a:ext uri="{0D108BD9-81ED-4DB2-BD59-A6C34878D82A}">
-                    <a16:rowId xmlns:a16="http://schemas.microsoft.com/office/drawing/2014/main" val="2335989092"/>
-                  </a:ext>
-                </a:extLst>
-              </a:tr>
-            </a:tbl>
-          </a:graphicData>
-        </a:graphic>
-      </p:graphicFrame>
-    </p:spTree>
-    <p:extLst>
-      <p:ext uri="{BB962C8B-B14F-4D97-AF65-F5344CB8AC3E}">
-        <p14:creationId xmlns:p14="http://schemas.microsoft.com/office/powerpoint/2010/main" val="2503684218"/>
-      </p:ext>
-    </p:extLst>
-  </p:cSld>
-  <p:clrMapOvr>
-    <a:masterClrMapping/>
-  </p:clrMapOvr>
-</p:sld>
-</file>
-
-<file path=ppt/slides/slide5.xml><?xml version="1.0" encoding="utf-8"?>
-<p:sld xmlns:a="http://schemas.openxmlformats.org/drawingml/2006/main" xmlns:r="http://schemas.openxmlformats.org/officeDocument/2006/relationships" xmlns:p="http://schemas.openxmlformats.org/presentationml/2006/main">
-  <p:cSld>
-    <p:spTree>
-      <p:nvGrpSpPr>
-        <p:cNvPr id="1" name=""/>
-        <p:cNvGrpSpPr/>
-        <p:nvPr/>
-      </p:nvGrpSpPr>
-      <p:grpSpPr>
-        <a:xfrm>
-          <a:off x="0" y="0"/>
-          <a:ext cx="0" cy="0"/>
-          <a:chOff x="0" y="0"/>
-          <a:chExt cx="0" cy="0"/>
-        </a:xfrm>
-      </p:grpSpPr>
-      <p:sp>
-        <p:nvSpPr>
-          <p:cNvPr id="2" name="タイトル 1">
-            <a:extLst>
-              <a:ext uri="{FF2B5EF4-FFF2-40B4-BE49-F238E27FC236}">
-                <a16:creationId xmlns:a16="http://schemas.microsoft.com/office/drawing/2014/main" id="{1E78FE08-39A9-527A-BD5C-05B4776326D9}"/>
-              </a:ext>
-            </a:extLst>
-          </p:cNvPr>
-          <p:cNvSpPr>
-            <a:spLocks noGrp="1"/>
-          </p:cNvSpPr>
-          <p:nvPr>
-            <p:ph type="title"/>
-          </p:nvPr>
-        </p:nvSpPr>
-        <p:spPr>
-          <a:xfrm>
-            <a:off x="524107" y="365125"/>
-            <a:ext cx="11140069" cy="1325563"/>
-          </a:xfrm>
-        </p:spPr>
-        <p:txBody>
-          <a:bodyPr>
-            <a:normAutofit/>
-          </a:bodyPr>
-          <a:lstStyle/>
-          <a:p>
-            <a:r>
-              <a:rPr kumimoji="1" lang="en-US" altLang="ja-JP" dirty="0"/>
-              <a:t>ROC(Receiver Operating Characteristic)</a:t>
-            </a:r>
-            <a:r>
-              <a:rPr lang="ja-JP" altLang="en-US"/>
-              <a:t>曲線</a:t>
-            </a:r>
-            <a:endParaRPr kumimoji="1" lang="ja-JP" altLang="en-US"/>
-          </a:p>
-        </p:txBody>
-      </p:sp>
-      <p:sp>
-        <p:nvSpPr>
-          <p:cNvPr id="3" name="コンテンツ プレースホルダー 2">
-            <a:extLst>
-              <a:ext uri="{FF2B5EF4-FFF2-40B4-BE49-F238E27FC236}">
-                <a16:creationId xmlns:a16="http://schemas.microsoft.com/office/drawing/2014/main" id="{C57F9D82-E69A-F43E-8F81-048CAA15BF05}"/>
-              </a:ext>
-            </a:extLst>
-          </p:cNvPr>
-          <p:cNvSpPr>
-            <a:spLocks noGrp="1"/>
-          </p:cNvSpPr>
-          <p:nvPr>
-            <p:ph idx="1"/>
-          </p:nvPr>
-        </p:nvSpPr>
-        <p:spPr/>
-        <p:txBody>
-          <a:bodyPr/>
-          <a:lstStyle/>
-          <a:p>
-            <a:r>
-              <a:rPr kumimoji="1" lang="en-US" altLang="ja-JP" dirty="0"/>
-              <a:t>ROC</a:t>
-            </a:r>
-            <a:r>
-              <a:rPr kumimoji="1" lang="ja-JP" altLang="en-US"/>
-              <a:t>曲線：偽陽性率</a:t>
-            </a:r>
-            <a:r>
-              <a:rPr lang="ja-JP" altLang="en-US"/>
-              <a:t>に対する</a:t>
-            </a:r>
-            <a:r>
-              <a:rPr kumimoji="1" lang="ja-JP" altLang="en-US"/>
-              <a:t>真陽性率をプロット</a:t>
-            </a:r>
-            <a:endParaRPr kumimoji="1" lang="en-US" altLang="ja-JP" dirty="0"/>
-          </a:p>
-          <a:p>
-            <a:pPr lvl="1"/>
-            <a:r>
-              <a:rPr lang="ja-JP" altLang="en-US"/>
-              <a:t>真陽性率＝真陽性数／</a:t>
-            </a:r>
-            <a:r>
-              <a:rPr lang="en-US" altLang="ja-JP" dirty="0"/>
-              <a:t>(</a:t>
-            </a:r>
-            <a:r>
-              <a:rPr lang="ja-JP" altLang="en-US"/>
-              <a:t>全陽性数</a:t>
-            </a:r>
-            <a:r>
-              <a:rPr lang="en-US" altLang="ja-JP" dirty="0"/>
-              <a:t> [=</a:t>
-            </a:r>
-            <a:r>
-              <a:rPr lang="ja-JP" altLang="en-US"/>
-              <a:t>真陽＋偽陰</a:t>
-            </a:r>
-            <a:r>
-              <a:rPr lang="en-US" altLang="ja-JP" dirty="0"/>
-              <a:t>] )</a:t>
-            </a:r>
-            <a:r>
-              <a:rPr lang="ja-JP" altLang="en-US"/>
-              <a:t>＝</a:t>
-            </a:r>
-            <a:r>
-              <a:rPr lang="en-US" altLang="ja-JP" dirty="0"/>
-              <a:t>TP</a:t>
-            </a:r>
-            <a:r>
-              <a:rPr lang="ja-JP" altLang="en-US"/>
-              <a:t>／</a:t>
-            </a:r>
-            <a:r>
-              <a:rPr lang="en-US" altLang="ja-JP" dirty="0"/>
-              <a:t>(TP</a:t>
-            </a:r>
-            <a:r>
-              <a:rPr lang="ja-JP" altLang="en-US"/>
-              <a:t>＋</a:t>
-            </a:r>
-            <a:r>
-              <a:rPr lang="en-US" altLang="ja-JP" dirty="0"/>
-              <a:t>FN)</a:t>
-            </a:r>
-          </a:p>
-          <a:p>
-            <a:pPr lvl="1"/>
-            <a:r>
-              <a:rPr kumimoji="1" lang="ja-JP" altLang="en-US"/>
-              <a:t>偽</a:t>
-            </a:r>
-            <a:r>
-              <a:rPr lang="ja-JP" altLang="en-US"/>
-              <a:t>陽</a:t>
-            </a:r>
-            <a:r>
-              <a:rPr kumimoji="1" lang="ja-JP" altLang="en-US"/>
-              <a:t>性率＝偽</a:t>
-            </a:r>
-            <a:r>
-              <a:rPr lang="ja-JP" altLang="en-US"/>
-              <a:t>陽</a:t>
-            </a:r>
-            <a:r>
-              <a:rPr kumimoji="1" lang="ja-JP" altLang="en-US"/>
-              <a:t>性</a:t>
-            </a:r>
-            <a:r>
-              <a:rPr lang="ja-JP" altLang="en-US"/>
-              <a:t>数</a:t>
-            </a:r>
-            <a:r>
-              <a:rPr kumimoji="1" lang="ja-JP" altLang="en-US"/>
-              <a:t>／</a:t>
-            </a:r>
-            <a:r>
-              <a:rPr lang="en-US" altLang="ja-JP" dirty="0"/>
-              <a:t>(</a:t>
-            </a:r>
-            <a:r>
-              <a:rPr lang="ja-JP" altLang="en-US"/>
-              <a:t>全陰性数</a:t>
-            </a:r>
-            <a:r>
-              <a:rPr lang="en-US" altLang="ja-JP" dirty="0"/>
-              <a:t>[=</a:t>
-            </a:r>
-            <a:r>
-              <a:rPr lang="ja-JP" altLang="en-US"/>
-              <a:t>偽陽＋真陰</a:t>
-            </a:r>
-            <a:r>
-              <a:rPr lang="en-US" altLang="ja-JP" dirty="0"/>
-              <a:t>] ) </a:t>
-            </a:r>
-            <a:r>
-              <a:rPr kumimoji="1" lang="ja-JP" altLang="en-US"/>
-              <a:t>＝</a:t>
-            </a:r>
-            <a:r>
-              <a:rPr kumimoji="1" lang="en-US" altLang="ja-JP" dirty="0"/>
-              <a:t>FP</a:t>
-            </a:r>
-            <a:r>
-              <a:rPr kumimoji="1" lang="ja-JP" altLang="en-US"/>
-              <a:t>／</a:t>
-            </a:r>
-            <a:r>
-              <a:rPr kumimoji="1" lang="en-US" altLang="ja-JP" dirty="0"/>
-              <a:t>(FP+TN)</a:t>
-            </a:r>
-          </a:p>
-          <a:p>
-            <a:endParaRPr lang="en-US" altLang="ja-JP" dirty="0"/>
-          </a:p>
-          <a:p>
-            <a:r>
-              <a:rPr lang="ja-JP" altLang="en-US"/>
-              <a:t>真陽性率は感度、再現度と同じ</a:t>
-            </a:r>
-            <a:endParaRPr lang="en-US" altLang="ja-JP" dirty="0"/>
-          </a:p>
-          <a:p>
-            <a:r>
-              <a:rPr lang="ja-JP" altLang="en-US"/>
-              <a:t>偽陽性率は（</a:t>
-            </a:r>
-            <a:r>
-              <a:rPr lang="en-US" altLang="ja-JP" dirty="0"/>
-              <a:t>1</a:t>
-            </a:r>
-            <a:r>
-              <a:rPr lang="ja-JP" altLang="en-US"/>
-              <a:t>ー特異度</a:t>
-            </a:r>
-            <a:r>
-              <a:rPr lang="en-US" altLang="ja-JP" dirty="0"/>
-              <a:t>=1−TP/(FP+TN)</a:t>
-            </a:r>
-            <a:r>
-              <a:rPr lang="ja-JP" altLang="en-US"/>
-              <a:t>）と同じ</a:t>
-            </a:r>
-            <a:endParaRPr lang="en-US" altLang="ja-JP" dirty="0"/>
-          </a:p>
-          <a:p>
-            <a:endParaRPr kumimoji="1" lang="en-US" altLang="ja-JP" dirty="0"/>
-          </a:p>
-          <a:p>
-            <a:r>
-              <a:rPr lang="ja-JP" altLang="en-US"/>
-              <a:t>横軸に偽陽性率、縦軸に真陽性率を取る</a:t>
-            </a:r>
-            <a:endParaRPr kumimoji="1" lang="en-US" altLang="ja-JP" dirty="0"/>
-          </a:p>
-          <a:p>
-            <a:endParaRPr kumimoji="1" lang="ja-JP" altLang="en-US"/>
-          </a:p>
-        </p:txBody>
-      </p:sp>
-    </p:spTree>
-    <p:extLst>
-      <p:ext uri="{BB962C8B-B14F-4D97-AF65-F5344CB8AC3E}">
-        <p14:creationId xmlns:p14="http://schemas.microsoft.com/office/powerpoint/2010/main" val="2966664020"/>
-      </p:ext>
-    </p:extLst>
-  </p:cSld>
-  <p:clrMapOvr>
-    <a:masterClrMapping/>
-  </p:clrMapOvr>
-</p:sld>
-</file>
-
-<file path=ppt/slides/slide6.xml><?xml version="1.0" encoding="utf-8"?>
-<p:sld xmlns:a="http://schemas.openxmlformats.org/drawingml/2006/main" xmlns:r="http://schemas.openxmlformats.org/officeDocument/2006/relationships" xmlns:p="http://schemas.openxmlformats.org/presentationml/2006/main">
-  <p:cSld>
-    <p:spTree>
-      <p:nvGrpSpPr>
-        <p:cNvPr id="1" name=""/>
-        <p:cNvGrpSpPr/>
-        <p:nvPr/>
-      </p:nvGrpSpPr>
-      <p:grpSpPr>
-        <a:xfrm>
-          <a:off x="0" y="0"/>
-          <a:ext cx="0" cy="0"/>
-          <a:chOff x="0" y="0"/>
-          <a:chExt cx="0" cy="0"/>
-        </a:xfrm>
-      </p:grpSpPr>
-      <p:sp>
-        <p:nvSpPr>
-          <p:cNvPr id="2" name="タイトル 1">
-            <a:extLst>
-              <a:ext uri="{FF2B5EF4-FFF2-40B4-BE49-F238E27FC236}">
-                <a16:creationId xmlns:a16="http://schemas.microsoft.com/office/drawing/2014/main" id="{089AB1DD-75A7-9959-2085-6193D1339EE2}"/>
-              </a:ext>
-            </a:extLst>
-          </p:cNvPr>
-          <p:cNvSpPr>
-            <a:spLocks noGrp="1"/>
-          </p:cNvSpPr>
-          <p:nvPr>
-            <p:ph type="title"/>
-          </p:nvPr>
-        </p:nvSpPr>
-        <p:spPr/>
-        <p:txBody>
-          <a:bodyPr/>
-          <a:lstStyle/>
-          <a:p>
-            <a:r>
-              <a:rPr lang="ja-JP" altLang="en-US"/>
-              <a:t>評価</a:t>
-            </a:r>
-            <a:r>
-              <a:rPr kumimoji="1" lang="ja-JP" altLang="en-US"/>
-              <a:t>指標としての</a:t>
-            </a:r>
-            <a:br>
-              <a:rPr kumimoji="1" lang="en-US" altLang="ja-JP" dirty="0"/>
-            </a:br>
-            <a:r>
-              <a:rPr kumimoji="1" lang="en-US" altLang="ja-JP" dirty="0"/>
-              <a:t>AUC (Area Under the Curve)</a:t>
-            </a:r>
-            <a:endParaRPr kumimoji="1" lang="ja-JP" altLang="en-US"/>
-          </a:p>
-        </p:txBody>
-      </p:sp>
-      <p:sp>
-        <p:nvSpPr>
-          <p:cNvPr id="3" name="コンテンツ プレースホルダー 2">
-            <a:extLst>
-              <a:ext uri="{FF2B5EF4-FFF2-40B4-BE49-F238E27FC236}">
-                <a16:creationId xmlns:a16="http://schemas.microsoft.com/office/drawing/2014/main" id="{EC155A21-770C-2FCB-AC74-BC60D9BE48B7}"/>
-              </a:ext>
-            </a:extLst>
-          </p:cNvPr>
-          <p:cNvSpPr>
-            <a:spLocks noGrp="1"/>
-          </p:cNvSpPr>
-          <p:nvPr>
-            <p:ph idx="1"/>
-          </p:nvPr>
-        </p:nvSpPr>
-        <p:spPr/>
-        <p:txBody>
-          <a:bodyPr/>
-          <a:lstStyle/>
-          <a:p>
-            <a:r>
-              <a:rPr kumimoji="1" lang="en-US" altLang="ja-JP" dirty="0"/>
-              <a:t>ROC</a:t>
-            </a:r>
-            <a:r>
-              <a:rPr kumimoji="1" lang="ja-JP" altLang="en-US"/>
-              <a:t>曲線の下側面積</a:t>
-            </a:r>
-            <a:endParaRPr kumimoji="1" lang="en-US" altLang="ja-JP" dirty="0"/>
-          </a:p>
-          <a:p>
-            <a:endParaRPr kumimoji="1" lang="en-US" altLang="ja-JP" dirty="0"/>
-          </a:p>
-          <a:p>
-            <a:r>
-              <a:rPr lang="ja-JP" altLang="en-US"/>
-              <a:t>原点</a:t>
-            </a:r>
-            <a:r>
-              <a:rPr lang="en-US" altLang="ja-JP" dirty="0"/>
-              <a:t>(0,0)</a:t>
-            </a:r>
-            <a:r>
-              <a:rPr lang="ja-JP" altLang="en-US"/>
-              <a:t>から</a:t>
-            </a:r>
-            <a:r>
-              <a:rPr lang="en-US" altLang="ja-JP" dirty="0"/>
-              <a:t>(1,1)</a:t>
-            </a:r>
-            <a:r>
-              <a:rPr lang="ja-JP" altLang="en-US"/>
-              <a:t>への直線は</a:t>
-            </a:r>
-            <a:endParaRPr lang="en-US" altLang="ja-JP" dirty="0"/>
-          </a:p>
-          <a:p>
-            <a:pPr marL="0" indent="0">
-              <a:buNone/>
-            </a:pPr>
-            <a:r>
-              <a:rPr lang="ja-JP" altLang="en-US"/>
-              <a:t>当たり外れが半々の予測</a:t>
-            </a:r>
-            <a:endParaRPr lang="en-US" altLang="ja-JP" dirty="0"/>
-          </a:p>
-          <a:p>
-            <a:pPr marL="0" indent="0">
-              <a:buNone/>
-            </a:pPr>
-            <a:endParaRPr lang="en-US" altLang="ja-JP" dirty="0"/>
-          </a:p>
-          <a:p>
-            <a:r>
-              <a:rPr kumimoji="1" lang="en-US" altLang="ja-JP" dirty="0"/>
-              <a:t>(0,0)</a:t>
-            </a:r>
-            <a:r>
-              <a:rPr kumimoji="1" lang="ja-JP" altLang="en-US"/>
-              <a:t>と</a:t>
-            </a:r>
-            <a:r>
-              <a:rPr kumimoji="1" lang="en-US" altLang="ja-JP" dirty="0"/>
-              <a:t>(0,1), (0,1)</a:t>
-            </a:r>
-            <a:r>
-              <a:rPr kumimoji="1" lang="ja-JP" altLang="en-US"/>
-              <a:t>と</a:t>
-            </a:r>
-            <a:r>
-              <a:rPr kumimoji="1" lang="en-US" altLang="ja-JP" dirty="0"/>
-              <a:t>(1,1)</a:t>
-            </a:r>
-            <a:r>
-              <a:rPr kumimoji="1" lang="ja-JP" altLang="en-US"/>
-              <a:t>を直線で</a:t>
-            </a:r>
-            <a:endParaRPr kumimoji="1" lang="en-US" altLang="ja-JP" dirty="0"/>
-          </a:p>
-          <a:p>
-            <a:pPr marL="0" indent="0">
-              <a:buNone/>
-            </a:pPr>
-            <a:r>
-              <a:rPr kumimoji="1" lang="ja-JP" altLang="en-US"/>
-              <a:t>繋いだら</a:t>
-            </a:r>
-            <a:r>
-              <a:rPr kumimoji="1" lang="en-US" altLang="ja-JP" dirty="0"/>
-              <a:t>100</a:t>
-            </a:r>
-            <a:r>
-              <a:rPr kumimoji="1" lang="ja-JP" altLang="en-US"/>
-              <a:t>％当たりの予測</a:t>
-            </a:r>
-          </a:p>
-        </p:txBody>
-      </p:sp>
-      <p:pic>
-        <p:nvPicPr>
-          <p:cNvPr id="5" name="図 4">
-            <a:extLst>
-              <a:ext uri="{FF2B5EF4-FFF2-40B4-BE49-F238E27FC236}">
-                <a16:creationId xmlns:a16="http://schemas.microsoft.com/office/drawing/2014/main" id="{C33C8150-77C5-4229-68D3-F7337247B94F}"/>
-              </a:ext>
-            </a:extLst>
-          </p:cNvPr>
-          <p:cNvPicPr>
-            <a:picLocks noChangeAspect="1"/>
-          </p:cNvPicPr>
-          <p:nvPr/>
-        </p:nvPicPr>
-        <p:blipFill>
-          <a:blip r:embed="rId2"/>
-          <a:stretch>
-            <a:fillRect/>
-          </a:stretch>
-        </p:blipFill>
-        <p:spPr>
-          <a:xfrm>
-            <a:off x="7131050" y="1690688"/>
-            <a:ext cx="4603750" cy="4603750"/>
-          </a:xfrm>
-          <a:prstGeom prst="rect">
-            <a:avLst/>
-          </a:prstGeom>
-        </p:spPr>
-      </p:pic>
-    </p:spTree>
-    <p:extLst>
-      <p:ext uri="{BB962C8B-B14F-4D97-AF65-F5344CB8AC3E}">
-        <p14:creationId xmlns:p14="http://schemas.microsoft.com/office/powerpoint/2010/main" val="2054514178"/>
-      </p:ext>
-    </p:extLst>
-  </p:cSld>
-  <p:clrMapOvr>
-    <a:masterClrMapping/>
-  </p:clrMapOvr>
-</p:sld>
-</file>
-
-<file path=ppt/slides/slide7.xml><?xml version="1.0" encoding="utf-8"?>
-<p:sld xmlns:a="http://schemas.openxmlformats.org/drawingml/2006/main" xmlns:r="http://schemas.openxmlformats.org/officeDocument/2006/relationships" xmlns:p="http://schemas.openxmlformats.org/presentationml/2006/main">
-  <p:cSld>
-    <p:spTree>
-      <p:nvGrpSpPr>
-        <p:cNvPr id="1" name=""/>
-        <p:cNvGrpSpPr/>
-        <p:nvPr/>
-      </p:nvGrpSpPr>
-      <p:grpSpPr>
-        <a:xfrm>
-          <a:off x="0" y="0"/>
-          <a:ext cx="0" cy="0"/>
-          <a:chOff x="0" y="0"/>
-          <a:chExt cx="0" cy="0"/>
-        </a:xfrm>
-      </p:grpSpPr>
-      <p:sp>
-        <p:nvSpPr>
-          <p:cNvPr id="2" name="タイトル 1">
-            <a:extLst>
-              <a:ext uri="{FF2B5EF4-FFF2-40B4-BE49-F238E27FC236}">
-                <a16:creationId xmlns:a16="http://schemas.microsoft.com/office/drawing/2014/main" id="{FAF6683F-0BB8-EE42-BC46-85C1A4CEEC5F}"/>
-              </a:ext>
-            </a:extLst>
-          </p:cNvPr>
-          <p:cNvSpPr>
-            <a:spLocks noGrp="1"/>
-          </p:cNvSpPr>
-          <p:nvPr>
-            <p:ph type="title"/>
-          </p:nvPr>
-        </p:nvSpPr>
-        <p:spPr/>
-        <p:txBody>
-          <a:bodyPr/>
-          <a:lstStyle/>
-          <a:p>
-            <a:r>
-              <a:rPr kumimoji="1" lang="en-US" altLang="ja-JP" dirty="0"/>
-              <a:t>R</a:t>
-            </a:r>
-            <a:r>
-              <a:rPr kumimoji="1" lang="ja-JP" altLang="en-US"/>
-              <a:t>で</a:t>
-            </a:r>
-            <a:r>
-              <a:rPr kumimoji="1" lang="en-US" altLang="ja-JP" dirty="0"/>
-              <a:t>2</a:t>
-            </a:r>
-            <a:r>
-              <a:rPr kumimoji="1" lang="ja-JP" altLang="en-US"/>
-              <a:t>値ロジスティック回帰と</a:t>
-            </a:r>
-            <a:r>
-              <a:rPr kumimoji="1" lang="en-US" altLang="ja-JP" dirty="0"/>
-              <a:t>AUC</a:t>
-            </a:r>
-            <a:endParaRPr kumimoji="1" lang="ja-JP" altLang="en-US"/>
-          </a:p>
-        </p:txBody>
-      </p:sp>
-      <p:sp>
-        <p:nvSpPr>
-          <p:cNvPr id="3" name="コンテンツ プレースホルダー 2">
-            <a:extLst>
-              <a:ext uri="{FF2B5EF4-FFF2-40B4-BE49-F238E27FC236}">
-                <a16:creationId xmlns:a16="http://schemas.microsoft.com/office/drawing/2014/main" id="{39A28075-C999-5E24-B8AF-CAF69464AF36}"/>
-              </a:ext>
-            </a:extLst>
-          </p:cNvPr>
-          <p:cNvSpPr>
-            <a:spLocks noGrp="1"/>
-          </p:cNvSpPr>
-          <p:nvPr>
-            <p:ph idx="1"/>
-          </p:nvPr>
-        </p:nvSpPr>
-        <p:spPr/>
-        <p:txBody>
-          <a:bodyPr/>
-          <a:lstStyle/>
-          <a:p>
-            <a:r>
-              <a:rPr kumimoji="1" lang="en-US" altLang="ja-JP" dirty="0"/>
-              <a:t>R</a:t>
-            </a:r>
-            <a:r>
-              <a:rPr kumimoji="1" lang="ja-JP" altLang="en-US"/>
-              <a:t>で正解・不正解データの予測性能を</a:t>
-            </a:r>
-            <a:r>
-              <a:rPr kumimoji="1" lang="en-US" altLang="ja-JP" dirty="0"/>
-              <a:t>AUC</a:t>
-            </a:r>
-            <a:r>
-              <a:rPr kumimoji="1" lang="ja-JP" altLang="en-US"/>
-              <a:t>で評価してみよう．</a:t>
-            </a:r>
-            <a:endParaRPr kumimoji="1" lang="en-US" altLang="ja-JP" dirty="0"/>
-          </a:p>
-          <a:p>
-            <a:endParaRPr lang="en-US" altLang="ja-JP" dirty="0"/>
-          </a:p>
-          <a:p>
-            <a:r>
-              <a:rPr kumimoji="1" lang="en-US" altLang="ja-JP" dirty="0" err="1"/>
-              <a:t>FishBodyTraitData.csv</a:t>
-            </a:r>
-            <a:r>
-              <a:rPr kumimoji="1" lang="ja-JP" altLang="en-US"/>
-              <a:t>に魚の形態に関するデータが含まれている．</a:t>
-            </a:r>
-            <a:endParaRPr kumimoji="1" lang="en-US" altLang="ja-JP" dirty="0"/>
-          </a:p>
-          <a:p>
-            <a:endParaRPr lang="en-US" altLang="ja-JP" dirty="0"/>
-          </a:p>
-          <a:p>
-            <a:r>
-              <a:rPr kumimoji="1" lang="ja-JP" altLang="en-US"/>
-              <a:t>このデータから浮魚</a:t>
-            </a:r>
-            <a:r>
-              <a:rPr kumimoji="1" lang="en-US" altLang="ja-JP" dirty="0"/>
-              <a:t>/</a:t>
-            </a:r>
-            <a:r>
-              <a:rPr kumimoji="1" lang="ja-JP" altLang="en-US"/>
-              <a:t>底魚</a:t>
-            </a:r>
-            <a:r>
-              <a:rPr kumimoji="1" lang="en-US" altLang="ja-JP" dirty="0"/>
-              <a:t>(</a:t>
-            </a:r>
-            <a:r>
-              <a:rPr kumimoji="1" lang="ja-JP" altLang="en-US"/>
-              <a:t>非浮魚</a:t>
-            </a:r>
-            <a:r>
-              <a:rPr kumimoji="1" lang="en-US" altLang="ja-JP" dirty="0"/>
-              <a:t>)</a:t>
-            </a:r>
-            <a:r>
-              <a:rPr kumimoji="1" lang="ja-JP" altLang="en-US"/>
-              <a:t>かをロジスティック回帰で解析、性能を評価してみる．</a:t>
-            </a:r>
-          </a:p>
-        </p:txBody>
-      </p:sp>
-    </p:spTree>
-    <p:extLst>
-      <p:ext uri="{BB962C8B-B14F-4D97-AF65-F5344CB8AC3E}">
-        <p14:creationId xmlns:p14="http://schemas.microsoft.com/office/powerpoint/2010/main" val="150952946"/>
-      </p:ext>
-    </p:extLst>
-  </p:cSld>
-  <p:clrMapOvr>
-    <a:masterClrMapping/>
-  </p:clrMapOvr>
-</p:sld>
-</file>
-
-<file path=ppt/slides/slide8.xml><?xml version="1.0" encoding="utf-8"?>
+<file path=ppt/slides/slide10.xml><?xml version="1.0" encoding="utf-8"?>
 <p:sld xmlns:a="http://schemas.openxmlformats.org/drawingml/2006/main" xmlns:r="http://schemas.openxmlformats.org/officeDocument/2006/relationships" xmlns:p="http://schemas.openxmlformats.org/presentationml/2006/main">
   <p:cSld>
     <p:spTree>
@@ -7164,6 +5925,4441 @@
 </p:sld>
 </file>
 
+<file path=ppt/slides/slide2.xml><?xml version="1.0" encoding="utf-8"?>
+<p:sld xmlns:a="http://schemas.openxmlformats.org/drawingml/2006/main" xmlns:r="http://schemas.openxmlformats.org/officeDocument/2006/relationships" xmlns:p="http://schemas.openxmlformats.org/presentationml/2006/main">
+  <p:cSld>
+    <p:spTree>
+      <p:nvGrpSpPr>
+        <p:cNvPr id="1" name=""/>
+        <p:cNvGrpSpPr/>
+        <p:nvPr/>
+      </p:nvGrpSpPr>
+      <p:grpSpPr>
+        <a:xfrm>
+          <a:off x="0" y="0"/>
+          <a:ext cx="0" cy="0"/>
+          <a:chOff x="0" y="0"/>
+          <a:chExt cx="0" cy="0"/>
+        </a:xfrm>
+      </p:grpSpPr>
+      <p:sp>
+        <p:nvSpPr>
+          <p:cNvPr id="2" name="タイトル 1">
+            <a:extLst>
+              <a:ext uri="{FF2B5EF4-FFF2-40B4-BE49-F238E27FC236}">
+                <a16:creationId xmlns:a16="http://schemas.microsoft.com/office/drawing/2014/main" id="{8165A938-ED3D-41A5-D45E-310751420FEC}"/>
+              </a:ext>
+            </a:extLst>
+          </p:cNvPr>
+          <p:cNvSpPr>
+            <a:spLocks noGrp="1"/>
+          </p:cNvSpPr>
+          <p:nvPr>
+            <p:ph type="title"/>
+          </p:nvPr>
+        </p:nvSpPr>
+        <p:spPr/>
+        <p:txBody>
+          <a:bodyPr/>
+          <a:lstStyle/>
+          <a:p>
+            <a:r>
+              <a:rPr kumimoji="1" lang="ja-JP" altLang="en-US"/>
+              <a:t>ロジスティック回帰</a:t>
+            </a:r>
+            <a:r>
+              <a:rPr kumimoji="1" lang="en-US" altLang="ja-JP" dirty="0"/>
+              <a:t>(logistic regression)</a:t>
+            </a:r>
+            <a:endParaRPr kumimoji="1" lang="ja-JP" altLang="en-US"/>
+          </a:p>
+        </p:txBody>
+      </p:sp>
+      <p:sp>
+        <p:nvSpPr>
+          <p:cNvPr id="3" name="コンテンツ プレースホルダー 2">
+            <a:extLst>
+              <a:ext uri="{FF2B5EF4-FFF2-40B4-BE49-F238E27FC236}">
+                <a16:creationId xmlns:a16="http://schemas.microsoft.com/office/drawing/2014/main" id="{A8F9F26F-1B3F-2C3A-6C4E-028540B530AB}"/>
+              </a:ext>
+            </a:extLst>
+          </p:cNvPr>
+          <p:cNvSpPr>
+            <a:spLocks noGrp="1"/>
+          </p:cNvSpPr>
+          <p:nvPr>
+            <p:ph idx="1"/>
+          </p:nvPr>
+        </p:nvSpPr>
+        <p:spPr/>
+        <p:txBody>
+          <a:bodyPr/>
+          <a:lstStyle/>
+          <a:p>
+            <a:r>
+              <a:rPr kumimoji="1" lang="ja-JP" altLang="en-US"/>
+              <a:t>目的変数が</a:t>
+            </a:r>
+            <a:r>
+              <a:rPr kumimoji="1" lang="en-US" altLang="ja-JP" dirty="0"/>
+              <a:t>TRUE/FALSE</a:t>
+            </a:r>
+            <a:r>
+              <a:rPr kumimoji="1" lang="ja-JP" altLang="en-US"/>
+              <a:t>のような</a:t>
+            </a:r>
+            <a:r>
+              <a:rPr kumimoji="1" lang="en-US" altLang="ja-JP" dirty="0"/>
+              <a:t>2</a:t>
+            </a:r>
+            <a:r>
+              <a:rPr kumimoji="1" lang="ja-JP" altLang="en-US"/>
+              <a:t>値データ、あるいは</a:t>
+            </a:r>
+            <a:r>
+              <a:rPr kumimoji="1" lang="en-US" altLang="ja-JP" dirty="0"/>
+              <a:t>0</a:t>
+            </a:r>
+            <a:r>
+              <a:rPr kumimoji="1" lang="ja-JP" altLang="en-US"/>
+              <a:t>から</a:t>
+            </a:r>
+            <a:r>
+              <a:rPr kumimoji="1" lang="en-US" altLang="ja-JP" dirty="0"/>
+              <a:t>1</a:t>
+            </a:r>
+            <a:r>
+              <a:rPr kumimoji="1" lang="ja-JP" altLang="en-US"/>
+              <a:t>までの値からなるデータ（確率など）となる</a:t>
+            </a:r>
+            <a:r>
+              <a:rPr kumimoji="1" lang="en-US" altLang="ja-JP" dirty="0"/>
+              <a:t>GLM</a:t>
+            </a:r>
+            <a:r>
+              <a:rPr kumimoji="1" lang="ja-JP" altLang="en-US"/>
+              <a:t>のひとつ（第</a:t>
+            </a:r>
+            <a:r>
+              <a:rPr kumimoji="1" lang="en-US" altLang="ja-JP" dirty="0"/>
+              <a:t>19</a:t>
+            </a:r>
+            <a:r>
+              <a:rPr kumimoji="1" lang="ja-JP" altLang="en-US"/>
+              <a:t>回参照）．</a:t>
+            </a:r>
+            <a:endParaRPr kumimoji="1" lang="en-US" altLang="ja-JP" dirty="0"/>
+          </a:p>
+          <a:p>
+            <a:pPr marL="0" indent="0">
+              <a:buNone/>
+            </a:pPr>
+            <a:endParaRPr lang="en-US" altLang="ja-JP" dirty="0"/>
+          </a:p>
+          <a:p>
+            <a:pPr marL="0" indent="0">
+              <a:buNone/>
+            </a:pPr>
+            <a:endParaRPr lang="en-US" altLang="ja-JP" dirty="0"/>
+          </a:p>
+          <a:p>
+            <a:r>
+              <a:rPr kumimoji="1" lang="ja-JP" altLang="en-US"/>
+              <a:t>誤差構造は二項分布</a:t>
+            </a:r>
+            <a:r>
+              <a:rPr lang="ja-JP" altLang="en-US"/>
+              <a:t>で、</a:t>
+            </a:r>
+            <a:r>
+              <a:rPr kumimoji="1" lang="ja-JP" altLang="en-US"/>
+              <a:t>線形予測子から目的変数への変換にロジット変換</a:t>
+            </a:r>
+            <a:r>
+              <a:rPr kumimoji="1" lang="en-US" altLang="ja-JP" dirty="0"/>
+              <a:t>(family=binomial </a:t>
+            </a:r>
+            <a:r>
+              <a:rPr lang="en-US" altLang="ja-JP" dirty="0"/>
+              <a:t>(link=”logit”)</a:t>
+            </a:r>
+            <a:r>
+              <a:rPr kumimoji="1" lang="en-US" altLang="ja-JP" dirty="0"/>
+              <a:t>)</a:t>
+            </a:r>
+            <a:r>
+              <a:rPr kumimoji="1" lang="ja-JP" altLang="en-US"/>
+              <a:t>を用いる．</a:t>
+            </a:r>
+            <a:endParaRPr kumimoji="1" lang="en-US" altLang="ja-JP" dirty="0"/>
+          </a:p>
+          <a:p>
+            <a:endParaRPr kumimoji="1" lang="en-US" altLang="ja-JP" dirty="0"/>
+          </a:p>
+          <a:p>
+            <a:endParaRPr lang="en-US" altLang="ja-JP" dirty="0"/>
+          </a:p>
+          <a:p>
+            <a:endParaRPr kumimoji="1" lang="ja-JP" altLang="en-US"/>
+          </a:p>
+        </p:txBody>
+      </p:sp>
+    </p:spTree>
+    <p:extLst>
+      <p:ext uri="{BB962C8B-B14F-4D97-AF65-F5344CB8AC3E}">
+        <p14:creationId xmlns:p14="http://schemas.microsoft.com/office/powerpoint/2010/main" val="2626249601"/>
+      </p:ext>
+    </p:extLst>
+  </p:cSld>
+  <p:clrMapOvr>
+    <a:masterClrMapping/>
+  </p:clrMapOvr>
+</p:sld>
+</file>
+
+<file path=ppt/slides/slide3.xml><?xml version="1.0" encoding="utf-8"?>
+<p:sld xmlns:a="http://schemas.openxmlformats.org/drawingml/2006/main" xmlns:r="http://schemas.openxmlformats.org/officeDocument/2006/relationships" xmlns:p="http://schemas.openxmlformats.org/presentationml/2006/main">
+  <p:cSld>
+    <p:spTree>
+      <p:nvGrpSpPr>
+        <p:cNvPr id="1" name=""/>
+        <p:cNvGrpSpPr/>
+        <p:nvPr/>
+      </p:nvGrpSpPr>
+      <p:grpSpPr>
+        <a:xfrm>
+          <a:off x="0" y="0"/>
+          <a:ext cx="0" cy="0"/>
+          <a:chOff x="0" y="0"/>
+          <a:chExt cx="0" cy="0"/>
+        </a:xfrm>
+      </p:grpSpPr>
+      <p:sp>
+        <p:nvSpPr>
+          <p:cNvPr id="2" name="タイトル 1">
+            <a:extLst>
+              <a:ext uri="{FF2B5EF4-FFF2-40B4-BE49-F238E27FC236}">
+                <a16:creationId xmlns:a16="http://schemas.microsoft.com/office/drawing/2014/main" id="{71EF3486-5739-5FCC-C0B7-6CD033DC737E}"/>
+              </a:ext>
+            </a:extLst>
+          </p:cNvPr>
+          <p:cNvSpPr>
+            <a:spLocks noGrp="1"/>
+          </p:cNvSpPr>
+          <p:nvPr>
+            <p:ph type="title"/>
+          </p:nvPr>
+        </p:nvSpPr>
+        <p:spPr/>
+        <p:txBody>
+          <a:bodyPr/>
+          <a:lstStyle/>
+          <a:p>
+            <a:r>
+              <a:rPr kumimoji="1" lang="ja-JP" altLang="en-US"/>
+              <a:t>２値データのロジスティック回帰</a:t>
+            </a:r>
+          </a:p>
+        </p:txBody>
+      </p:sp>
+      <p:sp>
+        <p:nvSpPr>
+          <p:cNvPr id="3" name="コンテンツ プレースホルダー 2">
+            <a:extLst>
+              <a:ext uri="{FF2B5EF4-FFF2-40B4-BE49-F238E27FC236}">
+                <a16:creationId xmlns:a16="http://schemas.microsoft.com/office/drawing/2014/main" id="{1095C6A6-1949-CDE7-D94A-48F66F51BA3F}"/>
+              </a:ext>
+            </a:extLst>
+          </p:cNvPr>
+          <p:cNvSpPr>
+            <a:spLocks noGrp="1"/>
+          </p:cNvSpPr>
+          <p:nvPr>
+            <p:ph idx="1"/>
+          </p:nvPr>
+        </p:nvSpPr>
+        <p:spPr>
+          <a:xfrm>
+            <a:off x="838200" y="1825624"/>
+            <a:ext cx="10515600" cy="4863933"/>
+          </a:xfrm>
+        </p:spPr>
+        <p:txBody>
+          <a:bodyPr>
+            <a:normAutofit/>
+          </a:bodyPr>
+          <a:lstStyle/>
+          <a:p>
+            <a:r>
+              <a:rPr kumimoji="1" lang="ja-JP" altLang="en-US"/>
+              <a:t>モデルのフィッティングを評価する場合、</a:t>
+            </a:r>
+            <a:r>
+              <a:rPr lang="en-US" altLang="ja-JP" dirty="0"/>
+              <a:t>AIC</a:t>
+            </a:r>
+            <a:r>
+              <a:rPr lang="ja-JP" altLang="en-US"/>
+              <a:t>を基準にできる．</a:t>
+            </a:r>
+            <a:endParaRPr lang="en-US" altLang="ja-JP" dirty="0"/>
+          </a:p>
+          <a:p>
+            <a:endParaRPr kumimoji="1" lang="en-US" altLang="ja-JP" dirty="0"/>
+          </a:p>
+          <a:p>
+            <a:r>
+              <a:rPr kumimoji="1" lang="ja-JP" altLang="en-US"/>
+              <a:t>目的変数が</a:t>
+            </a:r>
+            <a:r>
+              <a:rPr kumimoji="1" lang="en-US" altLang="ja-JP" dirty="0"/>
+              <a:t>2</a:t>
+            </a:r>
+            <a:r>
+              <a:rPr kumimoji="1" lang="ja-JP" altLang="en-US"/>
+              <a:t>値</a:t>
+            </a:r>
+            <a:r>
+              <a:rPr kumimoji="1" lang="en-US" altLang="ja-JP" dirty="0"/>
+              <a:t>(0/1, TRUE/FALSE)</a:t>
+            </a:r>
+            <a:r>
+              <a:rPr kumimoji="1" lang="ja-JP" altLang="en-US"/>
+              <a:t>の場合、回帰による予測が正解か不正解かという判断もできる．</a:t>
+            </a:r>
+            <a:endParaRPr kumimoji="1" lang="en-US" altLang="ja-JP" dirty="0"/>
+          </a:p>
+          <a:p>
+            <a:r>
+              <a:rPr kumimoji="1" lang="ja-JP" altLang="en-US"/>
+              <a:t>このとき、予測結果は以下の４通りのいずれかに当てはまる．</a:t>
+            </a:r>
+            <a:endParaRPr lang="en-US" altLang="ja-JP" dirty="0"/>
+          </a:p>
+          <a:p>
+            <a:endParaRPr kumimoji="1" lang="en-US" altLang="ja-JP" dirty="0"/>
+          </a:p>
+          <a:p>
+            <a:endParaRPr kumimoji="1" lang="en-US" altLang="ja-JP" dirty="0"/>
+          </a:p>
+          <a:p>
+            <a:endParaRPr lang="en-US" altLang="ja-JP" dirty="0"/>
+          </a:p>
+          <a:p>
+            <a:r>
+              <a:rPr kumimoji="1" lang="ja-JP" altLang="en-US"/>
+              <a:t>真陽性、真陰性となる数が多ければ、モデルはよくフィット．</a:t>
+            </a:r>
+            <a:endParaRPr kumimoji="1" lang="en-US" altLang="ja-JP" dirty="0"/>
+          </a:p>
+        </p:txBody>
+      </p:sp>
+      <p:graphicFrame>
+        <p:nvGraphicFramePr>
+          <p:cNvPr id="4" name="表 4">
+            <a:extLst>
+              <a:ext uri="{FF2B5EF4-FFF2-40B4-BE49-F238E27FC236}">
+                <a16:creationId xmlns:a16="http://schemas.microsoft.com/office/drawing/2014/main" id="{61F155B5-5BB0-9159-FF35-6F08522ABE82}"/>
+              </a:ext>
+            </a:extLst>
+          </p:cNvPr>
+          <p:cNvGraphicFramePr>
+            <a:graphicFrameLocks noGrp="1"/>
+          </p:cNvGraphicFramePr>
+          <p:nvPr>
+            <p:extLst>
+              <p:ext uri="{D42A27DB-BD31-4B8C-83A1-F6EECF244321}">
+                <p14:modId xmlns:p14="http://schemas.microsoft.com/office/powerpoint/2010/main" val="1848281821"/>
+              </p:ext>
+            </p:extLst>
+          </p:nvPr>
+        </p:nvGraphicFramePr>
+        <p:xfrm>
+          <a:off x="1193131" y="4215278"/>
+          <a:ext cx="9805738" cy="1478280"/>
+        </p:xfrm>
+        <a:graphic>
+          <a:graphicData uri="http://schemas.openxmlformats.org/drawingml/2006/table">
+            <a:tbl>
+              <a:tblPr firstRow="1" bandRow="1">
+                <a:tableStyleId>{69CF1AB2-1976-4502-BF36-3FF5EA218861}</a:tableStyleId>
+              </a:tblPr>
+              <a:tblGrid>
+                <a:gridCol w="1946458">
+                  <a:extLst>
+                    <a:ext uri="{9D8B030D-6E8A-4147-A177-3AD203B41FA5}">
+                      <a16:colId xmlns:a16="http://schemas.microsoft.com/office/drawing/2014/main" val="4037206882"/>
+                    </a:ext>
+                  </a:extLst>
+                </a:gridCol>
+                <a:gridCol w="2154569">
+                  <a:extLst>
+                    <a:ext uri="{9D8B030D-6E8A-4147-A177-3AD203B41FA5}">
+                      <a16:colId xmlns:a16="http://schemas.microsoft.com/office/drawing/2014/main" val="285868988"/>
+                    </a:ext>
+                  </a:extLst>
+                </a:gridCol>
+                <a:gridCol w="2778905">
+                  <a:extLst>
+                    <a:ext uri="{9D8B030D-6E8A-4147-A177-3AD203B41FA5}">
+                      <a16:colId xmlns:a16="http://schemas.microsoft.com/office/drawing/2014/main" val="512436345"/>
+                    </a:ext>
+                  </a:extLst>
+                </a:gridCol>
+                <a:gridCol w="2925806">
+                  <a:extLst>
+                    <a:ext uri="{9D8B030D-6E8A-4147-A177-3AD203B41FA5}">
+                      <a16:colId xmlns:a16="http://schemas.microsoft.com/office/drawing/2014/main" val="932732684"/>
+                    </a:ext>
+                  </a:extLst>
+                </a:gridCol>
+              </a:tblGrid>
+              <a:tr h="272359">
+                <a:tc>
+                  <a:txBody>
+                    <a:bodyPr/>
+                    <a:lstStyle/>
+                    <a:p>
+                      <a:pPr algn="ctr"/>
+                      <a:endParaRPr kumimoji="1" lang="ja-JP" altLang="en-US"/>
+                    </a:p>
+                  </a:txBody>
+                  <a:tcPr/>
+                </a:tc>
+                <a:tc>
+                  <a:txBody>
+                    <a:bodyPr/>
+                    <a:lstStyle/>
+                    <a:p>
+                      <a:pPr algn="ctr"/>
+                      <a:endParaRPr kumimoji="1" lang="ja-JP" altLang="en-US"/>
+                    </a:p>
+                  </a:txBody>
+                  <a:tcPr/>
+                </a:tc>
+                <a:tc gridSpan="2">
+                  <a:txBody>
+                    <a:bodyPr/>
+                    <a:lstStyle/>
+                    <a:p>
+                      <a:pPr algn="ctr"/>
+                      <a:r>
+                        <a:rPr kumimoji="1" lang="ja-JP" altLang="en-US"/>
+                        <a:t>観測値</a:t>
+                      </a:r>
+                    </a:p>
+                  </a:txBody>
+                  <a:tcPr/>
+                </a:tc>
+                <a:tc hMerge="1">
+                  <a:txBody>
+                    <a:bodyPr/>
+                    <a:lstStyle/>
+                    <a:p>
+                      <a:pPr algn="dist"/>
+                      <a:endParaRPr kumimoji="1" lang="ja-JP" altLang="en-US"/>
+                    </a:p>
+                  </a:txBody>
+                  <a:tcPr/>
+                </a:tc>
+                <a:extLst>
+                  <a:ext uri="{0D108BD9-81ED-4DB2-BD59-A6C34878D82A}">
+                    <a16:rowId xmlns:a16="http://schemas.microsoft.com/office/drawing/2014/main" val="3323856835"/>
+                  </a:ext>
+                </a:extLst>
+              </a:tr>
+              <a:tr h="370840">
+                <a:tc>
+                  <a:txBody>
+                    <a:bodyPr/>
+                    <a:lstStyle/>
+                    <a:p>
+                      <a:pPr algn="ctr"/>
+                      <a:endParaRPr kumimoji="1" lang="ja-JP" altLang="en-US"/>
+                    </a:p>
+                  </a:txBody>
+                  <a:tcPr/>
+                </a:tc>
+                <a:tc>
+                  <a:txBody>
+                    <a:bodyPr/>
+                    <a:lstStyle/>
+                    <a:p>
+                      <a:pPr algn="ctr"/>
+                      <a:endParaRPr kumimoji="1" lang="ja-JP" altLang="en-US"/>
+                    </a:p>
+                  </a:txBody>
+                  <a:tcPr/>
+                </a:tc>
+                <a:tc>
+                  <a:txBody>
+                    <a:bodyPr/>
+                    <a:lstStyle/>
+                    <a:p>
+                      <a:pPr algn="ctr"/>
+                      <a:r>
+                        <a:rPr kumimoji="1" lang="en-US" altLang="ja-JP" dirty="0" err="1"/>
+                        <a:t>Obs</a:t>
+                      </a:r>
+                      <a:r>
+                        <a:rPr kumimoji="1" lang="en-US" altLang="ja-JP" dirty="0"/>
+                        <a:t> TRUE</a:t>
+                      </a:r>
+                      <a:endParaRPr kumimoji="1" lang="ja-JP" altLang="en-US"/>
+                    </a:p>
+                  </a:txBody>
+                  <a:tcPr/>
+                </a:tc>
+                <a:tc>
+                  <a:txBody>
+                    <a:bodyPr/>
+                    <a:lstStyle/>
+                    <a:p>
+                      <a:pPr algn="ctr"/>
+                      <a:r>
+                        <a:rPr kumimoji="1" lang="en-US" altLang="ja-JP" dirty="0" err="1"/>
+                        <a:t>Obs</a:t>
+                      </a:r>
+                      <a:r>
+                        <a:rPr kumimoji="1" lang="en-US" altLang="ja-JP" dirty="0"/>
+                        <a:t> FALSE</a:t>
+                      </a:r>
+                      <a:endParaRPr kumimoji="1" lang="ja-JP" altLang="en-US"/>
+                    </a:p>
+                  </a:txBody>
+                  <a:tcPr/>
+                </a:tc>
+                <a:extLst>
+                  <a:ext uri="{0D108BD9-81ED-4DB2-BD59-A6C34878D82A}">
+                    <a16:rowId xmlns:a16="http://schemas.microsoft.com/office/drawing/2014/main" val="3614611112"/>
+                  </a:ext>
+                </a:extLst>
+              </a:tr>
+              <a:tr h="370840">
+                <a:tc rowSpan="2">
+                  <a:txBody>
+                    <a:bodyPr/>
+                    <a:lstStyle/>
+                    <a:p>
+                      <a:pPr algn="ctr"/>
+                      <a:endParaRPr kumimoji="1" lang="en-US" altLang="ja-JP" dirty="0"/>
+                    </a:p>
+                    <a:p>
+                      <a:pPr algn="ctr"/>
+                      <a:r>
+                        <a:rPr kumimoji="1" lang="ja-JP" altLang="en-US" b="1"/>
+                        <a:t>予測値</a:t>
+                      </a:r>
+                    </a:p>
+                  </a:txBody>
+                  <a:tcPr/>
+                </a:tc>
+                <a:tc>
+                  <a:txBody>
+                    <a:bodyPr/>
+                    <a:lstStyle/>
+                    <a:p>
+                      <a:pPr algn="ctr"/>
+                      <a:r>
+                        <a:rPr kumimoji="1" lang="en-US" altLang="ja-JP" dirty="0"/>
+                        <a:t>Pred TRUE</a:t>
+                      </a:r>
+                      <a:endParaRPr kumimoji="1" lang="ja-JP" altLang="en-US"/>
+                    </a:p>
+                  </a:txBody>
+                  <a:tcPr/>
+                </a:tc>
+                <a:tc>
+                  <a:txBody>
+                    <a:bodyPr/>
+                    <a:lstStyle/>
+                    <a:p>
+                      <a:r>
+                        <a:rPr kumimoji="1" lang="ja-JP" altLang="en-US" b="1"/>
+                        <a:t>真陽性</a:t>
+                      </a:r>
+                      <a:r>
+                        <a:rPr kumimoji="1" lang="en-US" altLang="ja-JP" b="1" dirty="0"/>
+                        <a:t> True Positive</a:t>
+                      </a:r>
+                      <a:endParaRPr kumimoji="1" lang="ja-JP" altLang="en-US" b="1"/>
+                    </a:p>
+                  </a:txBody>
+                  <a:tcPr/>
+                </a:tc>
+                <a:tc>
+                  <a:txBody>
+                    <a:bodyPr/>
+                    <a:lstStyle/>
+                    <a:p>
+                      <a:r>
+                        <a:rPr kumimoji="1" lang="ja-JP" altLang="en-US"/>
+                        <a:t>偽陽性</a:t>
+                      </a:r>
+                      <a:r>
+                        <a:rPr kumimoji="1" lang="en-US" altLang="ja-JP" dirty="0"/>
+                        <a:t> False Positive</a:t>
+                      </a:r>
+                      <a:endParaRPr kumimoji="1" lang="ja-JP" altLang="en-US"/>
+                    </a:p>
+                  </a:txBody>
+                  <a:tcPr/>
+                </a:tc>
+                <a:extLst>
+                  <a:ext uri="{0D108BD9-81ED-4DB2-BD59-A6C34878D82A}">
+                    <a16:rowId xmlns:a16="http://schemas.microsoft.com/office/drawing/2014/main" val="2479788150"/>
+                  </a:ext>
+                </a:extLst>
+              </a:tr>
+              <a:tr h="370840">
+                <a:tc vMerge="1">
+                  <a:txBody>
+                    <a:bodyPr/>
+                    <a:lstStyle/>
+                    <a:p>
+                      <a:pPr algn="ctr"/>
+                      <a:endParaRPr kumimoji="1" lang="ja-JP" altLang="en-US"/>
+                    </a:p>
+                  </a:txBody>
+                  <a:tcPr/>
+                </a:tc>
+                <a:tc>
+                  <a:txBody>
+                    <a:bodyPr/>
+                    <a:lstStyle/>
+                    <a:p>
+                      <a:pPr algn="ctr"/>
+                      <a:r>
+                        <a:rPr kumimoji="1" lang="en-US" altLang="ja-JP" dirty="0"/>
+                        <a:t>Pred FALSE</a:t>
+                      </a:r>
+                      <a:endParaRPr kumimoji="1" lang="ja-JP" altLang="en-US"/>
+                    </a:p>
+                  </a:txBody>
+                  <a:tcPr/>
+                </a:tc>
+                <a:tc>
+                  <a:txBody>
+                    <a:bodyPr/>
+                    <a:lstStyle/>
+                    <a:p>
+                      <a:r>
+                        <a:rPr kumimoji="1" lang="ja-JP" altLang="en-US"/>
+                        <a:t>偽陰性</a:t>
+                      </a:r>
+                      <a:r>
+                        <a:rPr kumimoji="1" lang="en-US" altLang="ja-JP" dirty="0"/>
+                        <a:t> False Negative</a:t>
+                      </a:r>
+                      <a:endParaRPr kumimoji="1" lang="ja-JP" altLang="en-US"/>
+                    </a:p>
+                  </a:txBody>
+                  <a:tcPr/>
+                </a:tc>
+                <a:tc>
+                  <a:txBody>
+                    <a:bodyPr/>
+                    <a:lstStyle/>
+                    <a:p>
+                      <a:r>
+                        <a:rPr kumimoji="1" lang="ja-JP" altLang="en-US" b="1"/>
+                        <a:t>真陰性</a:t>
+                      </a:r>
+                      <a:r>
+                        <a:rPr kumimoji="1" lang="en-US" altLang="ja-JP" b="1" dirty="0"/>
+                        <a:t> True Negative</a:t>
+                      </a:r>
+                      <a:endParaRPr kumimoji="1" lang="ja-JP" altLang="en-US" b="1"/>
+                    </a:p>
+                  </a:txBody>
+                  <a:tcPr/>
+                </a:tc>
+                <a:extLst>
+                  <a:ext uri="{0D108BD9-81ED-4DB2-BD59-A6C34878D82A}">
+                    <a16:rowId xmlns:a16="http://schemas.microsoft.com/office/drawing/2014/main" val="52312728"/>
+                  </a:ext>
+                </a:extLst>
+              </a:tr>
+            </a:tbl>
+          </a:graphicData>
+        </a:graphic>
+      </p:graphicFrame>
+    </p:spTree>
+    <p:extLst>
+      <p:ext uri="{BB962C8B-B14F-4D97-AF65-F5344CB8AC3E}">
+        <p14:creationId xmlns:p14="http://schemas.microsoft.com/office/powerpoint/2010/main" val="388458814"/>
+      </p:ext>
+    </p:extLst>
+  </p:cSld>
+  <p:clrMapOvr>
+    <a:masterClrMapping/>
+  </p:clrMapOvr>
+</p:sld>
+</file>
+
+<file path=ppt/slides/slide4.xml><?xml version="1.0" encoding="utf-8"?>
+<p:sld xmlns:a="http://schemas.openxmlformats.org/drawingml/2006/main" xmlns:r="http://schemas.openxmlformats.org/officeDocument/2006/relationships" xmlns:p="http://schemas.openxmlformats.org/presentationml/2006/main">
+  <p:cSld>
+    <p:spTree>
+      <p:nvGrpSpPr>
+        <p:cNvPr id="1" name=""/>
+        <p:cNvGrpSpPr/>
+        <p:nvPr/>
+      </p:nvGrpSpPr>
+      <p:grpSpPr>
+        <a:xfrm>
+          <a:off x="0" y="0"/>
+          <a:ext cx="0" cy="0"/>
+          <a:chOff x="0" y="0"/>
+          <a:chExt cx="0" cy="0"/>
+        </a:xfrm>
+      </p:grpSpPr>
+      <p:sp>
+        <p:nvSpPr>
+          <p:cNvPr id="2" name="タイトル 1">
+            <a:extLst>
+              <a:ext uri="{FF2B5EF4-FFF2-40B4-BE49-F238E27FC236}">
+                <a16:creationId xmlns:a16="http://schemas.microsoft.com/office/drawing/2014/main" id="{62667434-C082-A9B7-2B1C-D32C2EBEF8EA}"/>
+              </a:ext>
+            </a:extLst>
+          </p:cNvPr>
+          <p:cNvSpPr>
+            <a:spLocks noGrp="1"/>
+          </p:cNvSpPr>
+          <p:nvPr>
+            <p:ph type="title"/>
+          </p:nvPr>
+        </p:nvSpPr>
+        <p:spPr/>
+        <p:txBody>
+          <a:bodyPr/>
+          <a:lstStyle/>
+          <a:p>
+            <a:r>
+              <a:rPr kumimoji="1" lang="ja-JP" altLang="en-US"/>
+              <a:t>分類モデルの評価指標（</a:t>
+            </a:r>
+            <a:r>
+              <a:rPr kumimoji="1" lang="ja-JP" altLang="en-US" b="1">
+                <a:solidFill>
+                  <a:srgbClr val="FF0000"/>
+                </a:solidFill>
+              </a:rPr>
+              <a:t>赤字</a:t>
+            </a:r>
+            <a:r>
+              <a:rPr kumimoji="1" lang="ja-JP" altLang="en-US"/>
+              <a:t>／</a:t>
+            </a:r>
+            <a:r>
+              <a:rPr kumimoji="1" lang="ja-JP" altLang="en-US">
+                <a:highlight>
+                  <a:srgbClr val="0000FF"/>
+                </a:highlight>
+              </a:rPr>
+              <a:t>青背景</a:t>
+            </a:r>
+            <a:r>
+              <a:rPr kumimoji="1" lang="ja-JP" altLang="en-US"/>
+              <a:t>）</a:t>
+            </a:r>
+          </a:p>
+        </p:txBody>
+      </p:sp>
+      <p:sp>
+        <p:nvSpPr>
+          <p:cNvPr id="3" name="コンテンツ プレースホルダー 2">
+            <a:extLst>
+              <a:ext uri="{FF2B5EF4-FFF2-40B4-BE49-F238E27FC236}">
+                <a16:creationId xmlns:a16="http://schemas.microsoft.com/office/drawing/2014/main" id="{5678F5A8-8D0E-3CEC-9E84-4A1F030CC290}"/>
+              </a:ext>
+            </a:extLst>
+          </p:cNvPr>
+          <p:cNvSpPr>
+            <a:spLocks noGrp="1"/>
+          </p:cNvSpPr>
+          <p:nvPr>
+            <p:ph idx="1"/>
+          </p:nvPr>
+        </p:nvSpPr>
+        <p:spPr/>
+        <p:txBody>
+          <a:bodyPr>
+            <a:normAutofit lnSpcReduction="10000"/>
+          </a:bodyPr>
+          <a:lstStyle/>
+          <a:p>
+            <a:r>
+              <a:rPr lang="ja-JP" altLang="en-US"/>
+              <a:t>正確度</a:t>
+            </a:r>
+            <a:r>
+              <a:rPr lang="en-US" altLang="ja-JP" dirty="0"/>
+              <a:t>(accuracy);</a:t>
+            </a:r>
+            <a:r>
+              <a:rPr lang="ja-JP" altLang="en-US"/>
+              <a:t>　</a:t>
+            </a:r>
+            <a:r>
+              <a:rPr lang="en-US" altLang="ja-JP" dirty="0"/>
+              <a:t>          (TP+TN)/ (TP+FP+FN+TN)</a:t>
+            </a:r>
+          </a:p>
+          <a:p>
+            <a:pPr lvl="1"/>
+            <a:r>
+              <a:rPr kumimoji="1" lang="ja-JP" altLang="en-US"/>
+              <a:t>全体として予測の当たり</a:t>
+            </a:r>
+            <a:endParaRPr kumimoji="1" lang="en-US" altLang="ja-JP" dirty="0"/>
+          </a:p>
+          <a:p>
+            <a:pPr lvl="1"/>
+            <a:endParaRPr kumimoji="1" lang="en-US" altLang="ja-JP" dirty="0"/>
+          </a:p>
+          <a:p>
+            <a:r>
+              <a:rPr lang="ja-JP" altLang="en-US"/>
+              <a:t>感度</a:t>
+            </a:r>
+            <a:r>
+              <a:rPr lang="en-US" altLang="ja-JP" dirty="0"/>
+              <a:t>(sensitivity)</a:t>
+            </a:r>
+            <a:r>
+              <a:rPr lang="ja-JP" altLang="en-US"/>
+              <a:t>、再現度</a:t>
+            </a:r>
+            <a:r>
+              <a:rPr lang="en-US" altLang="ja-JP" dirty="0"/>
+              <a:t>(recall);    TP/(TP+FN)</a:t>
+            </a:r>
+          </a:p>
+          <a:p>
+            <a:pPr lvl="1"/>
+            <a:r>
+              <a:rPr kumimoji="1" lang="ja-JP" altLang="en-US"/>
+              <a:t>真になるところを見逃さない割合</a:t>
+            </a:r>
+            <a:endParaRPr kumimoji="1" lang="en-US" altLang="ja-JP" dirty="0"/>
+          </a:p>
+          <a:p>
+            <a:pPr lvl="1"/>
+            <a:endParaRPr kumimoji="1" lang="en-US" altLang="ja-JP" dirty="0"/>
+          </a:p>
+          <a:p>
+            <a:r>
+              <a:rPr lang="ja-JP" altLang="en-US"/>
+              <a:t>特異度</a:t>
+            </a:r>
+            <a:r>
+              <a:rPr lang="en-US" altLang="ja-JP" dirty="0"/>
+              <a:t>(specificity);                          TN/(FP+TN)</a:t>
+            </a:r>
+          </a:p>
+          <a:p>
+            <a:pPr lvl="1"/>
+            <a:r>
+              <a:rPr kumimoji="1" lang="ja-JP" altLang="en-US"/>
+              <a:t>偽になるところを過度に疑わない</a:t>
+            </a:r>
+            <a:endParaRPr kumimoji="1" lang="en-US" altLang="ja-JP" dirty="0"/>
+          </a:p>
+          <a:p>
+            <a:pPr lvl="1"/>
+            <a:endParaRPr kumimoji="1" lang="en-US" altLang="ja-JP" dirty="0"/>
+          </a:p>
+          <a:p>
+            <a:r>
+              <a:rPr lang="ja-JP" altLang="en-US"/>
+              <a:t>適合度、精度</a:t>
+            </a:r>
+            <a:r>
+              <a:rPr lang="en-US" altLang="ja-JP" dirty="0"/>
+              <a:t>(precision);                 TP/(TP+FP)</a:t>
+            </a:r>
+          </a:p>
+          <a:p>
+            <a:pPr lvl="1"/>
+            <a:r>
+              <a:rPr kumimoji="1" lang="ja-JP" altLang="en-US"/>
+              <a:t>真を当てる信頼度</a:t>
+            </a:r>
+          </a:p>
+        </p:txBody>
+      </p:sp>
+      <p:graphicFrame>
+        <p:nvGraphicFramePr>
+          <p:cNvPr id="4" name="表 3">
+            <a:extLst>
+              <a:ext uri="{FF2B5EF4-FFF2-40B4-BE49-F238E27FC236}">
+                <a16:creationId xmlns:a16="http://schemas.microsoft.com/office/drawing/2014/main" id="{A691DA2A-A601-6F1B-46CE-540C3010592F}"/>
+              </a:ext>
+            </a:extLst>
+          </p:cNvPr>
+          <p:cNvGraphicFramePr>
+            <a:graphicFrameLocks noGrp="1"/>
+          </p:cNvGraphicFramePr>
+          <p:nvPr>
+            <p:extLst>
+              <p:ext uri="{D42A27DB-BD31-4B8C-83A1-F6EECF244321}">
+                <p14:modId xmlns:p14="http://schemas.microsoft.com/office/powerpoint/2010/main" val="3065226216"/>
+              </p:ext>
+            </p:extLst>
+          </p:nvPr>
+        </p:nvGraphicFramePr>
+        <p:xfrm>
+          <a:off x="10344419" y="1825625"/>
+          <a:ext cx="1353891" cy="741680"/>
+        </p:xfrm>
+        <a:graphic>
+          <a:graphicData uri="http://schemas.openxmlformats.org/drawingml/2006/table">
+            <a:tbl>
+              <a:tblPr firstRow="1" bandRow="1">
+                <a:tableStyleId>{5940675A-B579-460E-94D1-54222C63F5DA}</a:tableStyleId>
+              </a:tblPr>
+              <a:tblGrid>
+                <a:gridCol w="659513">
+                  <a:extLst>
+                    <a:ext uri="{9D8B030D-6E8A-4147-A177-3AD203B41FA5}">
+                      <a16:colId xmlns:a16="http://schemas.microsoft.com/office/drawing/2014/main" val="42048557"/>
+                    </a:ext>
+                  </a:extLst>
+                </a:gridCol>
+                <a:gridCol w="694378">
+                  <a:extLst>
+                    <a:ext uri="{9D8B030D-6E8A-4147-A177-3AD203B41FA5}">
+                      <a16:colId xmlns:a16="http://schemas.microsoft.com/office/drawing/2014/main" val="836258716"/>
+                    </a:ext>
+                  </a:extLst>
+                </a:gridCol>
+              </a:tblGrid>
+              <a:tr h="370840">
+                <a:tc>
+                  <a:txBody>
+                    <a:bodyPr/>
+                    <a:lstStyle/>
+                    <a:p>
+                      <a:pPr algn="ctr"/>
+                      <a:r>
+                        <a:rPr kumimoji="1" lang="en-US" altLang="ja-JP" b="1" dirty="0">
+                          <a:solidFill>
+                            <a:srgbClr val="FF0000"/>
+                          </a:solidFill>
+                        </a:rPr>
+                        <a:t>TP</a:t>
+                      </a:r>
+                      <a:endParaRPr kumimoji="1" lang="ja-JP" altLang="en-US" b="1">
+                        <a:solidFill>
+                          <a:srgbClr val="FF0000"/>
+                        </a:solidFill>
+                      </a:endParaRPr>
+                    </a:p>
+                  </a:txBody>
+                  <a:tcPr>
+                    <a:solidFill>
+                      <a:schemeClr val="accent1"/>
+                    </a:solidFill>
+                  </a:tcPr>
+                </a:tc>
+                <a:tc>
+                  <a:txBody>
+                    <a:bodyPr/>
+                    <a:lstStyle/>
+                    <a:p>
+                      <a:pPr algn="ctr"/>
+                      <a:r>
+                        <a:rPr kumimoji="1" lang="en-US" altLang="ja-JP" b="0" dirty="0"/>
+                        <a:t>FP</a:t>
+                      </a:r>
+                      <a:endParaRPr kumimoji="1" lang="ja-JP" altLang="en-US" b="0"/>
+                    </a:p>
+                  </a:txBody>
+                  <a:tcPr>
+                    <a:solidFill>
+                      <a:schemeClr val="accent1"/>
+                    </a:solidFill>
+                  </a:tcPr>
+                </a:tc>
+                <a:extLst>
+                  <a:ext uri="{0D108BD9-81ED-4DB2-BD59-A6C34878D82A}">
+                    <a16:rowId xmlns:a16="http://schemas.microsoft.com/office/drawing/2014/main" val="1739162390"/>
+                  </a:ext>
+                </a:extLst>
+              </a:tr>
+              <a:tr h="370840">
+                <a:tc>
+                  <a:txBody>
+                    <a:bodyPr/>
+                    <a:lstStyle/>
+                    <a:p>
+                      <a:pPr algn="ctr"/>
+                      <a:r>
+                        <a:rPr kumimoji="1" lang="en-US" altLang="ja-JP" dirty="0"/>
+                        <a:t>FN</a:t>
+                      </a:r>
+                      <a:endParaRPr kumimoji="1" lang="ja-JP" altLang="en-US"/>
+                    </a:p>
+                  </a:txBody>
+                  <a:tcPr>
+                    <a:solidFill>
+                      <a:schemeClr val="accent1"/>
+                    </a:solidFill>
+                  </a:tcPr>
+                </a:tc>
+                <a:tc>
+                  <a:txBody>
+                    <a:bodyPr/>
+                    <a:lstStyle/>
+                    <a:p>
+                      <a:pPr algn="ctr"/>
+                      <a:r>
+                        <a:rPr kumimoji="1" lang="en-US" altLang="ja-JP" b="1" dirty="0">
+                          <a:solidFill>
+                            <a:srgbClr val="FF0000"/>
+                          </a:solidFill>
+                        </a:rPr>
+                        <a:t>TN</a:t>
+                      </a:r>
+                      <a:endParaRPr kumimoji="1" lang="ja-JP" altLang="en-US" b="1">
+                        <a:solidFill>
+                          <a:srgbClr val="FF0000"/>
+                        </a:solidFill>
+                      </a:endParaRPr>
+                    </a:p>
+                  </a:txBody>
+                  <a:tcPr>
+                    <a:solidFill>
+                      <a:schemeClr val="accent1"/>
+                    </a:solidFill>
+                  </a:tcPr>
+                </a:tc>
+                <a:extLst>
+                  <a:ext uri="{0D108BD9-81ED-4DB2-BD59-A6C34878D82A}">
+                    <a16:rowId xmlns:a16="http://schemas.microsoft.com/office/drawing/2014/main" val="2335989092"/>
+                  </a:ext>
+                </a:extLst>
+              </a:tr>
+            </a:tbl>
+          </a:graphicData>
+        </a:graphic>
+      </p:graphicFrame>
+      <p:graphicFrame>
+        <p:nvGraphicFramePr>
+          <p:cNvPr id="7" name="表 6">
+            <a:extLst>
+              <a:ext uri="{FF2B5EF4-FFF2-40B4-BE49-F238E27FC236}">
+                <a16:creationId xmlns:a16="http://schemas.microsoft.com/office/drawing/2014/main" id="{B3F8901B-F660-6CE1-D0A4-F91C43F65D70}"/>
+              </a:ext>
+            </a:extLst>
+          </p:cNvPr>
+          <p:cNvGraphicFramePr>
+            <a:graphicFrameLocks noGrp="1"/>
+          </p:cNvGraphicFramePr>
+          <p:nvPr>
+            <p:extLst>
+              <p:ext uri="{D42A27DB-BD31-4B8C-83A1-F6EECF244321}">
+                <p14:modId xmlns:p14="http://schemas.microsoft.com/office/powerpoint/2010/main" val="4133232796"/>
+              </p:ext>
+            </p:extLst>
+          </p:nvPr>
+        </p:nvGraphicFramePr>
+        <p:xfrm>
+          <a:off x="10344418" y="2921183"/>
+          <a:ext cx="1353891" cy="741680"/>
+        </p:xfrm>
+        <a:graphic>
+          <a:graphicData uri="http://schemas.openxmlformats.org/drawingml/2006/table">
+            <a:tbl>
+              <a:tblPr firstRow="1" bandRow="1">
+                <a:tableStyleId>{5940675A-B579-460E-94D1-54222C63F5DA}</a:tableStyleId>
+              </a:tblPr>
+              <a:tblGrid>
+                <a:gridCol w="659513">
+                  <a:extLst>
+                    <a:ext uri="{9D8B030D-6E8A-4147-A177-3AD203B41FA5}">
+                      <a16:colId xmlns:a16="http://schemas.microsoft.com/office/drawing/2014/main" val="42048557"/>
+                    </a:ext>
+                  </a:extLst>
+                </a:gridCol>
+                <a:gridCol w="694378">
+                  <a:extLst>
+                    <a:ext uri="{9D8B030D-6E8A-4147-A177-3AD203B41FA5}">
+                      <a16:colId xmlns:a16="http://schemas.microsoft.com/office/drawing/2014/main" val="836258716"/>
+                    </a:ext>
+                  </a:extLst>
+                </a:gridCol>
+              </a:tblGrid>
+              <a:tr h="370840">
+                <a:tc>
+                  <a:txBody>
+                    <a:bodyPr/>
+                    <a:lstStyle/>
+                    <a:p>
+                      <a:pPr algn="ctr"/>
+                      <a:r>
+                        <a:rPr kumimoji="1" lang="en-US" altLang="ja-JP" b="1" dirty="0">
+                          <a:solidFill>
+                            <a:srgbClr val="FF0000"/>
+                          </a:solidFill>
+                        </a:rPr>
+                        <a:t>TP</a:t>
+                      </a:r>
+                      <a:endParaRPr kumimoji="1" lang="ja-JP" altLang="en-US" b="1">
+                        <a:solidFill>
+                          <a:srgbClr val="FF0000"/>
+                        </a:solidFill>
+                      </a:endParaRPr>
+                    </a:p>
+                  </a:txBody>
+                  <a:tcPr>
+                    <a:solidFill>
+                      <a:schemeClr val="accent1"/>
+                    </a:solidFill>
+                  </a:tcPr>
+                </a:tc>
+                <a:tc>
+                  <a:txBody>
+                    <a:bodyPr/>
+                    <a:lstStyle/>
+                    <a:p>
+                      <a:pPr algn="ctr"/>
+                      <a:r>
+                        <a:rPr kumimoji="1" lang="en-US" altLang="ja-JP" b="0" dirty="0"/>
+                        <a:t>FP</a:t>
+                      </a:r>
+                      <a:endParaRPr kumimoji="1" lang="ja-JP" altLang="en-US" b="0"/>
+                    </a:p>
+                  </a:txBody>
+                  <a:tcPr>
+                    <a:noFill/>
+                  </a:tcPr>
+                </a:tc>
+                <a:extLst>
+                  <a:ext uri="{0D108BD9-81ED-4DB2-BD59-A6C34878D82A}">
+                    <a16:rowId xmlns:a16="http://schemas.microsoft.com/office/drawing/2014/main" val="1739162390"/>
+                  </a:ext>
+                </a:extLst>
+              </a:tr>
+              <a:tr h="370840">
+                <a:tc>
+                  <a:txBody>
+                    <a:bodyPr/>
+                    <a:lstStyle/>
+                    <a:p>
+                      <a:pPr algn="ctr"/>
+                      <a:r>
+                        <a:rPr kumimoji="1" lang="en-US" altLang="ja-JP" b="0" dirty="0">
+                          <a:solidFill>
+                            <a:schemeClr val="tx1"/>
+                          </a:solidFill>
+                        </a:rPr>
+                        <a:t>FN</a:t>
+                      </a:r>
+                      <a:endParaRPr kumimoji="1" lang="ja-JP" altLang="en-US" b="0">
+                        <a:solidFill>
+                          <a:schemeClr val="tx1"/>
+                        </a:solidFill>
+                      </a:endParaRPr>
+                    </a:p>
+                  </a:txBody>
+                  <a:tcPr>
+                    <a:solidFill>
+                      <a:schemeClr val="accent1"/>
+                    </a:solidFill>
+                  </a:tcPr>
+                </a:tc>
+                <a:tc>
+                  <a:txBody>
+                    <a:bodyPr/>
+                    <a:lstStyle/>
+                    <a:p>
+                      <a:pPr algn="ctr"/>
+                      <a:r>
+                        <a:rPr kumimoji="1" lang="en-US" altLang="ja-JP" b="0" dirty="0">
+                          <a:solidFill>
+                            <a:schemeClr val="tx1"/>
+                          </a:solidFill>
+                        </a:rPr>
+                        <a:t>TN</a:t>
+                      </a:r>
+                      <a:endParaRPr kumimoji="1" lang="ja-JP" altLang="en-US" b="0">
+                        <a:solidFill>
+                          <a:schemeClr val="tx1"/>
+                        </a:solidFill>
+                      </a:endParaRPr>
+                    </a:p>
+                  </a:txBody>
+                  <a:tcPr>
+                    <a:noFill/>
+                  </a:tcPr>
+                </a:tc>
+                <a:extLst>
+                  <a:ext uri="{0D108BD9-81ED-4DB2-BD59-A6C34878D82A}">
+                    <a16:rowId xmlns:a16="http://schemas.microsoft.com/office/drawing/2014/main" val="2335989092"/>
+                  </a:ext>
+                </a:extLst>
+              </a:tr>
+            </a:tbl>
+          </a:graphicData>
+        </a:graphic>
+      </p:graphicFrame>
+      <p:graphicFrame>
+        <p:nvGraphicFramePr>
+          <p:cNvPr id="8" name="表 7">
+            <a:extLst>
+              <a:ext uri="{FF2B5EF4-FFF2-40B4-BE49-F238E27FC236}">
+                <a16:creationId xmlns:a16="http://schemas.microsoft.com/office/drawing/2014/main" id="{47791E74-57D8-7DAC-38CB-11E9F6F62A04}"/>
+              </a:ext>
+            </a:extLst>
+          </p:cNvPr>
+          <p:cNvGraphicFramePr>
+            <a:graphicFrameLocks noGrp="1"/>
+          </p:cNvGraphicFramePr>
+          <p:nvPr>
+            <p:extLst>
+              <p:ext uri="{D42A27DB-BD31-4B8C-83A1-F6EECF244321}">
+                <p14:modId xmlns:p14="http://schemas.microsoft.com/office/powerpoint/2010/main" val="4022677689"/>
+              </p:ext>
+            </p:extLst>
+          </p:nvPr>
+        </p:nvGraphicFramePr>
+        <p:xfrm>
+          <a:off x="10344418" y="4016741"/>
+          <a:ext cx="1353891" cy="741680"/>
+        </p:xfrm>
+        <a:graphic>
+          <a:graphicData uri="http://schemas.openxmlformats.org/drawingml/2006/table">
+            <a:tbl>
+              <a:tblPr firstRow="1" bandRow="1">
+                <a:tableStyleId>{5940675A-B579-460E-94D1-54222C63F5DA}</a:tableStyleId>
+              </a:tblPr>
+              <a:tblGrid>
+                <a:gridCol w="659513">
+                  <a:extLst>
+                    <a:ext uri="{9D8B030D-6E8A-4147-A177-3AD203B41FA5}">
+                      <a16:colId xmlns:a16="http://schemas.microsoft.com/office/drawing/2014/main" val="42048557"/>
+                    </a:ext>
+                  </a:extLst>
+                </a:gridCol>
+                <a:gridCol w="694378">
+                  <a:extLst>
+                    <a:ext uri="{9D8B030D-6E8A-4147-A177-3AD203B41FA5}">
+                      <a16:colId xmlns:a16="http://schemas.microsoft.com/office/drawing/2014/main" val="836258716"/>
+                    </a:ext>
+                  </a:extLst>
+                </a:gridCol>
+              </a:tblGrid>
+              <a:tr h="370840">
+                <a:tc>
+                  <a:txBody>
+                    <a:bodyPr/>
+                    <a:lstStyle/>
+                    <a:p>
+                      <a:pPr algn="ctr"/>
+                      <a:r>
+                        <a:rPr kumimoji="1" lang="en-US" altLang="ja-JP" b="0" dirty="0">
+                          <a:solidFill>
+                            <a:schemeClr val="tx1"/>
+                          </a:solidFill>
+                        </a:rPr>
+                        <a:t>TP</a:t>
+                      </a:r>
+                      <a:endParaRPr kumimoji="1" lang="ja-JP" altLang="en-US" b="0">
+                        <a:solidFill>
+                          <a:schemeClr val="tx1"/>
+                        </a:solidFill>
+                      </a:endParaRPr>
+                    </a:p>
+                  </a:txBody>
+                  <a:tcPr>
+                    <a:noFill/>
+                  </a:tcPr>
+                </a:tc>
+                <a:tc>
+                  <a:txBody>
+                    <a:bodyPr/>
+                    <a:lstStyle/>
+                    <a:p>
+                      <a:pPr algn="ctr"/>
+                      <a:r>
+                        <a:rPr kumimoji="1" lang="en-US" altLang="ja-JP" b="0" dirty="0"/>
+                        <a:t>FP</a:t>
+                      </a:r>
+                      <a:endParaRPr kumimoji="1" lang="ja-JP" altLang="en-US" b="0"/>
+                    </a:p>
+                  </a:txBody>
+                  <a:tcPr>
+                    <a:solidFill>
+                      <a:schemeClr val="accent1"/>
+                    </a:solidFill>
+                  </a:tcPr>
+                </a:tc>
+                <a:extLst>
+                  <a:ext uri="{0D108BD9-81ED-4DB2-BD59-A6C34878D82A}">
+                    <a16:rowId xmlns:a16="http://schemas.microsoft.com/office/drawing/2014/main" val="1739162390"/>
+                  </a:ext>
+                </a:extLst>
+              </a:tr>
+              <a:tr h="370840">
+                <a:tc>
+                  <a:txBody>
+                    <a:bodyPr/>
+                    <a:lstStyle/>
+                    <a:p>
+                      <a:pPr algn="ctr"/>
+                      <a:r>
+                        <a:rPr kumimoji="1" lang="en-US" altLang="ja-JP" dirty="0"/>
+                        <a:t>FN</a:t>
+                      </a:r>
+                      <a:endParaRPr kumimoji="1" lang="ja-JP" altLang="en-US"/>
+                    </a:p>
+                  </a:txBody>
+                  <a:tcPr>
+                    <a:noFill/>
+                  </a:tcPr>
+                </a:tc>
+                <a:tc>
+                  <a:txBody>
+                    <a:bodyPr/>
+                    <a:lstStyle/>
+                    <a:p>
+                      <a:pPr algn="ctr"/>
+                      <a:r>
+                        <a:rPr kumimoji="1" lang="en-US" altLang="ja-JP" b="1" dirty="0">
+                          <a:solidFill>
+                            <a:srgbClr val="FF0000"/>
+                          </a:solidFill>
+                        </a:rPr>
+                        <a:t>TN</a:t>
+                      </a:r>
+                      <a:endParaRPr kumimoji="1" lang="ja-JP" altLang="en-US" b="1">
+                        <a:solidFill>
+                          <a:srgbClr val="FF0000"/>
+                        </a:solidFill>
+                      </a:endParaRPr>
+                    </a:p>
+                  </a:txBody>
+                  <a:tcPr>
+                    <a:solidFill>
+                      <a:schemeClr val="accent1"/>
+                    </a:solidFill>
+                  </a:tcPr>
+                </a:tc>
+                <a:extLst>
+                  <a:ext uri="{0D108BD9-81ED-4DB2-BD59-A6C34878D82A}">
+                    <a16:rowId xmlns:a16="http://schemas.microsoft.com/office/drawing/2014/main" val="2335989092"/>
+                  </a:ext>
+                </a:extLst>
+              </a:tr>
+            </a:tbl>
+          </a:graphicData>
+        </a:graphic>
+      </p:graphicFrame>
+      <p:graphicFrame>
+        <p:nvGraphicFramePr>
+          <p:cNvPr id="9" name="表 8">
+            <a:extLst>
+              <a:ext uri="{FF2B5EF4-FFF2-40B4-BE49-F238E27FC236}">
+                <a16:creationId xmlns:a16="http://schemas.microsoft.com/office/drawing/2014/main" id="{D17C7C96-88AF-88F3-A753-0455AA7B2B73}"/>
+              </a:ext>
+            </a:extLst>
+          </p:cNvPr>
+          <p:cNvGraphicFramePr>
+            <a:graphicFrameLocks noGrp="1"/>
+          </p:cNvGraphicFramePr>
+          <p:nvPr>
+            <p:extLst>
+              <p:ext uri="{D42A27DB-BD31-4B8C-83A1-F6EECF244321}">
+                <p14:modId xmlns:p14="http://schemas.microsoft.com/office/powerpoint/2010/main" val="3261769935"/>
+              </p:ext>
+            </p:extLst>
+          </p:nvPr>
+        </p:nvGraphicFramePr>
+        <p:xfrm>
+          <a:off x="10344418" y="5112299"/>
+          <a:ext cx="1353891" cy="741680"/>
+        </p:xfrm>
+        <a:graphic>
+          <a:graphicData uri="http://schemas.openxmlformats.org/drawingml/2006/table">
+            <a:tbl>
+              <a:tblPr firstRow="1" bandRow="1">
+                <a:tableStyleId>{5940675A-B579-460E-94D1-54222C63F5DA}</a:tableStyleId>
+              </a:tblPr>
+              <a:tblGrid>
+                <a:gridCol w="659513">
+                  <a:extLst>
+                    <a:ext uri="{9D8B030D-6E8A-4147-A177-3AD203B41FA5}">
+                      <a16:colId xmlns:a16="http://schemas.microsoft.com/office/drawing/2014/main" val="42048557"/>
+                    </a:ext>
+                  </a:extLst>
+                </a:gridCol>
+                <a:gridCol w="694378">
+                  <a:extLst>
+                    <a:ext uri="{9D8B030D-6E8A-4147-A177-3AD203B41FA5}">
+                      <a16:colId xmlns:a16="http://schemas.microsoft.com/office/drawing/2014/main" val="836258716"/>
+                    </a:ext>
+                  </a:extLst>
+                </a:gridCol>
+              </a:tblGrid>
+              <a:tr h="370840">
+                <a:tc>
+                  <a:txBody>
+                    <a:bodyPr/>
+                    <a:lstStyle/>
+                    <a:p>
+                      <a:pPr algn="ctr"/>
+                      <a:r>
+                        <a:rPr kumimoji="1" lang="en-US" altLang="ja-JP" b="1" dirty="0">
+                          <a:solidFill>
+                            <a:srgbClr val="FF0000"/>
+                          </a:solidFill>
+                        </a:rPr>
+                        <a:t>TP</a:t>
+                      </a:r>
+                      <a:endParaRPr kumimoji="1" lang="ja-JP" altLang="en-US" b="1">
+                        <a:solidFill>
+                          <a:srgbClr val="FF0000"/>
+                        </a:solidFill>
+                      </a:endParaRPr>
+                    </a:p>
+                  </a:txBody>
+                  <a:tcPr>
+                    <a:solidFill>
+                      <a:schemeClr val="accent1"/>
+                    </a:solidFill>
+                  </a:tcPr>
+                </a:tc>
+                <a:tc>
+                  <a:txBody>
+                    <a:bodyPr/>
+                    <a:lstStyle/>
+                    <a:p>
+                      <a:pPr algn="ctr"/>
+                      <a:r>
+                        <a:rPr kumimoji="1" lang="en-US" altLang="ja-JP" b="0" dirty="0"/>
+                        <a:t>FP</a:t>
+                      </a:r>
+                      <a:endParaRPr kumimoji="1" lang="ja-JP" altLang="en-US" b="0"/>
+                    </a:p>
+                  </a:txBody>
+                  <a:tcPr>
+                    <a:solidFill>
+                      <a:schemeClr val="accent1"/>
+                    </a:solidFill>
+                  </a:tcPr>
+                </a:tc>
+                <a:extLst>
+                  <a:ext uri="{0D108BD9-81ED-4DB2-BD59-A6C34878D82A}">
+                    <a16:rowId xmlns:a16="http://schemas.microsoft.com/office/drawing/2014/main" val="1739162390"/>
+                  </a:ext>
+                </a:extLst>
+              </a:tr>
+              <a:tr h="370840">
+                <a:tc>
+                  <a:txBody>
+                    <a:bodyPr/>
+                    <a:lstStyle/>
+                    <a:p>
+                      <a:pPr algn="ctr"/>
+                      <a:r>
+                        <a:rPr kumimoji="1" lang="en-US" altLang="ja-JP" b="0" dirty="0">
+                          <a:solidFill>
+                            <a:schemeClr val="tx1"/>
+                          </a:solidFill>
+                        </a:rPr>
+                        <a:t>FN</a:t>
+                      </a:r>
+                      <a:endParaRPr kumimoji="1" lang="ja-JP" altLang="en-US" b="0">
+                        <a:solidFill>
+                          <a:schemeClr val="tx1"/>
+                        </a:solidFill>
+                      </a:endParaRPr>
+                    </a:p>
+                  </a:txBody>
+                  <a:tcPr>
+                    <a:noFill/>
+                  </a:tcPr>
+                </a:tc>
+                <a:tc>
+                  <a:txBody>
+                    <a:bodyPr/>
+                    <a:lstStyle/>
+                    <a:p>
+                      <a:pPr algn="ctr"/>
+                      <a:r>
+                        <a:rPr kumimoji="1" lang="en-US" altLang="ja-JP" b="0" dirty="0">
+                          <a:solidFill>
+                            <a:schemeClr val="tx1"/>
+                          </a:solidFill>
+                        </a:rPr>
+                        <a:t>TN</a:t>
+                      </a:r>
+                      <a:endParaRPr kumimoji="1" lang="ja-JP" altLang="en-US" b="0">
+                        <a:solidFill>
+                          <a:schemeClr val="tx1"/>
+                        </a:solidFill>
+                      </a:endParaRPr>
+                    </a:p>
+                  </a:txBody>
+                  <a:tcPr>
+                    <a:noFill/>
+                  </a:tcPr>
+                </a:tc>
+                <a:extLst>
+                  <a:ext uri="{0D108BD9-81ED-4DB2-BD59-A6C34878D82A}">
+                    <a16:rowId xmlns:a16="http://schemas.microsoft.com/office/drawing/2014/main" val="2335989092"/>
+                  </a:ext>
+                </a:extLst>
+              </a:tr>
+            </a:tbl>
+          </a:graphicData>
+        </a:graphic>
+      </p:graphicFrame>
+    </p:spTree>
+    <p:extLst>
+      <p:ext uri="{BB962C8B-B14F-4D97-AF65-F5344CB8AC3E}">
+        <p14:creationId xmlns:p14="http://schemas.microsoft.com/office/powerpoint/2010/main" val="2503684218"/>
+      </p:ext>
+    </p:extLst>
+  </p:cSld>
+  <p:clrMapOvr>
+    <a:masterClrMapping/>
+  </p:clrMapOvr>
+</p:sld>
+</file>
+
+<file path=ppt/slides/slide5.xml><?xml version="1.0" encoding="utf-8"?>
+<p:sld xmlns:a="http://schemas.openxmlformats.org/drawingml/2006/main" xmlns:r="http://schemas.openxmlformats.org/officeDocument/2006/relationships" xmlns:p="http://schemas.openxmlformats.org/presentationml/2006/main">
+  <p:cSld>
+    <p:spTree>
+      <p:nvGrpSpPr>
+        <p:cNvPr id="1" name=""/>
+        <p:cNvGrpSpPr/>
+        <p:nvPr/>
+      </p:nvGrpSpPr>
+      <p:grpSpPr>
+        <a:xfrm>
+          <a:off x="0" y="0"/>
+          <a:ext cx="0" cy="0"/>
+          <a:chOff x="0" y="0"/>
+          <a:chExt cx="0" cy="0"/>
+        </a:xfrm>
+      </p:grpSpPr>
+      <p:sp>
+        <p:nvSpPr>
+          <p:cNvPr id="2" name="タイトル 1">
+            <a:extLst>
+              <a:ext uri="{FF2B5EF4-FFF2-40B4-BE49-F238E27FC236}">
+                <a16:creationId xmlns:a16="http://schemas.microsoft.com/office/drawing/2014/main" id="{8870E41F-5D30-2EF4-ECF8-A6ECE31BFFCB}"/>
+              </a:ext>
+            </a:extLst>
+          </p:cNvPr>
+          <p:cNvSpPr>
+            <a:spLocks noGrp="1"/>
+          </p:cNvSpPr>
+          <p:nvPr>
+            <p:ph type="title"/>
+          </p:nvPr>
+        </p:nvSpPr>
+        <p:spPr/>
+        <p:txBody>
+          <a:bodyPr/>
+          <a:lstStyle/>
+          <a:p>
+            <a:r>
+              <a:rPr kumimoji="1" lang="ja-JP" altLang="en-US"/>
+              <a:t>閾値</a:t>
+            </a:r>
+            <a:r>
+              <a:rPr kumimoji="1" lang="en-US" altLang="ja-JP" dirty="0"/>
+              <a:t> (cut-off) </a:t>
+            </a:r>
+            <a:r>
+              <a:rPr kumimoji="1" lang="ja-JP" altLang="en-US"/>
+              <a:t>と真／偽の予測</a:t>
+            </a:r>
+          </a:p>
+        </p:txBody>
+      </p:sp>
+      <p:sp>
+        <p:nvSpPr>
+          <p:cNvPr id="3" name="コンテンツ プレースホルダー 2">
+            <a:extLst>
+              <a:ext uri="{FF2B5EF4-FFF2-40B4-BE49-F238E27FC236}">
+                <a16:creationId xmlns:a16="http://schemas.microsoft.com/office/drawing/2014/main" id="{2016E0E0-C1D3-F065-5D68-FE5AF532C5DF}"/>
+              </a:ext>
+            </a:extLst>
+          </p:cNvPr>
+          <p:cNvSpPr>
+            <a:spLocks noGrp="1"/>
+          </p:cNvSpPr>
+          <p:nvPr>
+            <p:ph idx="1"/>
+          </p:nvPr>
+        </p:nvSpPr>
+        <p:spPr>
+          <a:xfrm>
+            <a:off x="838200" y="1825625"/>
+            <a:ext cx="10515600" cy="1603375"/>
+          </a:xfrm>
+        </p:spPr>
+        <p:txBody>
+          <a:bodyPr>
+            <a:normAutofit fontScale="85000" lnSpcReduction="10000"/>
+          </a:bodyPr>
+          <a:lstStyle/>
+          <a:p>
+            <a:r>
+              <a:rPr kumimoji="1" lang="ja-JP" altLang="en-US"/>
+              <a:t>ロジスティック回帰の結果、予測値は</a:t>
+            </a:r>
+            <a:r>
+              <a:rPr kumimoji="1" lang="en-US" altLang="ja-JP" dirty="0"/>
+              <a:t>0</a:t>
+            </a:r>
+            <a:r>
+              <a:rPr kumimoji="1" lang="ja-JP" altLang="en-US"/>
+              <a:t>／</a:t>
+            </a:r>
+            <a:r>
+              <a:rPr kumimoji="1" lang="en-US" altLang="ja-JP" dirty="0"/>
+              <a:t>1</a:t>
+            </a:r>
+            <a:r>
+              <a:rPr kumimoji="1" lang="ja-JP" altLang="en-US"/>
+              <a:t>ではなく、確率で出力される．</a:t>
+            </a:r>
+            <a:endParaRPr kumimoji="1" lang="en-US" altLang="ja-JP" dirty="0"/>
+          </a:p>
+          <a:p>
+            <a:pPr marL="0" indent="0">
+              <a:buNone/>
+            </a:pPr>
+            <a:r>
+              <a:rPr lang="ja-JP" altLang="en-US"/>
+              <a:t>→どこまでが０でどこからが</a:t>
+            </a:r>
+            <a:r>
+              <a:rPr lang="en-US" altLang="ja-JP" dirty="0"/>
+              <a:t>1</a:t>
+            </a:r>
+            <a:r>
+              <a:rPr lang="ja-JP" altLang="en-US"/>
+              <a:t>と判断するか？</a:t>
+            </a:r>
+            <a:endParaRPr lang="en-US" altLang="ja-JP" dirty="0"/>
+          </a:p>
+          <a:p>
+            <a:r>
+              <a:rPr kumimoji="1" lang="ja-JP" altLang="en-US"/>
+              <a:t>判断の分かれ目を閾値（</a:t>
+            </a:r>
+            <a:r>
+              <a:rPr kumimoji="1" lang="en-US" altLang="ja-JP" dirty="0"/>
+              <a:t>cut-off</a:t>
+            </a:r>
+            <a:r>
+              <a:rPr kumimoji="1" lang="ja-JP" altLang="en-US"/>
+              <a:t>）と呼びこ</a:t>
+            </a:r>
+            <a:r>
+              <a:rPr lang="ja-JP" altLang="en-US"/>
+              <a:t>れに依存して予</a:t>
+            </a:r>
+            <a:r>
+              <a:rPr kumimoji="1" lang="ja-JP" altLang="en-US"/>
+              <a:t>測結果が変わる．</a:t>
+            </a:r>
+          </a:p>
+        </p:txBody>
+      </p:sp>
+      <p:grpSp>
+        <p:nvGrpSpPr>
+          <p:cNvPr id="4" name="グループ化 3">
+            <a:extLst>
+              <a:ext uri="{FF2B5EF4-FFF2-40B4-BE49-F238E27FC236}">
+                <a16:creationId xmlns:a16="http://schemas.microsoft.com/office/drawing/2014/main" id="{15AA77E3-88E0-41DB-C2BC-3094FA7ED41B}"/>
+              </a:ext>
+            </a:extLst>
+          </p:cNvPr>
+          <p:cNvGrpSpPr/>
+          <p:nvPr/>
+        </p:nvGrpSpPr>
+        <p:grpSpPr>
+          <a:xfrm>
+            <a:off x="1057245" y="3038354"/>
+            <a:ext cx="10220355" cy="3819646"/>
+            <a:chOff x="1057245" y="3038354"/>
+            <a:chExt cx="10220355" cy="3819646"/>
+          </a:xfrm>
+        </p:grpSpPr>
+        <p:sp>
+          <p:nvSpPr>
+            <p:cNvPr id="15" name="テキスト ボックス 14">
+              <a:extLst>
+                <a:ext uri="{FF2B5EF4-FFF2-40B4-BE49-F238E27FC236}">
+                  <a16:creationId xmlns:a16="http://schemas.microsoft.com/office/drawing/2014/main" id="{50A315C2-EFA0-B11B-1D15-503340263CE3}"/>
+                </a:ext>
+              </a:extLst>
+            </p:cNvPr>
+            <p:cNvSpPr txBox="1"/>
+            <p:nvPr/>
+          </p:nvSpPr>
+          <p:spPr>
+            <a:xfrm>
+              <a:off x="4125588" y="3411596"/>
+              <a:ext cx="2564613" cy="369332"/>
+            </a:xfrm>
+            <a:prstGeom prst="rect">
+              <a:avLst/>
+            </a:prstGeom>
+            <a:noFill/>
+          </p:spPr>
+          <p:txBody>
+            <a:bodyPr wrap="square" rtlCol="0">
+              <a:spAutoFit/>
+            </a:bodyPr>
+            <a:lstStyle/>
+            <a:p>
+              <a:r>
+                <a:rPr kumimoji="1" lang="en-US" altLang="ja-JP" i="1" dirty="0" err="1"/>
+                <a:t>P</a:t>
+              </a:r>
+              <a:r>
+                <a:rPr kumimoji="1" lang="en-US" altLang="ja-JP" i="1" baseline="-25000" dirty="0" err="1"/>
+                <a:t>thres</a:t>
+              </a:r>
+              <a:r>
+                <a:rPr kumimoji="1" lang="en-US" altLang="ja-JP" dirty="0"/>
+                <a:t> = 0.5</a:t>
+              </a:r>
+              <a:r>
+                <a:rPr kumimoji="1" lang="ja-JP" altLang="en-US"/>
+                <a:t>とした場合</a:t>
+              </a:r>
+            </a:p>
+          </p:txBody>
+        </p:sp>
+        <p:sp>
+          <p:nvSpPr>
+            <p:cNvPr id="16" name="角丸四角形 15">
+              <a:extLst>
+                <a:ext uri="{FF2B5EF4-FFF2-40B4-BE49-F238E27FC236}">
+                  <a16:creationId xmlns:a16="http://schemas.microsoft.com/office/drawing/2014/main" id="{51F3A471-F67D-14C8-6BAE-542C001E142C}"/>
+                </a:ext>
+              </a:extLst>
+            </p:cNvPr>
+            <p:cNvSpPr/>
+            <p:nvPr/>
+          </p:nvSpPr>
+          <p:spPr>
+            <a:xfrm>
+              <a:off x="5861931" y="3768285"/>
+              <a:ext cx="552363" cy="279169"/>
+            </a:xfrm>
+            <a:prstGeom prst="roundRect">
+              <a:avLst>
+                <a:gd name="adj" fmla="val 50000"/>
+              </a:avLst>
+            </a:prstGeom>
+            <a:noFill/>
+          </p:spPr>
+          <p:style>
+            <a:lnRef idx="2">
+              <a:schemeClr val="accent2"/>
+            </a:lnRef>
+            <a:fillRef idx="1">
+              <a:schemeClr val="lt1"/>
+            </a:fillRef>
+            <a:effectRef idx="0">
+              <a:schemeClr val="accent2"/>
+            </a:effectRef>
+            <a:fontRef idx="minor">
+              <a:schemeClr val="dk1"/>
+            </a:fontRef>
+          </p:style>
+          <p:txBody>
+            <a:bodyPr rtlCol="0" anchor="ctr"/>
+            <a:lstStyle/>
+            <a:p>
+              <a:pPr algn="ctr"/>
+              <a:endParaRPr kumimoji="1" lang="ja-JP" altLang="en-US" sz="3600" dirty="0">
+                <a:latin typeface="ヒラギノ角ゴ ProN W3"/>
+                <a:ea typeface="ヒラギノ角ゴ ProN W3"/>
+                <a:cs typeface="ヒラギノ角ゴ ProN W3"/>
+              </a:endParaRPr>
+            </a:p>
+          </p:txBody>
+        </p:sp>
+        <p:grpSp>
+          <p:nvGrpSpPr>
+            <p:cNvPr id="17" name="グループ化 16">
+              <a:extLst>
+                <a:ext uri="{FF2B5EF4-FFF2-40B4-BE49-F238E27FC236}">
+                  <a16:creationId xmlns:a16="http://schemas.microsoft.com/office/drawing/2014/main" id="{565AF47F-5193-9616-CB8E-F602FFEEB08A}"/>
+                </a:ext>
+              </a:extLst>
+            </p:cNvPr>
+            <p:cNvGrpSpPr/>
+            <p:nvPr/>
+          </p:nvGrpSpPr>
+          <p:grpSpPr>
+            <a:xfrm>
+              <a:off x="4253443" y="3309721"/>
+              <a:ext cx="3712249" cy="3503228"/>
+              <a:chOff x="3571634" y="2434663"/>
+              <a:chExt cx="4171949" cy="4171949"/>
+            </a:xfrm>
+          </p:grpSpPr>
+          <p:pic>
+            <p:nvPicPr>
+              <p:cNvPr id="32" name="図 31" descr="fig10-4.pdf">
+                <a:extLst>
+                  <a:ext uri="{FF2B5EF4-FFF2-40B4-BE49-F238E27FC236}">
+                    <a16:creationId xmlns:a16="http://schemas.microsoft.com/office/drawing/2014/main" id="{FD0491F4-E45C-83BD-C7D3-9E902AE2C7EF}"/>
+                  </a:ext>
+                </a:extLst>
+              </p:cNvPr>
+              <p:cNvPicPr>
+                <a:picLocks noChangeAspect="1"/>
+              </p:cNvPicPr>
+              <p:nvPr/>
+            </p:nvPicPr>
+            <p:blipFill>
+              <a:blip r:embed="rId2">
+                <a:extLst>
+                  <a:ext uri="{28A0092B-C50C-407E-A947-70E740481C1C}">
+                    <a14:useLocalDpi xmlns:a14="http://schemas.microsoft.com/office/drawing/2010/main" val="0"/>
+                  </a:ext>
+                </a:extLst>
+              </a:blip>
+              <a:stretch>
+                <a:fillRect/>
+              </a:stretch>
+            </p:blipFill>
+            <p:spPr>
+              <a:xfrm>
+                <a:off x="3571634" y="2434663"/>
+                <a:ext cx="4171949" cy="4171949"/>
+              </a:xfrm>
+              <a:prstGeom prst="rect">
+                <a:avLst/>
+              </a:prstGeom>
+            </p:spPr>
+          </p:pic>
+          <p:cxnSp>
+            <p:nvCxnSpPr>
+              <p:cNvPr id="33" name="直線コネクタ 32">
+                <a:extLst>
+                  <a:ext uri="{FF2B5EF4-FFF2-40B4-BE49-F238E27FC236}">
+                    <a16:creationId xmlns:a16="http://schemas.microsoft.com/office/drawing/2014/main" id="{27420B39-563F-5666-EFDD-8A11131B2794}"/>
+                  </a:ext>
+                </a:extLst>
+              </p:cNvPr>
+              <p:cNvCxnSpPr>
+                <a:cxnSpLocks/>
+              </p:cNvCxnSpPr>
+              <p:nvPr/>
+            </p:nvCxnSpPr>
+            <p:spPr>
+              <a:xfrm>
+                <a:off x="4486034" y="4364087"/>
+                <a:ext cx="2638425" cy="0"/>
+              </a:xfrm>
+              <a:prstGeom prst="line">
+                <a:avLst/>
+              </a:prstGeom>
+              <a:ln>
+                <a:solidFill>
+                  <a:srgbClr val="000000"/>
+                </a:solidFill>
+              </a:ln>
+              <a:effectLst/>
+            </p:spPr>
+            <p:style>
+              <a:lnRef idx="2">
+                <a:schemeClr val="accent1"/>
+              </a:lnRef>
+              <a:fillRef idx="0">
+                <a:schemeClr val="accent1"/>
+              </a:fillRef>
+              <a:effectRef idx="1">
+                <a:schemeClr val="accent1"/>
+              </a:effectRef>
+              <a:fontRef idx="minor">
+                <a:schemeClr val="tx1"/>
+              </a:fontRef>
+            </p:style>
+          </p:cxnSp>
+          <p:sp>
+            <p:nvSpPr>
+              <p:cNvPr id="34" name="正方形/長方形 33">
+                <a:extLst>
+                  <a:ext uri="{FF2B5EF4-FFF2-40B4-BE49-F238E27FC236}">
+                    <a16:creationId xmlns:a16="http://schemas.microsoft.com/office/drawing/2014/main" id="{0BCE79DF-1834-C681-3AB1-DF2999CD3F93}"/>
+                  </a:ext>
+                </a:extLst>
+              </p:cNvPr>
+              <p:cNvSpPr/>
+              <p:nvPr/>
+            </p:nvSpPr>
+            <p:spPr>
+              <a:xfrm>
+                <a:off x="6000509" y="3070928"/>
+                <a:ext cx="1123950" cy="2586319"/>
+              </a:xfrm>
+              <a:prstGeom prst="rect">
+                <a:avLst/>
+              </a:prstGeom>
+              <a:solidFill>
+                <a:srgbClr val="FF0000">
+                  <a:alpha val="30000"/>
+                </a:srgbClr>
+              </a:solidFill>
+              <a:ln>
+                <a:noFill/>
+              </a:ln>
+              <a:effectLst/>
+            </p:spPr>
+            <p:style>
+              <a:lnRef idx="1">
+                <a:schemeClr val="accent1"/>
+              </a:lnRef>
+              <a:fillRef idx="3">
+                <a:schemeClr val="accent1"/>
+              </a:fillRef>
+              <a:effectRef idx="2">
+                <a:schemeClr val="accent1"/>
+              </a:effectRef>
+              <a:fontRef idx="minor">
+                <a:schemeClr val="lt1"/>
+              </a:fontRef>
+            </p:style>
+            <p:txBody>
+              <a:bodyPr rtlCol="0" anchor="ctr"/>
+              <a:lstStyle/>
+              <a:p>
+                <a:pPr algn="ctr"/>
+                <a:endParaRPr kumimoji="1" lang="ja-JP" altLang="en-US"/>
+              </a:p>
+            </p:txBody>
+          </p:sp>
+          <p:sp>
+            <p:nvSpPr>
+              <p:cNvPr id="35" name="正方形/長方形 34">
+                <a:extLst>
+                  <a:ext uri="{FF2B5EF4-FFF2-40B4-BE49-F238E27FC236}">
+                    <a16:creationId xmlns:a16="http://schemas.microsoft.com/office/drawing/2014/main" id="{F5A52C35-3F49-EA2A-C605-1A2C2D5D9D5B}"/>
+                  </a:ext>
+                </a:extLst>
+              </p:cNvPr>
+              <p:cNvSpPr/>
+              <p:nvPr/>
+            </p:nvSpPr>
+            <p:spPr>
+              <a:xfrm>
+                <a:off x="4486034" y="3070928"/>
+                <a:ext cx="1514475" cy="2586319"/>
+              </a:xfrm>
+              <a:prstGeom prst="rect">
+                <a:avLst/>
+              </a:prstGeom>
+              <a:solidFill>
+                <a:schemeClr val="tx2">
+                  <a:alpha val="30000"/>
+                </a:schemeClr>
+              </a:solidFill>
+              <a:ln>
+                <a:noFill/>
+              </a:ln>
+              <a:effectLst/>
+            </p:spPr>
+            <p:style>
+              <a:lnRef idx="1">
+                <a:schemeClr val="accent1"/>
+              </a:lnRef>
+              <a:fillRef idx="3">
+                <a:schemeClr val="accent1"/>
+              </a:fillRef>
+              <a:effectRef idx="2">
+                <a:schemeClr val="accent1"/>
+              </a:effectRef>
+              <a:fontRef idx="minor">
+                <a:schemeClr val="lt1"/>
+              </a:fontRef>
+            </p:style>
+            <p:txBody>
+              <a:bodyPr rtlCol="0" anchor="ctr"/>
+              <a:lstStyle/>
+              <a:p>
+                <a:pPr algn="ctr"/>
+                <a:endParaRPr kumimoji="1" lang="ja-JP" altLang="en-US"/>
+              </a:p>
+            </p:txBody>
+          </p:sp>
+          <p:sp>
+            <p:nvSpPr>
+              <p:cNvPr id="36" name="角丸四角形 35">
+                <a:extLst>
+                  <a:ext uri="{FF2B5EF4-FFF2-40B4-BE49-F238E27FC236}">
+                    <a16:creationId xmlns:a16="http://schemas.microsoft.com/office/drawing/2014/main" id="{25302CBB-7B5F-C08E-C25A-2D96221545B4}"/>
+                  </a:ext>
+                </a:extLst>
+              </p:cNvPr>
+              <p:cNvSpPr/>
+              <p:nvPr/>
+            </p:nvSpPr>
+            <p:spPr>
+              <a:xfrm>
+                <a:off x="5960771" y="5413439"/>
+                <a:ext cx="620764" cy="332459"/>
+              </a:xfrm>
+              <a:prstGeom prst="roundRect">
+                <a:avLst>
+                  <a:gd name="adj" fmla="val 50000"/>
+                </a:avLst>
+              </a:prstGeom>
+              <a:noFill/>
+            </p:spPr>
+            <p:style>
+              <a:lnRef idx="2">
+                <a:schemeClr val="accent2"/>
+              </a:lnRef>
+              <a:fillRef idx="1">
+                <a:schemeClr val="lt1"/>
+              </a:fillRef>
+              <a:effectRef idx="0">
+                <a:schemeClr val="accent2"/>
+              </a:effectRef>
+              <a:fontRef idx="minor">
+                <a:schemeClr val="dk1"/>
+              </a:fontRef>
+            </p:style>
+            <p:txBody>
+              <a:bodyPr rtlCol="0" anchor="ctr"/>
+              <a:lstStyle/>
+              <a:p>
+                <a:pPr algn="ctr"/>
+                <a:endParaRPr kumimoji="1" lang="ja-JP" altLang="en-US" sz="3600" dirty="0">
+                  <a:latin typeface="ヒラギノ角ゴ ProN W3"/>
+                  <a:ea typeface="ヒラギノ角ゴ ProN W3"/>
+                  <a:cs typeface="ヒラギノ角ゴ ProN W3"/>
+                </a:endParaRPr>
+              </a:p>
+            </p:txBody>
+          </p:sp>
+        </p:grpSp>
+        <p:cxnSp>
+          <p:nvCxnSpPr>
+            <p:cNvPr id="18" name="直線コネクタ 17">
+              <a:extLst>
+                <a:ext uri="{FF2B5EF4-FFF2-40B4-BE49-F238E27FC236}">
+                  <a16:creationId xmlns:a16="http://schemas.microsoft.com/office/drawing/2014/main" id="{C63B5893-4970-93F1-F0D3-449BF34519EA}"/>
+                </a:ext>
+              </a:extLst>
+            </p:cNvPr>
+            <p:cNvCxnSpPr>
+              <a:cxnSpLocks/>
+            </p:cNvCxnSpPr>
+            <p:nvPr/>
+          </p:nvCxnSpPr>
+          <p:spPr>
+            <a:xfrm flipV="1">
+              <a:off x="6365289" y="3531527"/>
+              <a:ext cx="1446356" cy="230555"/>
+            </a:xfrm>
+            <a:prstGeom prst="line">
+              <a:avLst/>
+            </a:prstGeom>
+            <a:ln w="19050">
+              <a:solidFill>
+                <a:srgbClr val="FF0000"/>
+              </a:solidFill>
+            </a:ln>
+            <a:effectLst/>
+          </p:spPr>
+          <p:style>
+            <a:lnRef idx="2">
+              <a:schemeClr val="accent1"/>
+            </a:lnRef>
+            <a:fillRef idx="0">
+              <a:schemeClr val="accent1"/>
+            </a:fillRef>
+            <a:effectRef idx="1">
+              <a:schemeClr val="accent1"/>
+            </a:effectRef>
+            <a:fontRef idx="minor">
+              <a:schemeClr val="tx1"/>
+            </a:fontRef>
+          </p:style>
+        </p:cxnSp>
+        <p:cxnSp>
+          <p:nvCxnSpPr>
+            <p:cNvPr id="19" name="直線コネクタ 18">
+              <a:extLst>
+                <a:ext uri="{FF2B5EF4-FFF2-40B4-BE49-F238E27FC236}">
+                  <a16:creationId xmlns:a16="http://schemas.microsoft.com/office/drawing/2014/main" id="{9033DC92-9E9F-DE42-1FB2-F8544442958E}"/>
+                </a:ext>
+              </a:extLst>
+            </p:cNvPr>
+            <p:cNvCxnSpPr>
+              <a:cxnSpLocks/>
+            </p:cNvCxnSpPr>
+            <p:nvPr/>
+          </p:nvCxnSpPr>
+          <p:spPr>
+            <a:xfrm>
+              <a:off x="6831155" y="6097674"/>
+              <a:ext cx="947217" cy="144962"/>
+            </a:xfrm>
+            <a:prstGeom prst="line">
+              <a:avLst/>
+            </a:prstGeom>
+            <a:ln w="19050">
+              <a:solidFill>
+                <a:srgbClr val="FF0000"/>
+              </a:solidFill>
+            </a:ln>
+            <a:effectLst/>
+          </p:spPr>
+          <p:style>
+            <a:lnRef idx="2">
+              <a:schemeClr val="accent1"/>
+            </a:lnRef>
+            <a:fillRef idx="0">
+              <a:schemeClr val="accent1"/>
+            </a:fillRef>
+            <a:effectRef idx="1">
+              <a:schemeClr val="accent1"/>
+            </a:effectRef>
+            <a:fontRef idx="minor">
+              <a:schemeClr val="tx1"/>
+            </a:fontRef>
+          </p:style>
+        </p:cxnSp>
+        <p:sp>
+          <p:nvSpPr>
+            <p:cNvPr id="20" name="テキスト ボックス 19">
+              <a:extLst>
+                <a:ext uri="{FF2B5EF4-FFF2-40B4-BE49-F238E27FC236}">
+                  <a16:creationId xmlns:a16="http://schemas.microsoft.com/office/drawing/2014/main" id="{41D0B32C-7219-FA56-A2B3-2BB1409D18CF}"/>
+                </a:ext>
+              </a:extLst>
+            </p:cNvPr>
+            <p:cNvSpPr txBox="1"/>
+            <p:nvPr/>
+          </p:nvSpPr>
+          <p:spPr>
+            <a:xfrm>
+              <a:off x="6852020" y="3038354"/>
+              <a:ext cx="2390077" cy="542731"/>
+            </a:xfrm>
+            <a:prstGeom prst="rect">
+              <a:avLst/>
+            </a:prstGeom>
+            <a:noFill/>
+          </p:spPr>
+          <p:txBody>
+            <a:bodyPr wrap="square" rtlCol="0">
+              <a:spAutoFit/>
+            </a:bodyPr>
+            <a:lstStyle/>
+            <a:p>
+              <a:r>
+                <a:rPr lang="ja-JP" altLang="en-US"/>
+                <a:t>ホントは</a:t>
+              </a:r>
+              <a:r>
+                <a:rPr lang="en-US" altLang="ja-JP" dirty="0"/>
+                <a:t>positive</a:t>
+              </a:r>
+              <a:r>
+                <a:rPr lang="ja-JP" altLang="en-US"/>
+                <a:t>だけど見逃してしまった</a:t>
+              </a:r>
+              <a:endParaRPr kumimoji="1" lang="ja-JP" altLang="en-US"/>
+            </a:p>
+          </p:txBody>
+        </p:sp>
+        <p:sp>
+          <p:nvSpPr>
+            <p:cNvPr id="21" name="テキスト ボックス 20">
+              <a:extLst>
+                <a:ext uri="{FF2B5EF4-FFF2-40B4-BE49-F238E27FC236}">
+                  <a16:creationId xmlns:a16="http://schemas.microsoft.com/office/drawing/2014/main" id="{9F3B5BC1-1C15-94E4-F71F-B1123C2BE089}"/>
+                </a:ext>
+              </a:extLst>
+            </p:cNvPr>
+            <p:cNvSpPr txBox="1"/>
+            <p:nvPr/>
+          </p:nvSpPr>
+          <p:spPr>
+            <a:xfrm>
+              <a:off x="6814581" y="6279364"/>
+              <a:ext cx="2390076" cy="542731"/>
+            </a:xfrm>
+            <a:prstGeom prst="rect">
+              <a:avLst/>
+            </a:prstGeom>
+            <a:noFill/>
+          </p:spPr>
+          <p:txBody>
+            <a:bodyPr wrap="square" rtlCol="0">
+              <a:spAutoFit/>
+            </a:bodyPr>
+            <a:lstStyle/>
+            <a:p>
+              <a:r>
+                <a:rPr lang="ja-JP" altLang="en-US"/>
+                <a:t>ホントは</a:t>
+              </a:r>
+              <a:r>
+                <a:rPr lang="en-US" altLang="ja-JP" dirty="0"/>
+                <a:t>negative</a:t>
+              </a:r>
+              <a:r>
+                <a:rPr lang="ja-JP" altLang="en-US"/>
+                <a:t>だけど疑ってしまった</a:t>
+              </a:r>
+              <a:endParaRPr kumimoji="1" lang="ja-JP" altLang="en-US"/>
+            </a:p>
+          </p:txBody>
+        </p:sp>
+        <p:grpSp>
+          <p:nvGrpSpPr>
+            <p:cNvPr id="22" name="グループ化 21">
+              <a:extLst>
+                <a:ext uri="{FF2B5EF4-FFF2-40B4-BE49-F238E27FC236}">
+                  <a16:creationId xmlns:a16="http://schemas.microsoft.com/office/drawing/2014/main" id="{CDCB81B5-9BC3-B01C-A601-735DF828A329}"/>
+                </a:ext>
+              </a:extLst>
+            </p:cNvPr>
+            <p:cNvGrpSpPr/>
+            <p:nvPr/>
+          </p:nvGrpSpPr>
+          <p:grpSpPr>
+            <a:xfrm>
+              <a:off x="1057245" y="3309721"/>
+              <a:ext cx="3712249" cy="3503228"/>
+              <a:chOff x="-219645" y="872004"/>
+              <a:chExt cx="4934519" cy="4934519"/>
+            </a:xfrm>
+          </p:grpSpPr>
+          <p:pic>
+            <p:nvPicPr>
+              <p:cNvPr id="29" name="図 28" descr="fig10-4.pdf">
+                <a:extLst>
+                  <a:ext uri="{FF2B5EF4-FFF2-40B4-BE49-F238E27FC236}">
+                    <a16:creationId xmlns:a16="http://schemas.microsoft.com/office/drawing/2014/main" id="{8880345A-B5AB-6424-45B7-2EFE62790AA2}"/>
+                  </a:ext>
+                </a:extLst>
+              </p:cNvPr>
+              <p:cNvPicPr>
+                <a:picLocks noChangeAspect="1"/>
+              </p:cNvPicPr>
+              <p:nvPr/>
+            </p:nvPicPr>
+            <p:blipFill>
+              <a:blip r:embed="rId2">
+                <a:extLst>
+                  <a:ext uri="{28A0092B-C50C-407E-A947-70E740481C1C}">
+                    <a14:useLocalDpi xmlns:a14="http://schemas.microsoft.com/office/drawing/2010/main" val="0"/>
+                  </a:ext>
+                </a:extLst>
+              </a:blip>
+              <a:stretch>
+                <a:fillRect/>
+              </a:stretch>
+            </p:blipFill>
+            <p:spPr>
+              <a:xfrm>
+                <a:off x="-219645" y="872004"/>
+                <a:ext cx="4934519" cy="4934519"/>
+              </a:xfrm>
+              <a:prstGeom prst="rect">
+                <a:avLst/>
+              </a:prstGeom>
+            </p:spPr>
+          </p:pic>
+          <p:sp>
+            <p:nvSpPr>
+              <p:cNvPr id="30" name="正方形/長方形 29">
+                <a:extLst>
+                  <a:ext uri="{FF2B5EF4-FFF2-40B4-BE49-F238E27FC236}">
+                    <a16:creationId xmlns:a16="http://schemas.microsoft.com/office/drawing/2014/main" id="{5FE2F757-2D58-6EA2-75E6-BCA2E207AF70}"/>
+                  </a:ext>
+                </a:extLst>
+              </p:cNvPr>
+              <p:cNvSpPr/>
+              <p:nvPr/>
+            </p:nvSpPr>
+            <p:spPr>
+              <a:xfrm>
+                <a:off x="3019425" y="1590082"/>
+                <a:ext cx="971550" cy="3124186"/>
+              </a:xfrm>
+              <a:prstGeom prst="rect">
+                <a:avLst/>
+              </a:prstGeom>
+              <a:solidFill>
+                <a:srgbClr val="FF0000">
+                  <a:alpha val="30000"/>
+                </a:srgbClr>
+              </a:solidFill>
+              <a:ln>
+                <a:noFill/>
+              </a:ln>
+              <a:effectLst/>
+            </p:spPr>
+            <p:style>
+              <a:lnRef idx="1">
+                <a:schemeClr val="accent1"/>
+              </a:lnRef>
+              <a:fillRef idx="3">
+                <a:schemeClr val="accent1"/>
+              </a:fillRef>
+              <a:effectRef idx="2">
+                <a:schemeClr val="accent1"/>
+              </a:effectRef>
+              <a:fontRef idx="minor">
+                <a:schemeClr val="lt1"/>
+              </a:fontRef>
+            </p:style>
+            <p:txBody>
+              <a:bodyPr rtlCol="0" anchor="ctr"/>
+              <a:lstStyle/>
+              <a:p>
+                <a:pPr algn="ctr"/>
+                <a:endParaRPr kumimoji="1" lang="ja-JP" altLang="en-US"/>
+              </a:p>
+            </p:txBody>
+          </p:sp>
+          <p:sp>
+            <p:nvSpPr>
+              <p:cNvPr id="31" name="正方形/長方形 30">
+                <a:extLst>
+                  <a:ext uri="{FF2B5EF4-FFF2-40B4-BE49-F238E27FC236}">
+                    <a16:creationId xmlns:a16="http://schemas.microsoft.com/office/drawing/2014/main" id="{5B03FD7E-59ED-30C0-F7E5-27A935CD81A3}"/>
+                  </a:ext>
+                </a:extLst>
+              </p:cNvPr>
+              <p:cNvSpPr/>
+              <p:nvPr/>
+            </p:nvSpPr>
+            <p:spPr>
+              <a:xfrm>
+                <a:off x="866775" y="1590082"/>
+                <a:ext cx="2152650" cy="3124189"/>
+              </a:xfrm>
+              <a:prstGeom prst="rect">
+                <a:avLst/>
+              </a:prstGeom>
+              <a:solidFill>
+                <a:schemeClr val="tx2">
+                  <a:alpha val="30000"/>
+                </a:schemeClr>
+              </a:solidFill>
+              <a:ln>
+                <a:noFill/>
+              </a:ln>
+              <a:effectLst/>
+            </p:spPr>
+            <p:style>
+              <a:lnRef idx="1">
+                <a:schemeClr val="accent1"/>
+              </a:lnRef>
+              <a:fillRef idx="3">
+                <a:schemeClr val="accent1"/>
+              </a:fillRef>
+              <a:effectRef idx="2">
+                <a:schemeClr val="accent1"/>
+              </a:effectRef>
+              <a:fontRef idx="minor">
+                <a:schemeClr val="lt1"/>
+              </a:fontRef>
+            </p:style>
+            <p:txBody>
+              <a:bodyPr rtlCol="0" anchor="ctr"/>
+              <a:lstStyle/>
+              <a:p>
+                <a:pPr algn="ctr"/>
+                <a:endParaRPr kumimoji="1" lang="ja-JP" altLang="en-US"/>
+              </a:p>
+            </p:txBody>
+          </p:sp>
+        </p:grpSp>
+        <p:grpSp>
+          <p:nvGrpSpPr>
+            <p:cNvPr id="23" name="グループ化 22">
+              <a:extLst>
+                <a:ext uri="{FF2B5EF4-FFF2-40B4-BE49-F238E27FC236}">
+                  <a16:creationId xmlns:a16="http://schemas.microsoft.com/office/drawing/2014/main" id="{5AF19FC1-4D91-C000-F557-C531FA7448F6}"/>
+                </a:ext>
+              </a:extLst>
+            </p:cNvPr>
+            <p:cNvGrpSpPr/>
+            <p:nvPr/>
+          </p:nvGrpSpPr>
+          <p:grpSpPr>
+            <a:xfrm>
+              <a:off x="7565351" y="3354772"/>
+              <a:ext cx="3712249" cy="3503228"/>
+              <a:chOff x="4152330" y="872004"/>
+              <a:chExt cx="4934519" cy="4934519"/>
+            </a:xfrm>
+          </p:grpSpPr>
+          <p:pic>
+            <p:nvPicPr>
+              <p:cNvPr id="26" name="図 25" descr="fig10-4.pdf">
+                <a:extLst>
+                  <a:ext uri="{FF2B5EF4-FFF2-40B4-BE49-F238E27FC236}">
+                    <a16:creationId xmlns:a16="http://schemas.microsoft.com/office/drawing/2014/main" id="{71CCF0AD-DD79-BCB0-64B8-0C2D00822094}"/>
+                  </a:ext>
+                </a:extLst>
+              </p:cNvPr>
+              <p:cNvPicPr>
+                <a:picLocks noChangeAspect="1"/>
+              </p:cNvPicPr>
+              <p:nvPr/>
+            </p:nvPicPr>
+            <p:blipFill>
+              <a:blip r:embed="rId2">
+                <a:extLst>
+                  <a:ext uri="{28A0092B-C50C-407E-A947-70E740481C1C}">
+                    <a14:useLocalDpi xmlns:a14="http://schemas.microsoft.com/office/drawing/2010/main" val="0"/>
+                  </a:ext>
+                </a:extLst>
+              </a:blip>
+              <a:stretch>
+                <a:fillRect/>
+              </a:stretch>
+            </p:blipFill>
+            <p:spPr>
+              <a:xfrm>
+                <a:off x="4152330" y="872004"/>
+                <a:ext cx="4934519" cy="4934519"/>
+              </a:xfrm>
+              <a:prstGeom prst="rect">
+                <a:avLst/>
+              </a:prstGeom>
+            </p:spPr>
+          </p:pic>
+          <p:sp>
+            <p:nvSpPr>
+              <p:cNvPr id="27" name="正方形/長方形 26">
+                <a:extLst>
+                  <a:ext uri="{FF2B5EF4-FFF2-40B4-BE49-F238E27FC236}">
+                    <a16:creationId xmlns:a16="http://schemas.microsoft.com/office/drawing/2014/main" id="{9F3D4662-92F8-0FF3-F0AB-8AC0ED150071}"/>
+                  </a:ext>
+                </a:extLst>
+              </p:cNvPr>
+              <p:cNvSpPr/>
+              <p:nvPr/>
+            </p:nvSpPr>
+            <p:spPr>
+              <a:xfrm>
+                <a:off x="6696074" y="1590082"/>
+                <a:ext cx="1666876" cy="3124171"/>
+              </a:xfrm>
+              <a:prstGeom prst="rect">
+                <a:avLst/>
+              </a:prstGeom>
+              <a:solidFill>
+                <a:srgbClr val="FF0000">
+                  <a:alpha val="30000"/>
+                </a:srgbClr>
+              </a:solidFill>
+              <a:ln>
+                <a:noFill/>
+              </a:ln>
+              <a:effectLst/>
+            </p:spPr>
+            <p:style>
+              <a:lnRef idx="1">
+                <a:schemeClr val="accent1"/>
+              </a:lnRef>
+              <a:fillRef idx="3">
+                <a:schemeClr val="accent1"/>
+              </a:fillRef>
+              <a:effectRef idx="2">
+                <a:schemeClr val="accent1"/>
+              </a:effectRef>
+              <a:fontRef idx="minor">
+                <a:schemeClr val="lt1"/>
+              </a:fontRef>
+            </p:style>
+            <p:txBody>
+              <a:bodyPr rtlCol="0" anchor="ctr"/>
+              <a:lstStyle/>
+              <a:p>
+                <a:pPr algn="ctr"/>
+                <a:endParaRPr kumimoji="1" lang="ja-JP" altLang="en-US"/>
+              </a:p>
+            </p:txBody>
+          </p:sp>
+          <p:sp>
+            <p:nvSpPr>
+              <p:cNvPr id="28" name="正方形/長方形 27">
+                <a:extLst>
+                  <a:ext uri="{FF2B5EF4-FFF2-40B4-BE49-F238E27FC236}">
+                    <a16:creationId xmlns:a16="http://schemas.microsoft.com/office/drawing/2014/main" id="{5590B3D6-876A-EAA9-10DC-979B95030AE3}"/>
+                  </a:ext>
+                </a:extLst>
+              </p:cNvPr>
+              <p:cNvSpPr/>
+              <p:nvPr/>
+            </p:nvSpPr>
+            <p:spPr>
+              <a:xfrm>
+                <a:off x="5238749" y="1590082"/>
+                <a:ext cx="1457325" cy="3124190"/>
+              </a:xfrm>
+              <a:prstGeom prst="rect">
+                <a:avLst/>
+              </a:prstGeom>
+              <a:solidFill>
+                <a:schemeClr val="tx2">
+                  <a:alpha val="30000"/>
+                </a:schemeClr>
+              </a:solidFill>
+              <a:ln>
+                <a:noFill/>
+              </a:ln>
+              <a:effectLst/>
+            </p:spPr>
+            <p:style>
+              <a:lnRef idx="1">
+                <a:schemeClr val="accent1"/>
+              </a:lnRef>
+              <a:fillRef idx="3">
+                <a:schemeClr val="accent1"/>
+              </a:fillRef>
+              <a:effectRef idx="2">
+                <a:schemeClr val="accent1"/>
+              </a:effectRef>
+              <a:fontRef idx="minor">
+                <a:schemeClr val="lt1"/>
+              </a:fontRef>
+            </p:style>
+            <p:txBody>
+              <a:bodyPr rtlCol="0" anchor="ctr"/>
+              <a:lstStyle/>
+              <a:p>
+                <a:pPr algn="ctr"/>
+                <a:endParaRPr kumimoji="1" lang="ja-JP" altLang="en-US"/>
+              </a:p>
+            </p:txBody>
+          </p:sp>
+        </p:grpSp>
+        <p:sp>
+          <p:nvSpPr>
+            <p:cNvPr id="24" name="テキスト ボックス 23">
+              <a:extLst>
+                <a:ext uri="{FF2B5EF4-FFF2-40B4-BE49-F238E27FC236}">
+                  <a16:creationId xmlns:a16="http://schemas.microsoft.com/office/drawing/2014/main" id="{CBAAF73D-11A6-DBC6-DFEC-3D47478947D3}"/>
+                </a:ext>
+              </a:extLst>
+            </p:cNvPr>
+            <p:cNvSpPr txBox="1"/>
+            <p:nvPr/>
+          </p:nvSpPr>
+          <p:spPr>
+            <a:xfrm>
+              <a:off x="1472276" y="3320224"/>
+              <a:ext cx="1171336" cy="310132"/>
+            </a:xfrm>
+            <a:prstGeom prst="rect">
+              <a:avLst/>
+            </a:prstGeom>
+            <a:noFill/>
+          </p:spPr>
+          <p:txBody>
+            <a:bodyPr wrap="none" rtlCol="0">
+              <a:spAutoFit/>
+            </a:bodyPr>
+            <a:lstStyle/>
+            <a:p>
+              <a:r>
+                <a:rPr kumimoji="1" lang="en-US" altLang="ja-JP" i="1" dirty="0" err="1"/>
+                <a:t>P</a:t>
+              </a:r>
+              <a:r>
+                <a:rPr kumimoji="1" lang="en-US" altLang="ja-JP" i="1" baseline="-25000" dirty="0" err="1"/>
+                <a:t>thres</a:t>
+              </a:r>
+              <a:r>
+                <a:rPr kumimoji="1" lang="en-US" altLang="ja-JP" dirty="0"/>
+                <a:t> = 0.7</a:t>
+              </a:r>
+              <a:endParaRPr kumimoji="1" lang="ja-JP" altLang="en-US"/>
+            </a:p>
+          </p:txBody>
+        </p:sp>
+        <p:sp>
+          <p:nvSpPr>
+            <p:cNvPr id="25" name="テキスト ボックス 24">
+              <a:extLst>
+                <a:ext uri="{FF2B5EF4-FFF2-40B4-BE49-F238E27FC236}">
+                  <a16:creationId xmlns:a16="http://schemas.microsoft.com/office/drawing/2014/main" id="{E17AC6A2-087C-0050-BD97-4F927D4F9CC2}"/>
+                </a:ext>
+              </a:extLst>
+            </p:cNvPr>
+            <p:cNvSpPr txBox="1"/>
+            <p:nvPr/>
+          </p:nvSpPr>
+          <p:spPr>
+            <a:xfrm>
+              <a:off x="9751745" y="3411596"/>
+              <a:ext cx="1171336" cy="310132"/>
+            </a:xfrm>
+            <a:prstGeom prst="rect">
+              <a:avLst/>
+            </a:prstGeom>
+            <a:noFill/>
+          </p:spPr>
+          <p:txBody>
+            <a:bodyPr wrap="none" rtlCol="0">
+              <a:spAutoFit/>
+            </a:bodyPr>
+            <a:lstStyle/>
+            <a:p>
+              <a:r>
+                <a:rPr kumimoji="1" lang="en-US" altLang="ja-JP" i="1" dirty="0" err="1"/>
+                <a:t>P</a:t>
+              </a:r>
+              <a:r>
+                <a:rPr kumimoji="1" lang="en-US" altLang="ja-JP" i="1" baseline="-25000" dirty="0" err="1"/>
+                <a:t>thres</a:t>
+              </a:r>
+              <a:r>
+                <a:rPr kumimoji="1" lang="en-US" altLang="ja-JP" dirty="0"/>
+                <a:t> = 0.3</a:t>
+              </a:r>
+              <a:endParaRPr kumimoji="1" lang="ja-JP" altLang="en-US"/>
+            </a:p>
+          </p:txBody>
+        </p:sp>
+      </p:grpSp>
+    </p:spTree>
+    <p:extLst>
+      <p:ext uri="{BB962C8B-B14F-4D97-AF65-F5344CB8AC3E}">
+        <p14:creationId xmlns:p14="http://schemas.microsoft.com/office/powerpoint/2010/main" val="652233924"/>
+      </p:ext>
+    </p:extLst>
+  </p:cSld>
+  <p:clrMapOvr>
+    <a:masterClrMapping/>
+  </p:clrMapOvr>
+</p:sld>
+</file>
+
+<file path=ppt/slides/slide6.xml><?xml version="1.0" encoding="utf-8"?>
+<p:sld xmlns:a="http://schemas.openxmlformats.org/drawingml/2006/main" xmlns:r="http://schemas.openxmlformats.org/officeDocument/2006/relationships" xmlns:p="http://schemas.openxmlformats.org/presentationml/2006/main">
+  <p:cSld>
+    <p:spTree>
+      <p:nvGrpSpPr>
+        <p:cNvPr id="1" name=""/>
+        <p:cNvGrpSpPr/>
+        <p:nvPr/>
+      </p:nvGrpSpPr>
+      <p:grpSpPr>
+        <a:xfrm>
+          <a:off x="0" y="0"/>
+          <a:ext cx="0" cy="0"/>
+          <a:chOff x="0" y="0"/>
+          <a:chExt cx="0" cy="0"/>
+        </a:xfrm>
+      </p:grpSpPr>
+      <p:sp>
+        <p:nvSpPr>
+          <p:cNvPr id="2" name="タイトル 1">
+            <a:extLst>
+              <a:ext uri="{FF2B5EF4-FFF2-40B4-BE49-F238E27FC236}">
+                <a16:creationId xmlns:a16="http://schemas.microsoft.com/office/drawing/2014/main" id="{8870E41F-5D30-2EF4-ECF8-A6ECE31BFFCB}"/>
+              </a:ext>
+            </a:extLst>
+          </p:cNvPr>
+          <p:cNvSpPr>
+            <a:spLocks noGrp="1"/>
+          </p:cNvSpPr>
+          <p:nvPr>
+            <p:ph type="title"/>
+          </p:nvPr>
+        </p:nvSpPr>
+        <p:spPr/>
+        <p:txBody>
+          <a:bodyPr/>
+          <a:lstStyle/>
+          <a:p>
+            <a:r>
+              <a:rPr kumimoji="1" lang="ja-JP" altLang="en-US"/>
+              <a:t>閾値</a:t>
+            </a:r>
+            <a:r>
+              <a:rPr kumimoji="1" lang="en-US" altLang="ja-JP" dirty="0"/>
+              <a:t> (cut-off) </a:t>
+            </a:r>
+            <a:r>
+              <a:rPr kumimoji="1" lang="ja-JP" altLang="en-US"/>
+              <a:t>と真／偽の予測</a:t>
+            </a:r>
+          </a:p>
+        </p:txBody>
+      </p:sp>
+      <p:sp>
+        <p:nvSpPr>
+          <p:cNvPr id="3" name="コンテンツ プレースホルダー 2">
+            <a:extLst>
+              <a:ext uri="{FF2B5EF4-FFF2-40B4-BE49-F238E27FC236}">
+                <a16:creationId xmlns:a16="http://schemas.microsoft.com/office/drawing/2014/main" id="{2016E0E0-C1D3-F065-5D68-FE5AF532C5DF}"/>
+              </a:ext>
+            </a:extLst>
+          </p:cNvPr>
+          <p:cNvSpPr>
+            <a:spLocks noGrp="1"/>
+          </p:cNvSpPr>
+          <p:nvPr>
+            <p:ph idx="1"/>
+          </p:nvPr>
+        </p:nvSpPr>
+        <p:spPr>
+          <a:xfrm>
+            <a:off x="838200" y="1825625"/>
+            <a:ext cx="10515600" cy="1603375"/>
+          </a:xfrm>
+        </p:spPr>
+        <p:txBody>
+          <a:bodyPr>
+            <a:normAutofit fontScale="85000" lnSpcReduction="10000"/>
+          </a:bodyPr>
+          <a:lstStyle/>
+          <a:p>
+            <a:r>
+              <a:rPr kumimoji="1" lang="ja-JP" altLang="en-US"/>
+              <a:t>ロジスティック回帰の結果、予測値は</a:t>
+            </a:r>
+            <a:r>
+              <a:rPr kumimoji="1" lang="en-US" altLang="ja-JP" dirty="0"/>
+              <a:t>0</a:t>
+            </a:r>
+            <a:r>
+              <a:rPr kumimoji="1" lang="ja-JP" altLang="en-US"/>
+              <a:t>／</a:t>
+            </a:r>
+            <a:r>
+              <a:rPr kumimoji="1" lang="en-US" altLang="ja-JP" dirty="0"/>
+              <a:t>1</a:t>
+            </a:r>
+            <a:r>
+              <a:rPr kumimoji="1" lang="ja-JP" altLang="en-US"/>
+              <a:t>ではなく、確率で出力される．</a:t>
+            </a:r>
+            <a:endParaRPr kumimoji="1" lang="en-US" altLang="ja-JP" dirty="0"/>
+          </a:p>
+          <a:p>
+            <a:pPr marL="0" indent="0">
+              <a:buNone/>
+            </a:pPr>
+            <a:r>
+              <a:rPr lang="ja-JP" altLang="en-US"/>
+              <a:t>→どこまでが０でどこからが</a:t>
+            </a:r>
+            <a:r>
+              <a:rPr lang="en-US" altLang="ja-JP" dirty="0"/>
+              <a:t>1</a:t>
+            </a:r>
+            <a:r>
+              <a:rPr lang="ja-JP" altLang="en-US"/>
+              <a:t>と判断するか？</a:t>
+            </a:r>
+            <a:endParaRPr lang="en-US" altLang="ja-JP" dirty="0"/>
+          </a:p>
+          <a:p>
+            <a:r>
+              <a:rPr kumimoji="1" lang="ja-JP" altLang="en-US"/>
+              <a:t>判断の分かれ目を閾値（</a:t>
+            </a:r>
+            <a:r>
+              <a:rPr kumimoji="1" lang="en-US" altLang="ja-JP" dirty="0"/>
+              <a:t>cut-off</a:t>
+            </a:r>
+            <a:r>
+              <a:rPr kumimoji="1" lang="ja-JP" altLang="en-US"/>
+              <a:t>）と呼びこ</a:t>
+            </a:r>
+            <a:r>
+              <a:rPr lang="ja-JP" altLang="en-US"/>
+              <a:t>れに依存して予</a:t>
+            </a:r>
+            <a:r>
+              <a:rPr kumimoji="1" lang="ja-JP" altLang="en-US"/>
+              <a:t>測結果が変わる．</a:t>
+            </a:r>
+          </a:p>
+        </p:txBody>
+      </p:sp>
+      <p:grpSp>
+        <p:nvGrpSpPr>
+          <p:cNvPr id="49" name="グループ化 48">
+            <a:extLst>
+              <a:ext uri="{FF2B5EF4-FFF2-40B4-BE49-F238E27FC236}">
+                <a16:creationId xmlns:a16="http://schemas.microsoft.com/office/drawing/2014/main" id="{5178EB54-F103-AE50-7A41-E1586FDEF008}"/>
+              </a:ext>
+            </a:extLst>
+          </p:cNvPr>
+          <p:cNvGrpSpPr/>
+          <p:nvPr/>
+        </p:nvGrpSpPr>
+        <p:grpSpPr>
+          <a:xfrm>
+            <a:off x="1053199" y="3309721"/>
+            <a:ext cx="10220355" cy="3548279"/>
+            <a:chOff x="1053199" y="3309721"/>
+            <a:chExt cx="10220355" cy="3548279"/>
+          </a:xfrm>
+        </p:grpSpPr>
+        <p:sp>
+          <p:nvSpPr>
+            <p:cNvPr id="15" name="テキスト ボックス 14">
+              <a:extLst>
+                <a:ext uri="{FF2B5EF4-FFF2-40B4-BE49-F238E27FC236}">
+                  <a16:creationId xmlns:a16="http://schemas.microsoft.com/office/drawing/2014/main" id="{50A315C2-EFA0-B11B-1D15-503340263CE3}"/>
+                </a:ext>
+              </a:extLst>
+            </p:cNvPr>
+            <p:cNvSpPr txBox="1"/>
+            <p:nvPr/>
+          </p:nvSpPr>
+          <p:spPr>
+            <a:xfrm>
+              <a:off x="4121542" y="3411596"/>
+              <a:ext cx="2530736" cy="369332"/>
+            </a:xfrm>
+            <a:prstGeom prst="rect">
+              <a:avLst/>
+            </a:prstGeom>
+            <a:noFill/>
+          </p:spPr>
+          <p:txBody>
+            <a:bodyPr wrap="square" rtlCol="0">
+              <a:spAutoFit/>
+            </a:bodyPr>
+            <a:lstStyle/>
+            <a:p>
+              <a:r>
+                <a:rPr kumimoji="1" lang="en-US" altLang="ja-JP" i="1" dirty="0" err="1"/>
+                <a:t>P</a:t>
+              </a:r>
+              <a:r>
+                <a:rPr kumimoji="1" lang="en-US" altLang="ja-JP" i="1" baseline="-25000" dirty="0" err="1"/>
+                <a:t>thres</a:t>
+              </a:r>
+              <a:r>
+                <a:rPr kumimoji="1" lang="en-US" altLang="ja-JP" dirty="0"/>
+                <a:t> = 0.5</a:t>
+              </a:r>
+              <a:r>
+                <a:rPr kumimoji="1" lang="ja-JP" altLang="en-US"/>
+                <a:t>とした場合</a:t>
+              </a:r>
+            </a:p>
+          </p:txBody>
+        </p:sp>
+        <p:sp>
+          <p:nvSpPr>
+            <p:cNvPr id="16" name="角丸四角形 15">
+              <a:extLst>
+                <a:ext uri="{FF2B5EF4-FFF2-40B4-BE49-F238E27FC236}">
+                  <a16:creationId xmlns:a16="http://schemas.microsoft.com/office/drawing/2014/main" id="{51F3A471-F67D-14C8-6BAE-542C001E142C}"/>
+                </a:ext>
+              </a:extLst>
+            </p:cNvPr>
+            <p:cNvSpPr/>
+            <p:nvPr/>
+          </p:nvSpPr>
+          <p:spPr>
+            <a:xfrm>
+              <a:off x="5857885" y="3768285"/>
+              <a:ext cx="552363" cy="279169"/>
+            </a:xfrm>
+            <a:prstGeom prst="roundRect">
+              <a:avLst>
+                <a:gd name="adj" fmla="val 50000"/>
+              </a:avLst>
+            </a:prstGeom>
+            <a:noFill/>
+          </p:spPr>
+          <p:style>
+            <a:lnRef idx="2">
+              <a:schemeClr val="accent2"/>
+            </a:lnRef>
+            <a:fillRef idx="1">
+              <a:schemeClr val="lt1"/>
+            </a:fillRef>
+            <a:effectRef idx="0">
+              <a:schemeClr val="accent2"/>
+            </a:effectRef>
+            <a:fontRef idx="minor">
+              <a:schemeClr val="dk1"/>
+            </a:fontRef>
+          </p:style>
+          <p:txBody>
+            <a:bodyPr rtlCol="0" anchor="ctr"/>
+            <a:lstStyle/>
+            <a:p>
+              <a:pPr algn="ctr"/>
+              <a:endParaRPr kumimoji="1" lang="ja-JP" altLang="en-US" sz="3600" dirty="0">
+                <a:latin typeface="ヒラギノ角ゴ ProN W3"/>
+                <a:ea typeface="ヒラギノ角ゴ ProN W3"/>
+                <a:cs typeface="ヒラギノ角ゴ ProN W3"/>
+              </a:endParaRPr>
+            </a:p>
+          </p:txBody>
+        </p:sp>
+        <p:grpSp>
+          <p:nvGrpSpPr>
+            <p:cNvPr id="17" name="グループ化 16">
+              <a:extLst>
+                <a:ext uri="{FF2B5EF4-FFF2-40B4-BE49-F238E27FC236}">
+                  <a16:creationId xmlns:a16="http://schemas.microsoft.com/office/drawing/2014/main" id="{565AF47F-5193-9616-CB8E-F602FFEEB08A}"/>
+                </a:ext>
+              </a:extLst>
+            </p:cNvPr>
+            <p:cNvGrpSpPr/>
+            <p:nvPr/>
+          </p:nvGrpSpPr>
+          <p:grpSpPr>
+            <a:xfrm>
+              <a:off x="4249397" y="3309721"/>
+              <a:ext cx="3712249" cy="3503228"/>
+              <a:chOff x="3571634" y="2434663"/>
+              <a:chExt cx="4171949" cy="4171949"/>
+            </a:xfrm>
+          </p:grpSpPr>
+          <p:pic>
+            <p:nvPicPr>
+              <p:cNvPr id="32" name="図 31" descr="fig10-4.pdf">
+                <a:extLst>
+                  <a:ext uri="{FF2B5EF4-FFF2-40B4-BE49-F238E27FC236}">
+                    <a16:creationId xmlns:a16="http://schemas.microsoft.com/office/drawing/2014/main" id="{FD0491F4-E45C-83BD-C7D3-9E902AE2C7EF}"/>
+                  </a:ext>
+                </a:extLst>
+              </p:cNvPr>
+              <p:cNvPicPr>
+                <a:picLocks noChangeAspect="1"/>
+              </p:cNvPicPr>
+              <p:nvPr/>
+            </p:nvPicPr>
+            <p:blipFill>
+              <a:blip r:embed="rId2">
+                <a:extLst>
+                  <a:ext uri="{28A0092B-C50C-407E-A947-70E740481C1C}">
+                    <a14:useLocalDpi xmlns:a14="http://schemas.microsoft.com/office/drawing/2010/main" val="0"/>
+                  </a:ext>
+                </a:extLst>
+              </a:blip>
+              <a:stretch>
+                <a:fillRect/>
+              </a:stretch>
+            </p:blipFill>
+            <p:spPr>
+              <a:xfrm>
+                <a:off x="3571634" y="2434663"/>
+                <a:ext cx="4171949" cy="4171949"/>
+              </a:xfrm>
+              <a:prstGeom prst="rect">
+                <a:avLst/>
+              </a:prstGeom>
+            </p:spPr>
+          </p:pic>
+          <p:cxnSp>
+            <p:nvCxnSpPr>
+              <p:cNvPr id="33" name="直線コネクタ 32">
+                <a:extLst>
+                  <a:ext uri="{FF2B5EF4-FFF2-40B4-BE49-F238E27FC236}">
+                    <a16:creationId xmlns:a16="http://schemas.microsoft.com/office/drawing/2014/main" id="{27420B39-563F-5666-EFDD-8A11131B2794}"/>
+                  </a:ext>
+                </a:extLst>
+              </p:cNvPr>
+              <p:cNvCxnSpPr>
+                <a:cxnSpLocks/>
+              </p:cNvCxnSpPr>
+              <p:nvPr/>
+            </p:nvCxnSpPr>
+            <p:spPr>
+              <a:xfrm>
+                <a:off x="4486034" y="4364087"/>
+                <a:ext cx="2638425" cy="0"/>
+              </a:xfrm>
+              <a:prstGeom prst="line">
+                <a:avLst/>
+              </a:prstGeom>
+              <a:ln>
+                <a:solidFill>
+                  <a:srgbClr val="000000"/>
+                </a:solidFill>
+              </a:ln>
+              <a:effectLst/>
+            </p:spPr>
+            <p:style>
+              <a:lnRef idx="2">
+                <a:schemeClr val="accent1"/>
+              </a:lnRef>
+              <a:fillRef idx="0">
+                <a:schemeClr val="accent1"/>
+              </a:fillRef>
+              <a:effectRef idx="1">
+                <a:schemeClr val="accent1"/>
+              </a:effectRef>
+              <a:fontRef idx="minor">
+                <a:schemeClr val="tx1"/>
+              </a:fontRef>
+            </p:style>
+          </p:cxnSp>
+          <p:sp>
+            <p:nvSpPr>
+              <p:cNvPr id="34" name="正方形/長方形 33">
+                <a:extLst>
+                  <a:ext uri="{FF2B5EF4-FFF2-40B4-BE49-F238E27FC236}">
+                    <a16:creationId xmlns:a16="http://schemas.microsoft.com/office/drawing/2014/main" id="{0BCE79DF-1834-C681-3AB1-DF2999CD3F93}"/>
+                  </a:ext>
+                </a:extLst>
+              </p:cNvPr>
+              <p:cNvSpPr/>
+              <p:nvPr/>
+            </p:nvSpPr>
+            <p:spPr>
+              <a:xfrm>
+                <a:off x="6000509" y="3070928"/>
+                <a:ext cx="1123950" cy="2586319"/>
+              </a:xfrm>
+              <a:prstGeom prst="rect">
+                <a:avLst/>
+              </a:prstGeom>
+              <a:solidFill>
+                <a:srgbClr val="FF0000">
+                  <a:alpha val="30000"/>
+                </a:srgbClr>
+              </a:solidFill>
+              <a:ln>
+                <a:noFill/>
+              </a:ln>
+              <a:effectLst/>
+            </p:spPr>
+            <p:style>
+              <a:lnRef idx="1">
+                <a:schemeClr val="accent1"/>
+              </a:lnRef>
+              <a:fillRef idx="3">
+                <a:schemeClr val="accent1"/>
+              </a:fillRef>
+              <a:effectRef idx="2">
+                <a:schemeClr val="accent1"/>
+              </a:effectRef>
+              <a:fontRef idx="minor">
+                <a:schemeClr val="lt1"/>
+              </a:fontRef>
+            </p:style>
+            <p:txBody>
+              <a:bodyPr rtlCol="0" anchor="ctr"/>
+              <a:lstStyle/>
+              <a:p>
+                <a:pPr algn="ctr"/>
+                <a:endParaRPr kumimoji="1" lang="ja-JP" altLang="en-US"/>
+              </a:p>
+            </p:txBody>
+          </p:sp>
+          <p:sp>
+            <p:nvSpPr>
+              <p:cNvPr id="35" name="正方形/長方形 34">
+                <a:extLst>
+                  <a:ext uri="{FF2B5EF4-FFF2-40B4-BE49-F238E27FC236}">
+                    <a16:creationId xmlns:a16="http://schemas.microsoft.com/office/drawing/2014/main" id="{F5A52C35-3F49-EA2A-C605-1A2C2D5D9D5B}"/>
+                  </a:ext>
+                </a:extLst>
+              </p:cNvPr>
+              <p:cNvSpPr/>
+              <p:nvPr/>
+            </p:nvSpPr>
+            <p:spPr>
+              <a:xfrm>
+                <a:off x="4486034" y="3070928"/>
+                <a:ext cx="1514475" cy="2586319"/>
+              </a:xfrm>
+              <a:prstGeom prst="rect">
+                <a:avLst/>
+              </a:prstGeom>
+              <a:solidFill>
+                <a:schemeClr val="tx2">
+                  <a:alpha val="30000"/>
+                </a:schemeClr>
+              </a:solidFill>
+              <a:ln>
+                <a:noFill/>
+              </a:ln>
+              <a:effectLst/>
+            </p:spPr>
+            <p:style>
+              <a:lnRef idx="1">
+                <a:schemeClr val="accent1"/>
+              </a:lnRef>
+              <a:fillRef idx="3">
+                <a:schemeClr val="accent1"/>
+              </a:fillRef>
+              <a:effectRef idx="2">
+                <a:schemeClr val="accent1"/>
+              </a:effectRef>
+              <a:fontRef idx="minor">
+                <a:schemeClr val="lt1"/>
+              </a:fontRef>
+            </p:style>
+            <p:txBody>
+              <a:bodyPr rtlCol="0" anchor="ctr"/>
+              <a:lstStyle/>
+              <a:p>
+                <a:pPr algn="ctr"/>
+                <a:endParaRPr kumimoji="1" lang="ja-JP" altLang="en-US"/>
+              </a:p>
+            </p:txBody>
+          </p:sp>
+          <p:sp>
+            <p:nvSpPr>
+              <p:cNvPr id="36" name="角丸四角形 35">
+                <a:extLst>
+                  <a:ext uri="{FF2B5EF4-FFF2-40B4-BE49-F238E27FC236}">
+                    <a16:creationId xmlns:a16="http://schemas.microsoft.com/office/drawing/2014/main" id="{25302CBB-7B5F-C08E-C25A-2D96221545B4}"/>
+                  </a:ext>
+                </a:extLst>
+              </p:cNvPr>
+              <p:cNvSpPr/>
+              <p:nvPr/>
+            </p:nvSpPr>
+            <p:spPr>
+              <a:xfrm>
+                <a:off x="5960771" y="5413439"/>
+                <a:ext cx="620764" cy="332459"/>
+              </a:xfrm>
+              <a:prstGeom prst="roundRect">
+                <a:avLst>
+                  <a:gd name="adj" fmla="val 50000"/>
+                </a:avLst>
+              </a:prstGeom>
+              <a:noFill/>
+            </p:spPr>
+            <p:style>
+              <a:lnRef idx="2">
+                <a:schemeClr val="accent2"/>
+              </a:lnRef>
+              <a:fillRef idx="1">
+                <a:schemeClr val="lt1"/>
+              </a:fillRef>
+              <a:effectRef idx="0">
+                <a:schemeClr val="accent2"/>
+              </a:effectRef>
+              <a:fontRef idx="minor">
+                <a:schemeClr val="dk1"/>
+              </a:fontRef>
+            </p:style>
+            <p:txBody>
+              <a:bodyPr rtlCol="0" anchor="ctr"/>
+              <a:lstStyle/>
+              <a:p>
+                <a:pPr algn="ctr"/>
+                <a:endParaRPr kumimoji="1" lang="ja-JP" altLang="en-US" sz="3600" dirty="0">
+                  <a:latin typeface="ヒラギノ角ゴ ProN W3"/>
+                  <a:ea typeface="ヒラギノ角ゴ ProN W3"/>
+                  <a:cs typeface="ヒラギノ角ゴ ProN W3"/>
+                </a:endParaRPr>
+              </a:p>
+            </p:txBody>
+          </p:sp>
+        </p:grpSp>
+        <p:grpSp>
+          <p:nvGrpSpPr>
+            <p:cNvPr id="22" name="グループ化 21">
+              <a:extLst>
+                <a:ext uri="{FF2B5EF4-FFF2-40B4-BE49-F238E27FC236}">
+                  <a16:creationId xmlns:a16="http://schemas.microsoft.com/office/drawing/2014/main" id="{CDCB81B5-9BC3-B01C-A601-735DF828A329}"/>
+                </a:ext>
+              </a:extLst>
+            </p:cNvPr>
+            <p:cNvGrpSpPr/>
+            <p:nvPr/>
+          </p:nvGrpSpPr>
+          <p:grpSpPr>
+            <a:xfrm>
+              <a:off x="1053199" y="3309721"/>
+              <a:ext cx="3712249" cy="3503228"/>
+              <a:chOff x="-219645" y="872004"/>
+              <a:chExt cx="4934519" cy="4934519"/>
+            </a:xfrm>
+          </p:grpSpPr>
+          <p:pic>
+            <p:nvPicPr>
+              <p:cNvPr id="29" name="図 28" descr="fig10-4.pdf">
+                <a:extLst>
+                  <a:ext uri="{FF2B5EF4-FFF2-40B4-BE49-F238E27FC236}">
+                    <a16:creationId xmlns:a16="http://schemas.microsoft.com/office/drawing/2014/main" id="{8880345A-B5AB-6424-45B7-2EFE62790AA2}"/>
+                  </a:ext>
+                </a:extLst>
+              </p:cNvPr>
+              <p:cNvPicPr>
+                <a:picLocks noChangeAspect="1"/>
+              </p:cNvPicPr>
+              <p:nvPr/>
+            </p:nvPicPr>
+            <p:blipFill>
+              <a:blip r:embed="rId2">
+                <a:extLst>
+                  <a:ext uri="{28A0092B-C50C-407E-A947-70E740481C1C}">
+                    <a14:useLocalDpi xmlns:a14="http://schemas.microsoft.com/office/drawing/2010/main" val="0"/>
+                  </a:ext>
+                </a:extLst>
+              </a:blip>
+              <a:stretch>
+                <a:fillRect/>
+              </a:stretch>
+            </p:blipFill>
+            <p:spPr>
+              <a:xfrm>
+                <a:off x="-219645" y="872004"/>
+                <a:ext cx="4934519" cy="4934519"/>
+              </a:xfrm>
+              <a:prstGeom prst="rect">
+                <a:avLst/>
+              </a:prstGeom>
+            </p:spPr>
+          </p:pic>
+          <p:sp>
+            <p:nvSpPr>
+              <p:cNvPr id="30" name="正方形/長方形 29">
+                <a:extLst>
+                  <a:ext uri="{FF2B5EF4-FFF2-40B4-BE49-F238E27FC236}">
+                    <a16:creationId xmlns:a16="http://schemas.microsoft.com/office/drawing/2014/main" id="{5FE2F757-2D58-6EA2-75E6-BCA2E207AF70}"/>
+                  </a:ext>
+                </a:extLst>
+              </p:cNvPr>
+              <p:cNvSpPr/>
+              <p:nvPr/>
+            </p:nvSpPr>
+            <p:spPr>
+              <a:xfrm>
+                <a:off x="3019425" y="1590082"/>
+                <a:ext cx="971550" cy="3124186"/>
+              </a:xfrm>
+              <a:prstGeom prst="rect">
+                <a:avLst/>
+              </a:prstGeom>
+              <a:solidFill>
+                <a:srgbClr val="FF0000">
+                  <a:alpha val="30000"/>
+                </a:srgbClr>
+              </a:solidFill>
+              <a:ln>
+                <a:noFill/>
+              </a:ln>
+              <a:effectLst/>
+            </p:spPr>
+            <p:style>
+              <a:lnRef idx="1">
+                <a:schemeClr val="accent1"/>
+              </a:lnRef>
+              <a:fillRef idx="3">
+                <a:schemeClr val="accent1"/>
+              </a:fillRef>
+              <a:effectRef idx="2">
+                <a:schemeClr val="accent1"/>
+              </a:effectRef>
+              <a:fontRef idx="minor">
+                <a:schemeClr val="lt1"/>
+              </a:fontRef>
+            </p:style>
+            <p:txBody>
+              <a:bodyPr rtlCol="0" anchor="ctr"/>
+              <a:lstStyle/>
+              <a:p>
+                <a:pPr algn="ctr"/>
+                <a:endParaRPr kumimoji="1" lang="ja-JP" altLang="en-US"/>
+              </a:p>
+            </p:txBody>
+          </p:sp>
+          <p:sp>
+            <p:nvSpPr>
+              <p:cNvPr id="31" name="正方形/長方形 30">
+                <a:extLst>
+                  <a:ext uri="{FF2B5EF4-FFF2-40B4-BE49-F238E27FC236}">
+                    <a16:creationId xmlns:a16="http://schemas.microsoft.com/office/drawing/2014/main" id="{5B03FD7E-59ED-30C0-F7E5-27A935CD81A3}"/>
+                  </a:ext>
+                </a:extLst>
+              </p:cNvPr>
+              <p:cNvSpPr/>
+              <p:nvPr/>
+            </p:nvSpPr>
+            <p:spPr>
+              <a:xfrm>
+                <a:off x="866775" y="1590082"/>
+                <a:ext cx="2152650" cy="3124189"/>
+              </a:xfrm>
+              <a:prstGeom prst="rect">
+                <a:avLst/>
+              </a:prstGeom>
+              <a:solidFill>
+                <a:schemeClr val="tx2">
+                  <a:alpha val="30000"/>
+                </a:schemeClr>
+              </a:solidFill>
+              <a:ln>
+                <a:noFill/>
+              </a:ln>
+              <a:effectLst/>
+            </p:spPr>
+            <p:style>
+              <a:lnRef idx="1">
+                <a:schemeClr val="accent1"/>
+              </a:lnRef>
+              <a:fillRef idx="3">
+                <a:schemeClr val="accent1"/>
+              </a:fillRef>
+              <a:effectRef idx="2">
+                <a:schemeClr val="accent1"/>
+              </a:effectRef>
+              <a:fontRef idx="minor">
+                <a:schemeClr val="lt1"/>
+              </a:fontRef>
+            </p:style>
+            <p:txBody>
+              <a:bodyPr rtlCol="0" anchor="ctr"/>
+              <a:lstStyle/>
+              <a:p>
+                <a:pPr algn="ctr"/>
+                <a:endParaRPr kumimoji="1" lang="ja-JP" altLang="en-US"/>
+              </a:p>
+            </p:txBody>
+          </p:sp>
+        </p:grpSp>
+        <p:grpSp>
+          <p:nvGrpSpPr>
+            <p:cNvPr id="23" name="グループ化 22">
+              <a:extLst>
+                <a:ext uri="{FF2B5EF4-FFF2-40B4-BE49-F238E27FC236}">
+                  <a16:creationId xmlns:a16="http://schemas.microsoft.com/office/drawing/2014/main" id="{5AF19FC1-4D91-C000-F557-C531FA7448F6}"/>
+                </a:ext>
+              </a:extLst>
+            </p:cNvPr>
+            <p:cNvGrpSpPr/>
+            <p:nvPr/>
+          </p:nvGrpSpPr>
+          <p:grpSpPr>
+            <a:xfrm>
+              <a:off x="7561305" y="3354772"/>
+              <a:ext cx="3712249" cy="3503228"/>
+              <a:chOff x="4152330" y="872004"/>
+              <a:chExt cx="4934519" cy="4934519"/>
+            </a:xfrm>
+          </p:grpSpPr>
+          <p:pic>
+            <p:nvPicPr>
+              <p:cNvPr id="26" name="図 25" descr="fig10-4.pdf">
+                <a:extLst>
+                  <a:ext uri="{FF2B5EF4-FFF2-40B4-BE49-F238E27FC236}">
+                    <a16:creationId xmlns:a16="http://schemas.microsoft.com/office/drawing/2014/main" id="{71CCF0AD-DD79-BCB0-64B8-0C2D00822094}"/>
+                  </a:ext>
+                </a:extLst>
+              </p:cNvPr>
+              <p:cNvPicPr>
+                <a:picLocks noChangeAspect="1"/>
+              </p:cNvPicPr>
+              <p:nvPr/>
+            </p:nvPicPr>
+            <p:blipFill>
+              <a:blip r:embed="rId2">
+                <a:extLst>
+                  <a:ext uri="{28A0092B-C50C-407E-A947-70E740481C1C}">
+                    <a14:useLocalDpi xmlns:a14="http://schemas.microsoft.com/office/drawing/2010/main" val="0"/>
+                  </a:ext>
+                </a:extLst>
+              </a:blip>
+              <a:stretch>
+                <a:fillRect/>
+              </a:stretch>
+            </p:blipFill>
+            <p:spPr>
+              <a:xfrm>
+                <a:off x="4152330" y="872004"/>
+                <a:ext cx="4934519" cy="4934519"/>
+              </a:xfrm>
+              <a:prstGeom prst="rect">
+                <a:avLst/>
+              </a:prstGeom>
+            </p:spPr>
+          </p:pic>
+          <p:sp>
+            <p:nvSpPr>
+              <p:cNvPr id="27" name="正方形/長方形 26">
+                <a:extLst>
+                  <a:ext uri="{FF2B5EF4-FFF2-40B4-BE49-F238E27FC236}">
+                    <a16:creationId xmlns:a16="http://schemas.microsoft.com/office/drawing/2014/main" id="{9F3D4662-92F8-0FF3-F0AB-8AC0ED150071}"/>
+                  </a:ext>
+                </a:extLst>
+              </p:cNvPr>
+              <p:cNvSpPr/>
+              <p:nvPr/>
+            </p:nvSpPr>
+            <p:spPr>
+              <a:xfrm>
+                <a:off x="6696074" y="1590082"/>
+                <a:ext cx="1666876" cy="3124171"/>
+              </a:xfrm>
+              <a:prstGeom prst="rect">
+                <a:avLst/>
+              </a:prstGeom>
+              <a:solidFill>
+                <a:srgbClr val="FF0000">
+                  <a:alpha val="30000"/>
+                </a:srgbClr>
+              </a:solidFill>
+              <a:ln>
+                <a:noFill/>
+              </a:ln>
+              <a:effectLst/>
+            </p:spPr>
+            <p:style>
+              <a:lnRef idx="1">
+                <a:schemeClr val="accent1"/>
+              </a:lnRef>
+              <a:fillRef idx="3">
+                <a:schemeClr val="accent1"/>
+              </a:fillRef>
+              <a:effectRef idx="2">
+                <a:schemeClr val="accent1"/>
+              </a:effectRef>
+              <a:fontRef idx="minor">
+                <a:schemeClr val="lt1"/>
+              </a:fontRef>
+            </p:style>
+            <p:txBody>
+              <a:bodyPr rtlCol="0" anchor="ctr"/>
+              <a:lstStyle/>
+              <a:p>
+                <a:pPr algn="ctr"/>
+                <a:endParaRPr kumimoji="1" lang="ja-JP" altLang="en-US"/>
+              </a:p>
+            </p:txBody>
+          </p:sp>
+          <p:sp>
+            <p:nvSpPr>
+              <p:cNvPr id="28" name="正方形/長方形 27">
+                <a:extLst>
+                  <a:ext uri="{FF2B5EF4-FFF2-40B4-BE49-F238E27FC236}">
+                    <a16:creationId xmlns:a16="http://schemas.microsoft.com/office/drawing/2014/main" id="{5590B3D6-876A-EAA9-10DC-979B95030AE3}"/>
+                  </a:ext>
+                </a:extLst>
+              </p:cNvPr>
+              <p:cNvSpPr/>
+              <p:nvPr/>
+            </p:nvSpPr>
+            <p:spPr>
+              <a:xfrm>
+                <a:off x="5238749" y="1590082"/>
+                <a:ext cx="1457325" cy="3124190"/>
+              </a:xfrm>
+              <a:prstGeom prst="rect">
+                <a:avLst/>
+              </a:prstGeom>
+              <a:solidFill>
+                <a:schemeClr val="tx2">
+                  <a:alpha val="30000"/>
+                </a:schemeClr>
+              </a:solidFill>
+              <a:ln>
+                <a:noFill/>
+              </a:ln>
+              <a:effectLst/>
+            </p:spPr>
+            <p:style>
+              <a:lnRef idx="1">
+                <a:schemeClr val="accent1"/>
+              </a:lnRef>
+              <a:fillRef idx="3">
+                <a:schemeClr val="accent1"/>
+              </a:fillRef>
+              <a:effectRef idx="2">
+                <a:schemeClr val="accent1"/>
+              </a:effectRef>
+              <a:fontRef idx="minor">
+                <a:schemeClr val="lt1"/>
+              </a:fontRef>
+            </p:style>
+            <p:txBody>
+              <a:bodyPr rtlCol="0" anchor="ctr"/>
+              <a:lstStyle/>
+              <a:p>
+                <a:pPr algn="ctr"/>
+                <a:endParaRPr kumimoji="1" lang="ja-JP" altLang="en-US"/>
+              </a:p>
+            </p:txBody>
+          </p:sp>
+        </p:grpSp>
+        <p:sp>
+          <p:nvSpPr>
+            <p:cNvPr id="24" name="テキスト ボックス 23">
+              <a:extLst>
+                <a:ext uri="{FF2B5EF4-FFF2-40B4-BE49-F238E27FC236}">
+                  <a16:creationId xmlns:a16="http://schemas.microsoft.com/office/drawing/2014/main" id="{CBAAF73D-11A6-DBC6-DFEC-3D47478947D3}"/>
+                </a:ext>
+              </a:extLst>
+            </p:cNvPr>
+            <p:cNvSpPr txBox="1"/>
+            <p:nvPr/>
+          </p:nvSpPr>
+          <p:spPr>
+            <a:xfrm>
+              <a:off x="1468230" y="3320224"/>
+              <a:ext cx="1171336" cy="310132"/>
+            </a:xfrm>
+            <a:prstGeom prst="rect">
+              <a:avLst/>
+            </a:prstGeom>
+            <a:noFill/>
+          </p:spPr>
+          <p:txBody>
+            <a:bodyPr wrap="none" rtlCol="0">
+              <a:spAutoFit/>
+            </a:bodyPr>
+            <a:lstStyle/>
+            <a:p>
+              <a:r>
+                <a:rPr kumimoji="1" lang="en-US" altLang="ja-JP" i="1" dirty="0" err="1"/>
+                <a:t>P</a:t>
+              </a:r>
+              <a:r>
+                <a:rPr kumimoji="1" lang="en-US" altLang="ja-JP" i="1" baseline="-25000" dirty="0" err="1"/>
+                <a:t>thres</a:t>
+              </a:r>
+              <a:r>
+                <a:rPr kumimoji="1" lang="en-US" altLang="ja-JP" dirty="0"/>
+                <a:t> = 0.7</a:t>
+              </a:r>
+              <a:endParaRPr kumimoji="1" lang="ja-JP" altLang="en-US"/>
+            </a:p>
+          </p:txBody>
+        </p:sp>
+        <p:sp>
+          <p:nvSpPr>
+            <p:cNvPr id="25" name="テキスト ボックス 24">
+              <a:extLst>
+                <a:ext uri="{FF2B5EF4-FFF2-40B4-BE49-F238E27FC236}">
+                  <a16:creationId xmlns:a16="http://schemas.microsoft.com/office/drawing/2014/main" id="{E17AC6A2-087C-0050-BD97-4F927D4F9CC2}"/>
+                </a:ext>
+              </a:extLst>
+            </p:cNvPr>
+            <p:cNvSpPr txBox="1"/>
+            <p:nvPr/>
+          </p:nvSpPr>
+          <p:spPr>
+            <a:xfrm>
+              <a:off x="9747699" y="3411596"/>
+              <a:ext cx="1171336" cy="310132"/>
+            </a:xfrm>
+            <a:prstGeom prst="rect">
+              <a:avLst/>
+            </a:prstGeom>
+            <a:noFill/>
+          </p:spPr>
+          <p:txBody>
+            <a:bodyPr wrap="none" rtlCol="0">
+              <a:spAutoFit/>
+            </a:bodyPr>
+            <a:lstStyle/>
+            <a:p>
+              <a:r>
+                <a:rPr kumimoji="1" lang="en-US" altLang="ja-JP" i="1" dirty="0" err="1"/>
+                <a:t>P</a:t>
+              </a:r>
+              <a:r>
+                <a:rPr kumimoji="1" lang="en-US" altLang="ja-JP" i="1" baseline="-25000" dirty="0" err="1"/>
+                <a:t>thres</a:t>
+              </a:r>
+              <a:r>
+                <a:rPr kumimoji="1" lang="en-US" altLang="ja-JP" dirty="0"/>
+                <a:t> = 0.3</a:t>
+              </a:r>
+              <a:endParaRPr kumimoji="1" lang="ja-JP" altLang="en-US"/>
+            </a:p>
+          </p:txBody>
+        </p:sp>
+      </p:grpSp>
+      <p:cxnSp>
+        <p:nvCxnSpPr>
+          <p:cNvPr id="38" name="直線矢印コネクタ 37">
+            <a:extLst>
+              <a:ext uri="{FF2B5EF4-FFF2-40B4-BE49-F238E27FC236}">
+                <a16:creationId xmlns:a16="http://schemas.microsoft.com/office/drawing/2014/main" id="{E5CA5724-BC5B-83BB-1271-5C2E72167ADF}"/>
+              </a:ext>
+            </a:extLst>
+          </p:cNvPr>
+          <p:cNvCxnSpPr>
+            <a:cxnSpLocks/>
+          </p:cNvCxnSpPr>
+          <p:nvPr/>
+        </p:nvCxnSpPr>
+        <p:spPr>
+          <a:xfrm flipH="1">
+            <a:off x="1348247" y="4502552"/>
+            <a:ext cx="7506386" cy="0"/>
+          </a:xfrm>
+          <a:prstGeom prst="straightConnector1">
+            <a:avLst/>
+          </a:prstGeom>
+          <a:ln w="76200">
+            <a:tailEnd type="triangle"/>
+          </a:ln>
+        </p:spPr>
+        <p:style>
+          <a:lnRef idx="1">
+            <a:schemeClr val="accent1"/>
+          </a:lnRef>
+          <a:fillRef idx="0">
+            <a:schemeClr val="accent1"/>
+          </a:fillRef>
+          <a:effectRef idx="0">
+            <a:schemeClr val="accent1"/>
+          </a:effectRef>
+          <a:fontRef idx="minor">
+            <a:schemeClr val="tx1"/>
+          </a:fontRef>
+        </p:style>
+      </p:cxnSp>
+      <p:sp>
+        <p:nvSpPr>
+          <p:cNvPr id="40" name="テキスト ボックス 39">
+            <a:extLst>
+              <a:ext uri="{FF2B5EF4-FFF2-40B4-BE49-F238E27FC236}">
+                <a16:creationId xmlns:a16="http://schemas.microsoft.com/office/drawing/2014/main" id="{4860BB7D-2208-D10A-1FD8-F42AE976E6E1}"/>
+              </a:ext>
+            </a:extLst>
+          </p:cNvPr>
+          <p:cNvSpPr txBox="1"/>
+          <p:nvPr/>
+        </p:nvSpPr>
+        <p:spPr>
+          <a:xfrm>
+            <a:off x="9419" y="4047454"/>
+            <a:ext cx="1338828" cy="1477328"/>
+          </a:xfrm>
+          <a:prstGeom prst="rect">
+            <a:avLst/>
+          </a:prstGeom>
+          <a:noFill/>
+        </p:spPr>
+        <p:txBody>
+          <a:bodyPr wrap="none" rtlCol="0">
+            <a:spAutoFit/>
+          </a:bodyPr>
+          <a:lstStyle/>
+          <a:p>
+            <a:r>
+              <a:rPr kumimoji="1" lang="ja-JP" altLang="en-US"/>
+              <a:t>適合度：大</a:t>
+            </a:r>
+            <a:endParaRPr kumimoji="1" lang="en-US" altLang="ja-JP" dirty="0"/>
+          </a:p>
+          <a:p>
+            <a:r>
+              <a:rPr lang="ja-JP" altLang="en-US"/>
+              <a:t>特異度：大</a:t>
+            </a:r>
+            <a:endParaRPr lang="en-US" altLang="ja-JP" dirty="0"/>
+          </a:p>
+          <a:p>
+            <a:endParaRPr kumimoji="1" lang="en-US" altLang="ja-JP" dirty="0"/>
+          </a:p>
+          <a:p>
+            <a:r>
+              <a:rPr kumimoji="1" lang="ja-JP" altLang="en-US"/>
+              <a:t>感度：小</a:t>
+            </a:r>
+            <a:endParaRPr kumimoji="1" lang="en-US" altLang="ja-JP" dirty="0"/>
+          </a:p>
+          <a:p>
+            <a:endParaRPr kumimoji="1" lang="ja-JP" altLang="en-US"/>
+          </a:p>
+        </p:txBody>
+      </p:sp>
+      <p:sp>
+        <p:nvSpPr>
+          <p:cNvPr id="42" name="テキスト ボックス 41">
+            <a:extLst>
+              <a:ext uri="{FF2B5EF4-FFF2-40B4-BE49-F238E27FC236}">
+                <a16:creationId xmlns:a16="http://schemas.microsoft.com/office/drawing/2014/main" id="{773213CD-7E10-879E-AFF2-CE4CFB912252}"/>
+              </a:ext>
+            </a:extLst>
+          </p:cNvPr>
+          <p:cNvSpPr txBox="1"/>
+          <p:nvPr/>
+        </p:nvSpPr>
+        <p:spPr>
+          <a:xfrm>
+            <a:off x="10843753" y="4404836"/>
+            <a:ext cx="1338828" cy="1477328"/>
+          </a:xfrm>
+          <a:prstGeom prst="rect">
+            <a:avLst/>
+          </a:prstGeom>
+          <a:noFill/>
+        </p:spPr>
+        <p:txBody>
+          <a:bodyPr wrap="none" rtlCol="0">
+            <a:spAutoFit/>
+          </a:bodyPr>
+          <a:lstStyle/>
+          <a:p>
+            <a:r>
+              <a:rPr kumimoji="1" lang="ja-JP" altLang="en-US"/>
+              <a:t>適合度：小</a:t>
+            </a:r>
+            <a:endParaRPr kumimoji="1" lang="en-US" altLang="ja-JP" dirty="0"/>
+          </a:p>
+          <a:p>
+            <a:r>
+              <a:rPr lang="ja-JP" altLang="en-US"/>
+              <a:t>特異度：小</a:t>
+            </a:r>
+            <a:endParaRPr lang="en-US" altLang="ja-JP" dirty="0"/>
+          </a:p>
+          <a:p>
+            <a:endParaRPr kumimoji="1" lang="en-US" altLang="ja-JP" dirty="0"/>
+          </a:p>
+          <a:p>
+            <a:r>
+              <a:rPr kumimoji="1" lang="ja-JP" altLang="en-US"/>
+              <a:t>感度：大</a:t>
+            </a:r>
+            <a:endParaRPr kumimoji="1" lang="en-US" altLang="ja-JP" dirty="0"/>
+          </a:p>
+          <a:p>
+            <a:endParaRPr kumimoji="1" lang="ja-JP" altLang="en-US"/>
+          </a:p>
+        </p:txBody>
+      </p:sp>
+      <p:cxnSp>
+        <p:nvCxnSpPr>
+          <p:cNvPr id="43" name="直線矢印コネクタ 42">
+            <a:extLst>
+              <a:ext uri="{FF2B5EF4-FFF2-40B4-BE49-F238E27FC236}">
+                <a16:creationId xmlns:a16="http://schemas.microsoft.com/office/drawing/2014/main" id="{E4DC0C47-9809-2A37-9AB3-7D3E7DDEAE6D}"/>
+              </a:ext>
+            </a:extLst>
+          </p:cNvPr>
+          <p:cNvCxnSpPr>
+            <a:cxnSpLocks/>
+          </p:cNvCxnSpPr>
+          <p:nvPr/>
+        </p:nvCxnSpPr>
+        <p:spPr>
+          <a:xfrm flipH="1">
+            <a:off x="3784922" y="5444920"/>
+            <a:ext cx="7208955" cy="0"/>
+          </a:xfrm>
+          <a:prstGeom prst="straightConnector1">
+            <a:avLst/>
+          </a:prstGeom>
+          <a:ln w="76200">
+            <a:solidFill>
+              <a:srgbClr val="C00000"/>
+            </a:solidFill>
+            <a:headEnd type="triangle" w="med" len="med"/>
+            <a:tailEnd type="none" w="med" len="med"/>
+          </a:ln>
+        </p:spPr>
+        <p:style>
+          <a:lnRef idx="1">
+            <a:schemeClr val="accent1"/>
+          </a:lnRef>
+          <a:fillRef idx="0">
+            <a:schemeClr val="accent1"/>
+          </a:fillRef>
+          <a:effectRef idx="0">
+            <a:schemeClr val="accent1"/>
+          </a:effectRef>
+          <a:fontRef idx="minor">
+            <a:schemeClr val="tx1"/>
+          </a:fontRef>
+        </p:style>
+      </p:cxnSp>
+    </p:spTree>
+    <p:extLst>
+      <p:ext uri="{BB962C8B-B14F-4D97-AF65-F5344CB8AC3E}">
+        <p14:creationId xmlns:p14="http://schemas.microsoft.com/office/powerpoint/2010/main" val="3467600891"/>
+      </p:ext>
+    </p:extLst>
+  </p:cSld>
+  <p:clrMapOvr>
+    <a:masterClrMapping/>
+  </p:clrMapOvr>
+</p:sld>
+</file>
+
+<file path=ppt/slides/slide7.xml><?xml version="1.0" encoding="utf-8"?>
+<p:sld xmlns:a="http://schemas.openxmlformats.org/drawingml/2006/main" xmlns:r="http://schemas.openxmlformats.org/officeDocument/2006/relationships" xmlns:p="http://schemas.openxmlformats.org/presentationml/2006/main">
+  <p:cSld>
+    <p:spTree>
+      <p:nvGrpSpPr>
+        <p:cNvPr id="1" name=""/>
+        <p:cNvGrpSpPr/>
+        <p:nvPr/>
+      </p:nvGrpSpPr>
+      <p:grpSpPr>
+        <a:xfrm>
+          <a:off x="0" y="0"/>
+          <a:ext cx="0" cy="0"/>
+          <a:chOff x="0" y="0"/>
+          <a:chExt cx="0" cy="0"/>
+        </a:xfrm>
+      </p:grpSpPr>
+      <p:sp>
+        <p:nvSpPr>
+          <p:cNvPr id="2" name="タイトル 1">
+            <a:extLst>
+              <a:ext uri="{FF2B5EF4-FFF2-40B4-BE49-F238E27FC236}">
+                <a16:creationId xmlns:a16="http://schemas.microsoft.com/office/drawing/2014/main" id="{1E78FE08-39A9-527A-BD5C-05B4776326D9}"/>
+              </a:ext>
+            </a:extLst>
+          </p:cNvPr>
+          <p:cNvSpPr>
+            <a:spLocks noGrp="1"/>
+          </p:cNvSpPr>
+          <p:nvPr>
+            <p:ph type="title"/>
+          </p:nvPr>
+        </p:nvSpPr>
+        <p:spPr>
+          <a:xfrm>
+            <a:off x="524107" y="365125"/>
+            <a:ext cx="11140069" cy="1325563"/>
+          </a:xfrm>
+        </p:spPr>
+        <p:txBody>
+          <a:bodyPr>
+            <a:normAutofit/>
+          </a:bodyPr>
+          <a:lstStyle/>
+          <a:p>
+            <a:r>
+              <a:rPr kumimoji="1" lang="en-US" altLang="ja-JP" dirty="0"/>
+              <a:t>ROC(Receiver Operating Characteristic)</a:t>
+            </a:r>
+            <a:r>
+              <a:rPr lang="ja-JP" altLang="en-US"/>
+              <a:t>曲線</a:t>
+            </a:r>
+            <a:endParaRPr kumimoji="1" lang="ja-JP" altLang="en-US"/>
+          </a:p>
+        </p:txBody>
+      </p:sp>
+      <p:sp>
+        <p:nvSpPr>
+          <p:cNvPr id="3" name="コンテンツ プレースホルダー 2">
+            <a:extLst>
+              <a:ext uri="{FF2B5EF4-FFF2-40B4-BE49-F238E27FC236}">
+                <a16:creationId xmlns:a16="http://schemas.microsoft.com/office/drawing/2014/main" id="{C57F9D82-E69A-F43E-8F81-048CAA15BF05}"/>
+              </a:ext>
+            </a:extLst>
+          </p:cNvPr>
+          <p:cNvSpPr>
+            <a:spLocks noGrp="1"/>
+          </p:cNvSpPr>
+          <p:nvPr>
+            <p:ph idx="1"/>
+          </p:nvPr>
+        </p:nvSpPr>
+        <p:spPr/>
+        <p:txBody>
+          <a:bodyPr/>
+          <a:lstStyle/>
+          <a:p>
+            <a:r>
+              <a:rPr kumimoji="1" lang="en-US" altLang="ja-JP" dirty="0"/>
+              <a:t>ROC</a:t>
+            </a:r>
+            <a:r>
+              <a:rPr kumimoji="1" lang="ja-JP" altLang="en-US"/>
+              <a:t>曲線：偽陽性率</a:t>
+            </a:r>
+            <a:r>
+              <a:rPr lang="ja-JP" altLang="en-US"/>
+              <a:t>に対する</a:t>
+            </a:r>
+            <a:r>
+              <a:rPr kumimoji="1" lang="ja-JP" altLang="en-US"/>
+              <a:t>真陽性率をプロット</a:t>
+            </a:r>
+            <a:endParaRPr kumimoji="1" lang="en-US" altLang="ja-JP" dirty="0"/>
+          </a:p>
+          <a:p>
+            <a:pPr lvl="1"/>
+            <a:r>
+              <a:rPr lang="ja-JP" altLang="en-US"/>
+              <a:t>真陽性率＝真陽性数／</a:t>
+            </a:r>
+            <a:r>
+              <a:rPr lang="en-US" altLang="ja-JP" dirty="0"/>
+              <a:t>(</a:t>
+            </a:r>
+            <a:r>
+              <a:rPr lang="ja-JP" altLang="en-US"/>
+              <a:t>全陽性数</a:t>
+            </a:r>
+            <a:r>
+              <a:rPr lang="en-US" altLang="ja-JP" dirty="0"/>
+              <a:t> [=</a:t>
+            </a:r>
+            <a:r>
+              <a:rPr lang="ja-JP" altLang="en-US"/>
+              <a:t>真陽＋偽陰</a:t>
+            </a:r>
+            <a:r>
+              <a:rPr lang="en-US" altLang="ja-JP" dirty="0"/>
+              <a:t>] )</a:t>
+            </a:r>
+            <a:r>
+              <a:rPr lang="ja-JP" altLang="en-US"/>
+              <a:t>＝</a:t>
+            </a:r>
+            <a:r>
+              <a:rPr lang="en-US" altLang="ja-JP" dirty="0"/>
+              <a:t>TP</a:t>
+            </a:r>
+            <a:r>
+              <a:rPr lang="ja-JP" altLang="en-US"/>
+              <a:t>／</a:t>
+            </a:r>
+            <a:r>
+              <a:rPr lang="en-US" altLang="ja-JP" dirty="0"/>
+              <a:t>(TP</a:t>
+            </a:r>
+            <a:r>
+              <a:rPr lang="ja-JP" altLang="en-US"/>
+              <a:t>＋</a:t>
+            </a:r>
+            <a:r>
+              <a:rPr lang="en-US" altLang="ja-JP" dirty="0"/>
+              <a:t>FN)</a:t>
+            </a:r>
+          </a:p>
+          <a:p>
+            <a:pPr lvl="1"/>
+            <a:r>
+              <a:rPr kumimoji="1" lang="ja-JP" altLang="en-US"/>
+              <a:t>偽</a:t>
+            </a:r>
+            <a:r>
+              <a:rPr lang="ja-JP" altLang="en-US"/>
+              <a:t>陽</a:t>
+            </a:r>
+            <a:r>
+              <a:rPr kumimoji="1" lang="ja-JP" altLang="en-US"/>
+              <a:t>性率＝偽</a:t>
+            </a:r>
+            <a:r>
+              <a:rPr lang="ja-JP" altLang="en-US"/>
+              <a:t>陽</a:t>
+            </a:r>
+            <a:r>
+              <a:rPr kumimoji="1" lang="ja-JP" altLang="en-US"/>
+              <a:t>性</a:t>
+            </a:r>
+            <a:r>
+              <a:rPr lang="ja-JP" altLang="en-US"/>
+              <a:t>数</a:t>
+            </a:r>
+            <a:r>
+              <a:rPr kumimoji="1" lang="ja-JP" altLang="en-US"/>
+              <a:t>／</a:t>
+            </a:r>
+            <a:r>
+              <a:rPr lang="en-US" altLang="ja-JP" dirty="0"/>
+              <a:t>(</a:t>
+            </a:r>
+            <a:r>
+              <a:rPr lang="ja-JP" altLang="en-US"/>
+              <a:t>全陰性数</a:t>
+            </a:r>
+            <a:r>
+              <a:rPr lang="en-US" altLang="ja-JP" dirty="0"/>
+              <a:t>[=</a:t>
+            </a:r>
+            <a:r>
+              <a:rPr lang="ja-JP" altLang="en-US"/>
+              <a:t>偽陽＋真陰</a:t>
+            </a:r>
+            <a:r>
+              <a:rPr lang="en-US" altLang="ja-JP" dirty="0"/>
+              <a:t>] ) </a:t>
+            </a:r>
+            <a:r>
+              <a:rPr kumimoji="1" lang="ja-JP" altLang="en-US"/>
+              <a:t>＝</a:t>
+            </a:r>
+            <a:r>
+              <a:rPr kumimoji="1" lang="en-US" altLang="ja-JP" dirty="0"/>
+              <a:t>FP</a:t>
+            </a:r>
+            <a:r>
+              <a:rPr kumimoji="1" lang="ja-JP" altLang="en-US"/>
+              <a:t>／</a:t>
+            </a:r>
+            <a:r>
+              <a:rPr kumimoji="1" lang="en-US" altLang="ja-JP" dirty="0"/>
+              <a:t>(FP+TN)</a:t>
+            </a:r>
+          </a:p>
+          <a:p>
+            <a:endParaRPr lang="en-US" altLang="ja-JP" dirty="0"/>
+          </a:p>
+          <a:p>
+            <a:r>
+              <a:rPr lang="ja-JP" altLang="en-US"/>
+              <a:t>真陽性率は感度、再現度と同じ</a:t>
+            </a:r>
+            <a:endParaRPr lang="en-US" altLang="ja-JP" dirty="0"/>
+          </a:p>
+          <a:p>
+            <a:r>
+              <a:rPr lang="ja-JP" altLang="en-US"/>
+              <a:t>偽陽性率は（</a:t>
+            </a:r>
+            <a:r>
+              <a:rPr lang="en-US" altLang="ja-JP" dirty="0"/>
+              <a:t>1</a:t>
+            </a:r>
+            <a:r>
+              <a:rPr lang="ja-JP" altLang="en-US"/>
+              <a:t>ー特異度</a:t>
+            </a:r>
+            <a:r>
+              <a:rPr lang="en-US" altLang="ja-JP" dirty="0"/>
+              <a:t>=1−TP/(FP+TN)</a:t>
+            </a:r>
+            <a:r>
+              <a:rPr lang="ja-JP" altLang="en-US"/>
+              <a:t>）と同じ</a:t>
+            </a:r>
+            <a:endParaRPr lang="en-US" altLang="ja-JP" dirty="0"/>
+          </a:p>
+          <a:p>
+            <a:endParaRPr kumimoji="1" lang="en-US" altLang="ja-JP" dirty="0"/>
+          </a:p>
+          <a:p>
+            <a:r>
+              <a:rPr lang="ja-JP" altLang="en-US"/>
+              <a:t>横軸に偽陽性率、縦軸に真陽性率を取る</a:t>
+            </a:r>
+            <a:endParaRPr kumimoji="1" lang="en-US" altLang="ja-JP" dirty="0"/>
+          </a:p>
+          <a:p>
+            <a:endParaRPr kumimoji="1" lang="ja-JP" altLang="en-US"/>
+          </a:p>
+        </p:txBody>
+      </p:sp>
+    </p:spTree>
+    <p:extLst>
+      <p:ext uri="{BB962C8B-B14F-4D97-AF65-F5344CB8AC3E}">
+        <p14:creationId xmlns:p14="http://schemas.microsoft.com/office/powerpoint/2010/main" val="2966664020"/>
+      </p:ext>
+    </p:extLst>
+  </p:cSld>
+  <p:clrMapOvr>
+    <a:masterClrMapping/>
+  </p:clrMapOvr>
+</p:sld>
+</file>
+
+<file path=ppt/slides/slide8.xml><?xml version="1.0" encoding="utf-8"?>
+<p:sld xmlns:a="http://schemas.openxmlformats.org/drawingml/2006/main" xmlns:r="http://schemas.openxmlformats.org/officeDocument/2006/relationships" xmlns:p="http://schemas.openxmlformats.org/presentationml/2006/main">
+  <p:cSld>
+    <p:spTree>
+      <p:nvGrpSpPr>
+        <p:cNvPr id="1" name=""/>
+        <p:cNvGrpSpPr/>
+        <p:nvPr/>
+      </p:nvGrpSpPr>
+      <p:grpSpPr>
+        <a:xfrm>
+          <a:off x="0" y="0"/>
+          <a:ext cx="0" cy="0"/>
+          <a:chOff x="0" y="0"/>
+          <a:chExt cx="0" cy="0"/>
+        </a:xfrm>
+      </p:grpSpPr>
+      <p:sp>
+        <p:nvSpPr>
+          <p:cNvPr id="2" name="タイトル 1">
+            <a:extLst>
+              <a:ext uri="{FF2B5EF4-FFF2-40B4-BE49-F238E27FC236}">
+                <a16:creationId xmlns:a16="http://schemas.microsoft.com/office/drawing/2014/main" id="{089AB1DD-75A7-9959-2085-6193D1339EE2}"/>
+              </a:ext>
+            </a:extLst>
+          </p:cNvPr>
+          <p:cNvSpPr>
+            <a:spLocks noGrp="1"/>
+          </p:cNvSpPr>
+          <p:nvPr>
+            <p:ph type="title"/>
+          </p:nvPr>
+        </p:nvSpPr>
+        <p:spPr/>
+        <p:txBody>
+          <a:bodyPr/>
+          <a:lstStyle/>
+          <a:p>
+            <a:r>
+              <a:rPr lang="ja-JP" altLang="en-US"/>
+              <a:t>評価</a:t>
+            </a:r>
+            <a:r>
+              <a:rPr kumimoji="1" lang="ja-JP" altLang="en-US"/>
+              <a:t>指標としての</a:t>
+            </a:r>
+            <a:br>
+              <a:rPr kumimoji="1" lang="en-US" altLang="ja-JP" dirty="0"/>
+            </a:br>
+            <a:r>
+              <a:rPr kumimoji="1" lang="en-US" altLang="ja-JP" dirty="0"/>
+              <a:t>AUC (Area Under the Curve)</a:t>
+            </a:r>
+            <a:endParaRPr kumimoji="1" lang="ja-JP" altLang="en-US"/>
+          </a:p>
+        </p:txBody>
+      </p:sp>
+      <p:sp>
+        <p:nvSpPr>
+          <p:cNvPr id="3" name="コンテンツ プレースホルダー 2">
+            <a:extLst>
+              <a:ext uri="{FF2B5EF4-FFF2-40B4-BE49-F238E27FC236}">
+                <a16:creationId xmlns:a16="http://schemas.microsoft.com/office/drawing/2014/main" id="{EC155A21-770C-2FCB-AC74-BC60D9BE48B7}"/>
+              </a:ext>
+            </a:extLst>
+          </p:cNvPr>
+          <p:cNvSpPr>
+            <a:spLocks noGrp="1"/>
+          </p:cNvSpPr>
+          <p:nvPr>
+            <p:ph idx="1"/>
+          </p:nvPr>
+        </p:nvSpPr>
+        <p:spPr/>
+        <p:txBody>
+          <a:bodyPr/>
+          <a:lstStyle/>
+          <a:p>
+            <a:r>
+              <a:rPr kumimoji="1" lang="en-US" altLang="ja-JP" dirty="0"/>
+              <a:t>ROC</a:t>
+            </a:r>
+            <a:r>
+              <a:rPr kumimoji="1" lang="ja-JP" altLang="en-US"/>
+              <a:t>曲線の下側面積</a:t>
+            </a:r>
+            <a:endParaRPr kumimoji="1" lang="en-US" altLang="ja-JP" dirty="0"/>
+          </a:p>
+          <a:p>
+            <a:endParaRPr kumimoji="1" lang="en-US" altLang="ja-JP" dirty="0"/>
+          </a:p>
+          <a:p>
+            <a:r>
+              <a:rPr lang="ja-JP" altLang="en-US"/>
+              <a:t>原点</a:t>
+            </a:r>
+            <a:r>
+              <a:rPr lang="en-US" altLang="ja-JP" dirty="0"/>
+              <a:t>(0,0)</a:t>
+            </a:r>
+            <a:r>
+              <a:rPr lang="ja-JP" altLang="en-US"/>
+              <a:t>から</a:t>
+            </a:r>
+            <a:r>
+              <a:rPr lang="en-US" altLang="ja-JP" dirty="0"/>
+              <a:t>(1,1)</a:t>
+            </a:r>
+            <a:r>
+              <a:rPr lang="ja-JP" altLang="en-US"/>
+              <a:t>への直線は</a:t>
+            </a:r>
+            <a:endParaRPr lang="en-US" altLang="ja-JP" dirty="0"/>
+          </a:p>
+          <a:p>
+            <a:pPr marL="0" indent="0">
+              <a:buNone/>
+            </a:pPr>
+            <a:r>
+              <a:rPr lang="ja-JP" altLang="en-US"/>
+              <a:t>当たり外れが半々の予測</a:t>
+            </a:r>
+            <a:endParaRPr lang="en-US" altLang="ja-JP" dirty="0"/>
+          </a:p>
+          <a:p>
+            <a:pPr marL="0" indent="0">
+              <a:buNone/>
+            </a:pPr>
+            <a:endParaRPr lang="en-US" altLang="ja-JP" dirty="0"/>
+          </a:p>
+          <a:p>
+            <a:r>
+              <a:rPr kumimoji="1" lang="en-US" altLang="ja-JP" dirty="0"/>
+              <a:t>(0,0)</a:t>
+            </a:r>
+            <a:r>
+              <a:rPr kumimoji="1" lang="ja-JP" altLang="en-US"/>
+              <a:t>と</a:t>
+            </a:r>
+            <a:r>
+              <a:rPr kumimoji="1" lang="en-US" altLang="ja-JP" dirty="0"/>
+              <a:t>(0,1), (0,1)</a:t>
+            </a:r>
+            <a:r>
+              <a:rPr kumimoji="1" lang="ja-JP" altLang="en-US"/>
+              <a:t>と</a:t>
+            </a:r>
+            <a:r>
+              <a:rPr kumimoji="1" lang="en-US" altLang="ja-JP" dirty="0"/>
+              <a:t>(1,1)</a:t>
+            </a:r>
+            <a:r>
+              <a:rPr kumimoji="1" lang="ja-JP" altLang="en-US"/>
+              <a:t>を直線で</a:t>
+            </a:r>
+            <a:endParaRPr kumimoji="1" lang="en-US" altLang="ja-JP" dirty="0"/>
+          </a:p>
+          <a:p>
+            <a:pPr marL="0" indent="0">
+              <a:buNone/>
+            </a:pPr>
+            <a:r>
+              <a:rPr kumimoji="1" lang="ja-JP" altLang="en-US"/>
+              <a:t>繋いだら</a:t>
+            </a:r>
+            <a:r>
+              <a:rPr kumimoji="1" lang="en-US" altLang="ja-JP" dirty="0"/>
+              <a:t>100</a:t>
+            </a:r>
+            <a:r>
+              <a:rPr kumimoji="1" lang="ja-JP" altLang="en-US"/>
+              <a:t>％当たりの予測</a:t>
+            </a:r>
+          </a:p>
+        </p:txBody>
+      </p:sp>
+      <p:pic>
+        <p:nvPicPr>
+          <p:cNvPr id="5" name="図 4">
+            <a:extLst>
+              <a:ext uri="{FF2B5EF4-FFF2-40B4-BE49-F238E27FC236}">
+                <a16:creationId xmlns:a16="http://schemas.microsoft.com/office/drawing/2014/main" id="{C33C8150-77C5-4229-68D3-F7337247B94F}"/>
+              </a:ext>
+            </a:extLst>
+          </p:cNvPr>
+          <p:cNvPicPr>
+            <a:picLocks noChangeAspect="1"/>
+          </p:cNvPicPr>
+          <p:nvPr/>
+        </p:nvPicPr>
+        <p:blipFill>
+          <a:blip r:embed="rId2"/>
+          <a:stretch>
+            <a:fillRect/>
+          </a:stretch>
+        </p:blipFill>
+        <p:spPr>
+          <a:xfrm>
+            <a:off x="7131050" y="1690688"/>
+            <a:ext cx="4603750" cy="4603750"/>
+          </a:xfrm>
+          <a:prstGeom prst="rect">
+            <a:avLst/>
+          </a:prstGeom>
+        </p:spPr>
+      </p:pic>
+    </p:spTree>
+    <p:extLst>
+      <p:ext uri="{BB962C8B-B14F-4D97-AF65-F5344CB8AC3E}">
+        <p14:creationId xmlns:p14="http://schemas.microsoft.com/office/powerpoint/2010/main" val="2054514178"/>
+      </p:ext>
+    </p:extLst>
+  </p:cSld>
+  <p:clrMapOvr>
+    <a:masterClrMapping/>
+  </p:clrMapOvr>
+</p:sld>
+</file>
+
+<file path=ppt/slides/slide9.xml><?xml version="1.0" encoding="utf-8"?>
+<p:sld xmlns:a="http://schemas.openxmlformats.org/drawingml/2006/main" xmlns:r="http://schemas.openxmlformats.org/officeDocument/2006/relationships" xmlns:p="http://schemas.openxmlformats.org/presentationml/2006/main">
+  <p:cSld>
+    <p:spTree>
+      <p:nvGrpSpPr>
+        <p:cNvPr id="1" name=""/>
+        <p:cNvGrpSpPr/>
+        <p:nvPr/>
+      </p:nvGrpSpPr>
+      <p:grpSpPr>
+        <a:xfrm>
+          <a:off x="0" y="0"/>
+          <a:ext cx="0" cy="0"/>
+          <a:chOff x="0" y="0"/>
+          <a:chExt cx="0" cy="0"/>
+        </a:xfrm>
+      </p:grpSpPr>
+      <p:sp>
+        <p:nvSpPr>
+          <p:cNvPr id="2" name="タイトル 1">
+            <a:extLst>
+              <a:ext uri="{FF2B5EF4-FFF2-40B4-BE49-F238E27FC236}">
+                <a16:creationId xmlns:a16="http://schemas.microsoft.com/office/drawing/2014/main" id="{FAF6683F-0BB8-EE42-BC46-85C1A4CEEC5F}"/>
+              </a:ext>
+            </a:extLst>
+          </p:cNvPr>
+          <p:cNvSpPr>
+            <a:spLocks noGrp="1"/>
+          </p:cNvSpPr>
+          <p:nvPr>
+            <p:ph type="title"/>
+          </p:nvPr>
+        </p:nvSpPr>
+        <p:spPr/>
+        <p:txBody>
+          <a:bodyPr/>
+          <a:lstStyle/>
+          <a:p>
+            <a:r>
+              <a:rPr kumimoji="1" lang="en-US" altLang="ja-JP" dirty="0"/>
+              <a:t>R</a:t>
+            </a:r>
+            <a:r>
+              <a:rPr kumimoji="1" lang="ja-JP" altLang="en-US"/>
+              <a:t>で</a:t>
+            </a:r>
+            <a:r>
+              <a:rPr kumimoji="1" lang="en-US" altLang="ja-JP" dirty="0"/>
+              <a:t>2</a:t>
+            </a:r>
+            <a:r>
+              <a:rPr kumimoji="1" lang="ja-JP" altLang="en-US"/>
+              <a:t>値ロジスティック回帰と</a:t>
+            </a:r>
+            <a:r>
+              <a:rPr kumimoji="1" lang="en-US" altLang="ja-JP" dirty="0"/>
+              <a:t>AUC</a:t>
+            </a:r>
+            <a:endParaRPr kumimoji="1" lang="ja-JP" altLang="en-US"/>
+          </a:p>
+        </p:txBody>
+      </p:sp>
+      <p:sp>
+        <p:nvSpPr>
+          <p:cNvPr id="3" name="コンテンツ プレースホルダー 2">
+            <a:extLst>
+              <a:ext uri="{FF2B5EF4-FFF2-40B4-BE49-F238E27FC236}">
+                <a16:creationId xmlns:a16="http://schemas.microsoft.com/office/drawing/2014/main" id="{39A28075-C999-5E24-B8AF-CAF69464AF36}"/>
+              </a:ext>
+            </a:extLst>
+          </p:cNvPr>
+          <p:cNvSpPr>
+            <a:spLocks noGrp="1"/>
+          </p:cNvSpPr>
+          <p:nvPr>
+            <p:ph idx="1"/>
+          </p:nvPr>
+        </p:nvSpPr>
+        <p:spPr/>
+        <p:txBody>
+          <a:bodyPr/>
+          <a:lstStyle/>
+          <a:p>
+            <a:r>
+              <a:rPr kumimoji="1" lang="en-US" altLang="ja-JP" dirty="0"/>
+              <a:t>R</a:t>
+            </a:r>
+            <a:r>
+              <a:rPr kumimoji="1" lang="ja-JP" altLang="en-US"/>
+              <a:t>で正解・不正解データの予測性能を</a:t>
+            </a:r>
+            <a:r>
+              <a:rPr kumimoji="1" lang="en-US" altLang="ja-JP" dirty="0"/>
+              <a:t>AUC</a:t>
+            </a:r>
+            <a:r>
+              <a:rPr kumimoji="1" lang="ja-JP" altLang="en-US"/>
+              <a:t>で評価してみよう．</a:t>
+            </a:r>
+            <a:endParaRPr kumimoji="1" lang="en-US" altLang="ja-JP" dirty="0"/>
+          </a:p>
+          <a:p>
+            <a:endParaRPr lang="en-US" altLang="ja-JP" dirty="0"/>
+          </a:p>
+          <a:p>
+            <a:r>
+              <a:rPr kumimoji="1" lang="en-US" altLang="ja-JP" dirty="0" err="1"/>
+              <a:t>FishBodyTraitData.csv</a:t>
+            </a:r>
+            <a:r>
+              <a:rPr kumimoji="1" lang="ja-JP" altLang="en-US"/>
+              <a:t>に魚の形態に関するデータが含まれている．</a:t>
+            </a:r>
+            <a:endParaRPr kumimoji="1" lang="en-US" altLang="ja-JP" dirty="0"/>
+          </a:p>
+          <a:p>
+            <a:endParaRPr lang="en-US" altLang="ja-JP" dirty="0"/>
+          </a:p>
+          <a:p>
+            <a:r>
+              <a:rPr kumimoji="1" lang="ja-JP" altLang="en-US"/>
+              <a:t>このデータから浮魚</a:t>
+            </a:r>
+            <a:r>
+              <a:rPr kumimoji="1" lang="en-US" altLang="ja-JP" dirty="0"/>
+              <a:t>/</a:t>
+            </a:r>
+            <a:r>
+              <a:rPr kumimoji="1" lang="ja-JP" altLang="en-US"/>
+              <a:t>底魚</a:t>
+            </a:r>
+            <a:r>
+              <a:rPr kumimoji="1" lang="en-US" altLang="ja-JP" dirty="0"/>
+              <a:t>(</a:t>
+            </a:r>
+            <a:r>
+              <a:rPr kumimoji="1" lang="ja-JP" altLang="en-US"/>
+              <a:t>非浮魚</a:t>
+            </a:r>
+            <a:r>
+              <a:rPr kumimoji="1" lang="en-US" altLang="ja-JP" dirty="0"/>
+              <a:t>)</a:t>
+            </a:r>
+            <a:r>
+              <a:rPr kumimoji="1" lang="ja-JP" altLang="en-US"/>
+              <a:t>かをロジスティック回帰で解析、性能を評価してみる．</a:t>
+            </a:r>
+          </a:p>
+        </p:txBody>
+      </p:sp>
+    </p:spTree>
+    <p:extLst>
+      <p:ext uri="{BB962C8B-B14F-4D97-AF65-F5344CB8AC3E}">
+        <p14:creationId xmlns:p14="http://schemas.microsoft.com/office/powerpoint/2010/main" val="150952946"/>
+      </p:ext>
+    </p:extLst>
+  </p:cSld>
+  <p:clrMapOvr>
+    <a:masterClrMapping/>
+  </p:clrMapOvr>
+</p:sld>
+</file>
+
 <file path=ppt/theme/theme1.xml><?xml version="1.0" encoding="utf-8"?>
 <a:theme xmlns:a="http://schemas.openxmlformats.org/drawingml/2006/main" name="Office テーマ">
   <a:themeElements>
